--- a/lecture9/presentations/lecture9.pptx
+++ b/lecture9/presentations/lecture9.pptx
@@ -58,17 +58,20 @@
     <p:sldId id="302" r:id="rId52"/>
     <p:sldId id="303" r:id="rId53"/>
     <p:sldId id="304" r:id="rId54"/>
+    <p:sldId id="305" r:id="rId55"/>
+    <p:sldId id="306" r:id="rId56"/>
+    <p:sldId id="307" r:id="rId57"/>
   </p:sldIdLst>
   <p:sldSz cy="5143500" cx="9144000"/>
   <p:notesSz cx="6858000" cy="9144000"/>
   <p:embeddedFontLst>
     <p:embeddedFont>
       <p:font typeface="Arial Black"/>
-      <p:regular r:id="rId55"/>
+      <p:regular r:id="rId58"/>
     </p:embeddedFont>
     <p:embeddedFont>
       <p:font typeface="PT Mono"/>
-      <p:regular r:id="rId56"/>
+      <p:regular r:id="rId59"/>
     </p:embeddedFont>
   </p:embeddedFontLst>
   <p:defaultTextStyle>
@@ -3133,7 +3136,7 @@
         <p:spPr>
           <a:xfrm>
             <a:off x="685800" y="4343400"/>
-            <a:ext cx="5485800" cy="4114200"/>
+            <a:ext cx="5486400" cy="4114800"/>
           </a:xfrm>
           <a:prstGeom prst="rect">
             <a:avLst/>
@@ -3144,12 +3147,12 @@
           </a:ln>
         </p:spPr>
         <p:txBody>
-          <a:bodyPr anchorCtr="0" anchor="t" bIns="0" lIns="0" rIns="0" tIns="0">
+          <a:bodyPr anchorCtr="0" anchor="ctr" bIns="91425" lIns="91425" rIns="91425" tIns="91425">
             <a:noAutofit/>
           </a:bodyPr>
           <a:lstStyle/>
           <a:p>
-            <a:pPr indent="0" lvl="0" marL="0" marR="0" rtl="0" algn="l">
+            <a:pPr lvl="0" rtl="0">
               <a:spcBef>
                 <a:spcPts val="0"/>
               </a:spcBef>
@@ -3158,71 +3161,13 @@
             <a:r>
               <a:t/>
             </a:r>
-            <a:endParaRPr b="0" i="0" sz="2000" u="none" cap="none" strike="noStrike">
-              <a:solidFill>
-                <a:srgbClr val="000000"/>
-              </a:solidFill>
-              <a:latin typeface="Arial"/>
-              <a:ea typeface="Arial"/>
-              <a:cs typeface="Arial"/>
-              <a:sym typeface="Arial"/>
-            </a:endParaRPr>
+            <a:endParaRPr/>
           </a:p>
         </p:txBody>
       </p:sp>
       <p:sp>
         <p:nvSpPr>
           <p:cNvPr id="390" name="Shape 390"/>
-          <p:cNvSpPr/>
-          <p:nvPr/>
-        </p:nvSpPr>
-        <p:spPr>
-          <a:xfrm>
-            <a:off x="3884760" y="8685360"/>
-            <a:ext cx="2971200" cy="456600"/>
-          </a:xfrm>
-          <a:prstGeom prst="rect">
-            <a:avLst/>
-          </a:prstGeom>
-          <a:noFill/>
-          <a:ln>
-            <a:noFill/>
-          </a:ln>
-        </p:spPr>
-        <p:txBody>
-          <a:bodyPr anchorCtr="0" anchor="b" bIns="45000" lIns="90000" rIns="90000" tIns="45000">
-            <a:noAutofit/>
-          </a:bodyPr>
-          <a:lstStyle/>
-          <a:p>
-            <a:pPr indent="0" lvl="0" marL="0" marR="0" rtl="0" algn="r">
-              <a:lnSpc>
-                <a:spcPct val="100000"/>
-              </a:lnSpc>
-              <a:spcBef>
-                <a:spcPts val="0"/>
-              </a:spcBef>
-              <a:buSzPct val="25000"/>
-              <a:buNone/>
-            </a:pPr>
-            <a:fld id="{00000000-1234-1234-1234-123412341234}" type="slidenum">
-              <a:rPr b="0" i="0" lang="en-US" sz="1200" u="none" cap="none" strike="noStrike">
-                <a:solidFill>
-                  <a:srgbClr val="000000"/>
-                </a:solidFill>
-                <a:latin typeface="Arial"/>
-                <a:ea typeface="Arial"/>
-                <a:cs typeface="Arial"/>
-                <a:sym typeface="Arial"/>
-              </a:rPr>
-              <a:t>‹#›</a:t>
-            </a:fld>
-          </a:p>
-        </p:txBody>
-      </p:sp>
-      <p:sp>
-        <p:nvSpPr>
-          <p:cNvPr id="391" name="Shape 391"/>
           <p:cNvSpPr/>
           <p:nvPr>
             <p:ph idx="2" type="sldImg"/>
@@ -3267,7 +3212,7 @@
   <p:cSld>
     <p:spTree>
       <p:nvGrpSpPr>
-        <p:cNvPr id="403" name="Shape 403"/>
+        <p:cNvPr id="397" name="Shape 397"/>
         <p:cNvGrpSpPr/>
         <p:nvPr/>
       </p:nvGrpSpPr>
@@ -3281,7 +3226,7 @@
       </p:grpSpPr>
       <p:sp>
         <p:nvSpPr>
-          <p:cNvPr id="404" name="Shape 404"/>
+          <p:cNvPr id="398" name="Shape 398"/>
           <p:cNvSpPr txBox="1"/>
           <p:nvPr>
             <p:ph idx="1" type="body"/>
@@ -3321,7 +3266,7 @@
       </p:sp>
       <p:sp>
         <p:nvSpPr>
-          <p:cNvPr id="405" name="Shape 405"/>
+          <p:cNvPr id="399" name="Shape 399"/>
           <p:cNvSpPr/>
           <p:nvPr>
             <p:ph idx="2" type="sldImg"/>
@@ -3366,7 +3311,7 @@
   <p:cSld>
     <p:spTree>
       <p:nvGrpSpPr>
-        <p:cNvPr id="410" name="Shape 410"/>
+        <p:cNvPr id="404" name="Shape 404"/>
         <p:cNvGrpSpPr/>
         <p:nvPr/>
       </p:nvGrpSpPr>
@@ -3380,7 +3325,7 @@
       </p:grpSpPr>
       <p:sp>
         <p:nvSpPr>
-          <p:cNvPr id="411" name="Shape 411"/>
+          <p:cNvPr id="405" name="Shape 405"/>
           <p:cNvSpPr txBox="1"/>
           <p:nvPr>
             <p:ph idx="1" type="body"/>
@@ -3389,7 +3334,7 @@
         <p:spPr>
           <a:xfrm>
             <a:off x="685800" y="4343400"/>
-            <a:ext cx="5486400" cy="4114800"/>
+            <a:ext cx="5485800" cy="4114200"/>
           </a:xfrm>
           <a:prstGeom prst="rect">
             <a:avLst/>
@@ -3400,12 +3345,12 @@
           </a:ln>
         </p:spPr>
         <p:txBody>
-          <a:bodyPr anchorCtr="0" anchor="ctr" bIns="91425" lIns="91425" rIns="91425" tIns="91425">
+          <a:bodyPr anchorCtr="0" anchor="t" bIns="0" lIns="0" rIns="0" tIns="0">
             <a:noAutofit/>
           </a:bodyPr>
           <a:lstStyle/>
           <a:p>
-            <a:pPr lvl="0" rtl="0">
+            <a:pPr indent="0" lvl="0" marL="0" marR="0" rtl="0" algn="l">
               <a:spcBef>
                 <a:spcPts val="0"/>
               </a:spcBef>
@@ -3414,13 +3359,71 @@
             <a:r>
               <a:t/>
             </a:r>
-            <a:endParaRPr/>
+            <a:endParaRPr b="0" i="0" sz="2000" u="none" cap="none" strike="noStrike">
+              <a:solidFill>
+                <a:srgbClr val="000000"/>
+              </a:solidFill>
+              <a:latin typeface="Arial"/>
+              <a:ea typeface="Arial"/>
+              <a:cs typeface="Arial"/>
+              <a:sym typeface="Arial"/>
+            </a:endParaRPr>
           </a:p>
         </p:txBody>
       </p:sp>
       <p:sp>
         <p:nvSpPr>
-          <p:cNvPr id="412" name="Shape 412"/>
+          <p:cNvPr id="406" name="Shape 406"/>
+          <p:cNvSpPr/>
+          <p:nvPr/>
+        </p:nvSpPr>
+        <p:spPr>
+          <a:xfrm>
+            <a:off x="3884760" y="8685360"/>
+            <a:ext cx="2971200" cy="456600"/>
+          </a:xfrm>
+          <a:prstGeom prst="rect">
+            <a:avLst/>
+          </a:prstGeom>
+          <a:noFill/>
+          <a:ln>
+            <a:noFill/>
+          </a:ln>
+        </p:spPr>
+        <p:txBody>
+          <a:bodyPr anchorCtr="0" anchor="b" bIns="45000" lIns="90000" rIns="90000" tIns="45000">
+            <a:noAutofit/>
+          </a:bodyPr>
+          <a:lstStyle/>
+          <a:p>
+            <a:pPr indent="0" lvl="0" marL="0" marR="0" rtl="0" algn="r">
+              <a:lnSpc>
+                <a:spcPct val="100000"/>
+              </a:lnSpc>
+              <a:spcBef>
+                <a:spcPts val="0"/>
+              </a:spcBef>
+              <a:buSzPct val="25000"/>
+              <a:buNone/>
+            </a:pPr>
+            <a:fld id="{00000000-1234-1234-1234-123412341234}" type="slidenum">
+              <a:rPr b="0" i="0" lang="en-US" sz="1200" u="none" cap="none" strike="noStrike">
+                <a:solidFill>
+                  <a:srgbClr val="000000"/>
+                </a:solidFill>
+                <a:latin typeface="Arial"/>
+                <a:ea typeface="Arial"/>
+                <a:cs typeface="Arial"/>
+                <a:sym typeface="Arial"/>
+              </a:rPr>
+              <a:t>‹#›</a:t>
+            </a:fld>
+          </a:p>
+        </p:txBody>
+      </p:sp>
+      <p:sp>
+        <p:nvSpPr>
+          <p:cNvPr id="407" name="Shape 407"/>
           <p:cNvSpPr/>
           <p:nvPr>
             <p:ph idx="2" type="sldImg"/>
@@ -3465,7 +3468,7 @@
   <p:cSld>
     <p:spTree>
       <p:nvGrpSpPr>
-        <p:cNvPr id="417" name="Shape 417"/>
+        <p:cNvPr id="419" name="Shape 419"/>
         <p:cNvGrpSpPr/>
         <p:nvPr/>
       </p:nvGrpSpPr>
@@ -3479,7 +3482,7 @@
       </p:grpSpPr>
       <p:sp>
         <p:nvSpPr>
-          <p:cNvPr id="418" name="Shape 418"/>
+          <p:cNvPr id="420" name="Shape 420"/>
           <p:cNvSpPr txBox="1"/>
           <p:nvPr>
             <p:ph idx="1" type="body"/>
@@ -3519,7 +3522,7 @@
       </p:sp>
       <p:sp>
         <p:nvSpPr>
-          <p:cNvPr id="419" name="Shape 419"/>
+          <p:cNvPr id="421" name="Shape 421"/>
           <p:cNvSpPr/>
           <p:nvPr>
             <p:ph idx="2" type="sldImg"/>
@@ -3564,7 +3567,7 @@
   <p:cSld>
     <p:spTree>
       <p:nvGrpSpPr>
-        <p:cNvPr id="424" name="Shape 424"/>
+        <p:cNvPr id="426" name="Shape 426"/>
         <p:cNvGrpSpPr/>
         <p:nvPr/>
       </p:nvGrpSpPr>
@@ -3578,7 +3581,7 @@
       </p:grpSpPr>
       <p:sp>
         <p:nvSpPr>
-          <p:cNvPr id="425" name="Shape 425"/>
+          <p:cNvPr id="427" name="Shape 427"/>
           <p:cNvSpPr txBox="1"/>
           <p:nvPr>
             <p:ph idx="1" type="body"/>
@@ -3618,7 +3621,7 @@
       </p:sp>
       <p:sp>
         <p:nvSpPr>
-          <p:cNvPr id="426" name="Shape 426"/>
+          <p:cNvPr id="428" name="Shape 428"/>
           <p:cNvSpPr/>
           <p:nvPr>
             <p:ph idx="2" type="sldImg"/>
@@ -3663,7 +3666,7 @@
   <p:cSld>
     <p:spTree>
       <p:nvGrpSpPr>
-        <p:cNvPr id="432" name="Shape 432"/>
+        <p:cNvPr id="433" name="Shape 433"/>
         <p:cNvGrpSpPr/>
         <p:nvPr/>
       </p:nvGrpSpPr>
@@ -3677,7 +3680,7 @@
       </p:grpSpPr>
       <p:sp>
         <p:nvSpPr>
-          <p:cNvPr id="433" name="Shape 433"/>
+          <p:cNvPr id="434" name="Shape 434"/>
           <p:cNvSpPr txBox="1"/>
           <p:nvPr>
             <p:ph idx="1" type="body"/>
@@ -3717,7 +3720,7 @@
       </p:sp>
       <p:sp>
         <p:nvSpPr>
-          <p:cNvPr id="434" name="Shape 434"/>
+          <p:cNvPr id="435" name="Shape 435"/>
           <p:cNvSpPr/>
           <p:nvPr>
             <p:ph idx="2" type="sldImg"/>
@@ -4018,7 +4021,7 @@
   <p:cSld>
     <p:spTree>
       <p:nvGrpSpPr>
-        <p:cNvPr id="447" name="Shape 447"/>
+        <p:cNvPr id="448" name="Shape 448"/>
         <p:cNvGrpSpPr/>
         <p:nvPr/>
       </p:nvGrpSpPr>
@@ -4032,7 +4035,7 @@
       </p:grpSpPr>
       <p:sp>
         <p:nvSpPr>
-          <p:cNvPr id="448" name="Shape 448"/>
+          <p:cNvPr id="449" name="Shape 449"/>
           <p:cNvSpPr txBox="1"/>
           <p:nvPr>
             <p:ph idx="1" type="body"/>
@@ -4072,7 +4075,7 @@
       </p:sp>
       <p:sp>
         <p:nvSpPr>
-          <p:cNvPr id="449" name="Shape 449"/>
+          <p:cNvPr id="450" name="Shape 450"/>
           <p:cNvSpPr/>
           <p:nvPr>
             <p:ph idx="2" type="sldImg"/>
@@ -4117,7 +4120,7 @@
   <p:cSld>
     <p:spTree>
       <p:nvGrpSpPr>
-        <p:cNvPr id="454" name="Shape 454"/>
+        <p:cNvPr id="456" name="Shape 456"/>
         <p:cNvGrpSpPr/>
         <p:nvPr/>
       </p:nvGrpSpPr>
@@ -4131,7 +4134,7 @@
       </p:grpSpPr>
       <p:sp>
         <p:nvSpPr>
-          <p:cNvPr id="455" name="Shape 455"/>
+          <p:cNvPr id="457" name="Shape 457"/>
           <p:cNvSpPr txBox="1"/>
           <p:nvPr>
             <p:ph idx="1" type="body"/>
@@ -4140,7 +4143,7 @@
         <p:spPr>
           <a:xfrm>
             <a:off x="685800" y="4343400"/>
-            <a:ext cx="5485800" cy="4114200"/>
+            <a:ext cx="5486400" cy="4114800"/>
           </a:xfrm>
           <a:prstGeom prst="rect">
             <a:avLst/>
@@ -4151,12 +4154,12 @@
           </a:ln>
         </p:spPr>
         <p:txBody>
-          <a:bodyPr anchorCtr="0" anchor="t" bIns="0" lIns="0" rIns="0" tIns="0">
+          <a:bodyPr anchorCtr="0" anchor="ctr" bIns="91425" lIns="91425" rIns="91425" tIns="91425">
             <a:noAutofit/>
           </a:bodyPr>
           <a:lstStyle/>
           <a:p>
-            <a:pPr indent="0" lvl="0" marL="0" marR="0" rtl="0" algn="l">
+            <a:pPr lvl="0" rtl="0">
               <a:spcBef>
                 <a:spcPts val="0"/>
               </a:spcBef>
@@ -4165,71 +4168,13 @@
             <a:r>
               <a:t/>
             </a:r>
-            <a:endParaRPr b="0" i="0" sz="2000" u="none" cap="none" strike="noStrike">
-              <a:solidFill>
-                <a:srgbClr val="000000"/>
-              </a:solidFill>
-              <a:latin typeface="Arial"/>
-              <a:ea typeface="Arial"/>
-              <a:cs typeface="Arial"/>
-              <a:sym typeface="Arial"/>
-            </a:endParaRPr>
+            <a:endParaRPr/>
           </a:p>
         </p:txBody>
       </p:sp>
       <p:sp>
         <p:nvSpPr>
-          <p:cNvPr id="456" name="Shape 456"/>
-          <p:cNvSpPr/>
-          <p:nvPr/>
-        </p:nvSpPr>
-        <p:spPr>
-          <a:xfrm>
-            <a:off x="3884760" y="8685360"/>
-            <a:ext cx="2971200" cy="456600"/>
-          </a:xfrm>
-          <a:prstGeom prst="rect">
-            <a:avLst/>
-          </a:prstGeom>
-          <a:noFill/>
-          <a:ln>
-            <a:noFill/>
-          </a:ln>
-        </p:spPr>
-        <p:txBody>
-          <a:bodyPr anchorCtr="0" anchor="b" bIns="45000" lIns="90000" rIns="90000" tIns="45000">
-            <a:noAutofit/>
-          </a:bodyPr>
-          <a:lstStyle/>
-          <a:p>
-            <a:pPr indent="0" lvl="0" marL="0" marR="0" rtl="0" algn="r">
-              <a:lnSpc>
-                <a:spcPct val="100000"/>
-              </a:lnSpc>
-              <a:spcBef>
-                <a:spcPts val="0"/>
-              </a:spcBef>
-              <a:buSzPct val="25000"/>
-              <a:buNone/>
-            </a:pPr>
-            <a:fld id="{00000000-1234-1234-1234-123412341234}" type="slidenum">
-              <a:rPr b="0" i="0" lang="en-US" sz="1200" u="none" cap="none" strike="noStrike">
-                <a:solidFill>
-                  <a:srgbClr val="000000"/>
-                </a:solidFill>
-                <a:latin typeface="Arial"/>
-                <a:ea typeface="Arial"/>
-                <a:cs typeface="Arial"/>
-                <a:sym typeface="Arial"/>
-              </a:rPr>
-              <a:t>‹#›</a:t>
-            </a:fld>
-          </a:p>
-        </p:txBody>
-      </p:sp>
-      <p:sp>
-        <p:nvSpPr>
-          <p:cNvPr id="457" name="Shape 457"/>
+          <p:cNvPr id="458" name="Shape 458"/>
           <p:cNvSpPr/>
           <p:nvPr>
             <p:ph idx="2" type="sldImg"/>
@@ -4274,7 +4219,7 @@
   <p:cSld>
     <p:spTree>
       <p:nvGrpSpPr>
-        <p:cNvPr id="469" name="Shape 469"/>
+        <p:cNvPr id="463" name="Shape 463"/>
         <p:cNvGrpSpPr/>
         <p:nvPr/>
       </p:nvGrpSpPr>
@@ -4288,7 +4233,7 @@
       </p:grpSpPr>
       <p:sp>
         <p:nvSpPr>
-          <p:cNvPr id="470" name="Shape 470"/>
+          <p:cNvPr id="464" name="Shape 464"/>
           <p:cNvSpPr txBox="1"/>
           <p:nvPr>
             <p:ph idx="1" type="body"/>
@@ -4328,7 +4273,7 @@
       </p:sp>
       <p:sp>
         <p:nvSpPr>
-          <p:cNvPr id="471" name="Shape 471"/>
+          <p:cNvPr id="465" name="Shape 465"/>
           <p:cNvSpPr/>
           <p:nvPr>
             <p:ph idx="2" type="sldImg"/>
@@ -4373,7 +4318,7 @@
   <p:cSld>
     <p:spTree>
       <p:nvGrpSpPr>
-        <p:cNvPr id="476" name="Shape 476"/>
+        <p:cNvPr id="470" name="Shape 470"/>
         <p:cNvGrpSpPr/>
         <p:nvPr/>
       </p:nvGrpSpPr>
@@ -4387,7 +4332,7 @@
       </p:grpSpPr>
       <p:sp>
         <p:nvSpPr>
-          <p:cNvPr id="477" name="Shape 477"/>
+          <p:cNvPr id="471" name="Shape 471"/>
           <p:cNvSpPr txBox="1"/>
           <p:nvPr>
             <p:ph idx="1" type="body"/>
@@ -4396,7 +4341,7 @@
         <p:spPr>
           <a:xfrm>
             <a:off x="685800" y="4343400"/>
-            <a:ext cx="5486400" cy="4114800"/>
+            <a:ext cx="5485800" cy="4114200"/>
           </a:xfrm>
           <a:prstGeom prst="rect">
             <a:avLst/>
@@ -4407,12 +4352,12 @@
           </a:ln>
         </p:spPr>
         <p:txBody>
-          <a:bodyPr anchorCtr="0" anchor="ctr" bIns="91425" lIns="91425" rIns="91425" tIns="91425">
+          <a:bodyPr anchorCtr="0" anchor="t" bIns="0" lIns="0" rIns="0" tIns="0">
             <a:noAutofit/>
           </a:bodyPr>
           <a:lstStyle/>
           <a:p>
-            <a:pPr lvl="0" rtl="0">
+            <a:pPr indent="0" lvl="0" marL="0" marR="0" rtl="0" algn="l">
               <a:spcBef>
                 <a:spcPts val="0"/>
               </a:spcBef>
@@ -4421,13 +4366,71 @@
             <a:r>
               <a:t/>
             </a:r>
-            <a:endParaRPr/>
+            <a:endParaRPr b="0" i="0" sz="2000" u="none" cap="none" strike="noStrike">
+              <a:solidFill>
+                <a:srgbClr val="000000"/>
+              </a:solidFill>
+              <a:latin typeface="Arial"/>
+              <a:ea typeface="Arial"/>
+              <a:cs typeface="Arial"/>
+              <a:sym typeface="Arial"/>
+            </a:endParaRPr>
           </a:p>
         </p:txBody>
       </p:sp>
       <p:sp>
         <p:nvSpPr>
-          <p:cNvPr id="478" name="Shape 478"/>
+          <p:cNvPr id="472" name="Shape 472"/>
+          <p:cNvSpPr/>
+          <p:nvPr/>
+        </p:nvSpPr>
+        <p:spPr>
+          <a:xfrm>
+            <a:off x="3884760" y="8685360"/>
+            <a:ext cx="2971200" cy="456600"/>
+          </a:xfrm>
+          <a:prstGeom prst="rect">
+            <a:avLst/>
+          </a:prstGeom>
+          <a:noFill/>
+          <a:ln>
+            <a:noFill/>
+          </a:ln>
+        </p:spPr>
+        <p:txBody>
+          <a:bodyPr anchorCtr="0" anchor="b" bIns="45000" lIns="90000" rIns="90000" tIns="45000">
+            <a:noAutofit/>
+          </a:bodyPr>
+          <a:lstStyle/>
+          <a:p>
+            <a:pPr indent="0" lvl="0" marL="0" marR="0" rtl="0" algn="r">
+              <a:lnSpc>
+                <a:spcPct val="100000"/>
+              </a:lnSpc>
+              <a:spcBef>
+                <a:spcPts val="0"/>
+              </a:spcBef>
+              <a:buSzPct val="25000"/>
+              <a:buNone/>
+            </a:pPr>
+            <a:fld id="{00000000-1234-1234-1234-123412341234}" type="slidenum">
+              <a:rPr b="0" i="0" lang="en-US" sz="1200" u="none" cap="none" strike="noStrike">
+                <a:solidFill>
+                  <a:srgbClr val="000000"/>
+                </a:solidFill>
+                <a:latin typeface="Arial"/>
+                <a:ea typeface="Arial"/>
+                <a:cs typeface="Arial"/>
+                <a:sym typeface="Arial"/>
+              </a:rPr>
+              <a:t>‹#›</a:t>
+            </a:fld>
+          </a:p>
+        </p:txBody>
+      </p:sp>
+      <p:sp>
+        <p:nvSpPr>
+          <p:cNvPr id="473" name="Shape 473"/>
           <p:cNvSpPr/>
           <p:nvPr>
             <p:ph idx="2" type="sldImg"/>
@@ -4472,7 +4475,7 @@
   <p:cSld>
     <p:spTree>
       <p:nvGrpSpPr>
-        <p:cNvPr id="484" name="Shape 484"/>
+        <p:cNvPr id="485" name="Shape 485"/>
         <p:cNvGrpSpPr/>
         <p:nvPr/>
       </p:nvGrpSpPr>
@@ -4486,7 +4489,7 @@
       </p:grpSpPr>
       <p:sp>
         <p:nvSpPr>
-          <p:cNvPr id="485" name="Shape 485"/>
+          <p:cNvPr id="486" name="Shape 486"/>
           <p:cNvSpPr txBox="1"/>
           <p:nvPr>
             <p:ph idx="1" type="body"/>
@@ -4526,7 +4529,7 @@
       </p:sp>
       <p:sp>
         <p:nvSpPr>
-          <p:cNvPr id="486" name="Shape 486"/>
+          <p:cNvPr id="487" name="Shape 487"/>
           <p:cNvSpPr/>
           <p:nvPr>
             <p:ph idx="2" type="sldImg"/>
@@ -4571,7 +4574,7 @@
   <p:cSld>
     <p:spTree>
       <p:nvGrpSpPr>
-        <p:cNvPr id="491" name="Shape 491"/>
+        <p:cNvPr id="492" name="Shape 492"/>
         <p:cNvGrpSpPr/>
         <p:nvPr/>
       </p:nvGrpSpPr>
@@ -4585,7 +4588,7 @@
       </p:grpSpPr>
       <p:sp>
         <p:nvSpPr>
-          <p:cNvPr id="492" name="Shape 492"/>
+          <p:cNvPr id="493" name="Shape 493"/>
           <p:cNvSpPr txBox="1"/>
           <p:nvPr>
             <p:ph idx="1" type="body"/>
@@ -4625,7 +4628,7 @@
       </p:sp>
       <p:sp>
         <p:nvSpPr>
-          <p:cNvPr id="493" name="Shape 493"/>
+          <p:cNvPr id="494" name="Shape 494"/>
           <p:cNvSpPr/>
           <p:nvPr>
             <p:ph idx="2" type="sldImg"/>
@@ -4670,7 +4673,7 @@
   <p:cSld>
     <p:spTree>
       <p:nvGrpSpPr>
-        <p:cNvPr id="498" name="Shape 498"/>
+        <p:cNvPr id="500" name="Shape 500"/>
         <p:cNvGrpSpPr/>
         <p:nvPr/>
       </p:nvGrpSpPr>
@@ -4684,7 +4687,7 @@
       </p:grpSpPr>
       <p:sp>
         <p:nvSpPr>
-          <p:cNvPr id="499" name="Shape 499"/>
+          <p:cNvPr id="501" name="Shape 501"/>
           <p:cNvSpPr txBox="1"/>
           <p:nvPr>
             <p:ph idx="1" type="body"/>
@@ -4724,7 +4727,7 @@
       </p:sp>
       <p:sp>
         <p:nvSpPr>
-          <p:cNvPr id="500" name="Shape 500"/>
+          <p:cNvPr id="502" name="Shape 502"/>
           <p:cNvSpPr/>
           <p:nvPr>
             <p:ph idx="2" type="sldImg"/>
@@ -4769,7 +4772,7 @@
   <p:cSld>
     <p:spTree>
       <p:nvGrpSpPr>
-        <p:cNvPr id="505" name="Shape 505"/>
+        <p:cNvPr id="507" name="Shape 507"/>
         <p:cNvGrpSpPr/>
         <p:nvPr/>
       </p:nvGrpSpPr>
@@ -4783,7 +4786,7 @@
       </p:grpSpPr>
       <p:sp>
         <p:nvSpPr>
-          <p:cNvPr id="506" name="Shape 506"/>
+          <p:cNvPr id="508" name="Shape 508"/>
           <p:cNvSpPr txBox="1"/>
           <p:nvPr>
             <p:ph idx="1" type="body"/>
@@ -4823,7 +4826,7 @@
       </p:sp>
       <p:sp>
         <p:nvSpPr>
-          <p:cNvPr id="507" name="Shape 507"/>
+          <p:cNvPr id="509" name="Shape 509"/>
           <p:cNvSpPr/>
           <p:nvPr>
             <p:ph idx="2" type="sldImg"/>
@@ -4868,7 +4871,7 @@
   <p:cSld>
     <p:spTree>
       <p:nvGrpSpPr>
-        <p:cNvPr id="512" name="Shape 512"/>
+        <p:cNvPr id="514" name="Shape 514"/>
         <p:cNvGrpSpPr/>
         <p:nvPr/>
       </p:nvGrpSpPr>
@@ -4882,7 +4885,7 @@
       </p:grpSpPr>
       <p:sp>
         <p:nvSpPr>
-          <p:cNvPr id="513" name="Shape 513"/>
+          <p:cNvPr id="515" name="Shape 515"/>
           <p:cNvSpPr txBox="1"/>
           <p:nvPr>
             <p:ph idx="1" type="body"/>
@@ -4891,7 +4894,7 @@
         <p:spPr>
           <a:xfrm>
             <a:off x="685800" y="4343400"/>
-            <a:ext cx="5486399" cy="4114800"/>
+            <a:ext cx="5486400" cy="4114800"/>
           </a:xfrm>
           <a:prstGeom prst="rect">
             <a:avLst/>
@@ -4907,7 +4910,7 @@
           </a:bodyPr>
           <a:lstStyle/>
           <a:p>
-            <a:pPr lvl="0">
+            <a:pPr lvl="0" rtl="0">
               <a:spcBef>
                 <a:spcPts val="0"/>
               </a:spcBef>
@@ -4922,7 +4925,7 @@
       </p:sp>
       <p:sp>
         <p:nvSpPr>
-          <p:cNvPr id="514" name="Shape 514"/>
+          <p:cNvPr id="516" name="Shape 516"/>
           <p:cNvSpPr/>
           <p:nvPr>
             <p:ph idx="2" type="sldImg"/>
@@ -4931,7 +4934,7 @@
         <p:spPr>
           <a:xfrm>
             <a:off x="1143225" y="685800"/>
-            <a:ext cx="4572225" cy="3429000"/>
+            <a:ext cx="4572300" cy="3429000"/>
           </a:xfrm>
           <a:custGeom>
             <a:pathLst>
@@ -5089,6 +5092,303 @@
           <a:xfrm>
             <a:off x="1143225" y="685800"/>
             <a:ext cx="4572300" cy="3429000"/>
+          </a:xfrm>
+          <a:custGeom>
+            <a:pathLst>
+              <a:path extrusionOk="0" h="120000" w="120000">
+                <a:moveTo>
+                  <a:pt x="0" y="0"/>
+                </a:moveTo>
+                <a:lnTo>
+                  <a:pt x="120000" y="0"/>
+                </a:lnTo>
+                <a:lnTo>
+                  <a:pt x="120000" y="120000"/>
+                </a:lnTo>
+                <a:lnTo>
+                  <a:pt x="0" y="120000"/>
+                </a:lnTo>
+                <a:close/>
+              </a:path>
+            </a:pathLst>
+          </a:custGeom>
+        </p:spPr>
+      </p:sp>
+    </p:spTree>
+  </p:cSld>
+  <p:clrMapOvr>
+    <a:masterClrMapping/>
+  </p:clrMapOvr>
+</p:notes>
+</file>
+
+<file path=ppt/notesSlides/notesSlide50.xml><?xml version="1.0" encoding="utf-8"?>
+<p:notes xmlns:a="http://schemas.openxmlformats.org/drawingml/2006/main" xmlns:r="http://schemas.openxmlformats.org/officeDocument/2006/relationships" xmlns:mc="http://schemas.openxmlformats.org/markup-compatibility/2006" xmlns:mv="urn:schemas-microsoft-com:mac:vml" xmlns:p="http://schemas.openxmlformats.org/presentationml/2006/main" xmlns:c="http://schemas.openxmlformats.org/drawingml/2006/chart" xmlns:dgm="http://schemas.openxmlformats.org/drawingml/2006/diagram" xmlns:o="urn:schemas-microsoft-com:office:office" xmlns:v="urn:schemas-microsoft-com:vml" xmlns:pvml="urn:schemas-microsoft-com:office:powerpoint" xmlns:com="http://schemas.openxmlformats.org/drawingml/2006/compatibility" xmlns:p14="http://schemas.microsoft.com/office/powerpoint/2010/main" showMasterPhAnim="0" showMasterSp="0">
+  <p:cSld>
+    <p:spTree>
+      <p:nvGrpSpPr>
+        <p:cNvPr id="521" name="Shape 521"/>
+        <p:cNvGrpSpPr/>
+        <p:nvPr/>
+      </p:nvGrpSpPr>
+      <p:grpSpPr>
+        <a:xfrm>
+          <a:off x="0" y="0"/>
+          <a:ext cx="0" cy="0"/>
+          <a:chOff x="0" y="0"/>
+          <a:chExt cx="0" cy="0"/>
+        </a:xfrm>
+      </p:grpSpPr>
+      <p:sp>
+        <p:nvSpPr>
+          <p:cNvPr id="522" name="Shape 522"/>
+          <p:cNvSpPr txBox="1"/>
+          <p:nvPr>
+            <p:ph idx="1" type="body"/>
+          </p:nvPr>
+        </p:nvSpPr>
+        <p:spPr>
+          <a:xfrm>
+            <a:off x="685800" y="4343400"/>
+            <a:ext cx="5486400" cy="4114800"/>
+          </a:xfrm>
+          <a:prstGeom prst="rect">
+            <a:avLst/>
+          </a:prstGeom>
+          <a:noFill/>
+          <a:ln>
+            <a:noFill/>
+          </a:ln>
+        </p:spPr>
+        <p:txBody>
+          <a:bodyPr anchorCtr="0" anchor="ctr" bIns="91425" lIns="91425" rIns="91425" tIns="91425">
+            <a:noAutofit/>
+          </a:bodyPr>
+          <a:lstStyle/>
+          <a:p>
+            <a:pPr lvl="0" rtl="0">
+              <a:spcBef>
+                <a:spcPts val="0"/>
+              </a:spcBef>
+              <a:buNone/>
+            </a:pPr>
+            <a:r>
+              <a:t/>
+            </a:r>
+            <a:endParaRPr/>
+          </a:p>
+        </p:txBody>
+      </p:sp>
+      <p:sp>
+        <p:nvSpPr>
+          <p:cNvPr id="523" name="Shape 523"/>
+          <p:cNvSpPr/>
+          <p:nvPr>
+            <p:ph idx="2" type="sldImg"/>
+          </p:nvPr>
+        </p:nvSpPr>
+        <p:spPr>
+          <a:xfrm>
+            <a:off x="1143225" y="685800"/>
+            <a:ext cx="4572300" cy="3429000"/>
+          </a:xfrm>
+          <a:custGeom>
+            <a:pathLst>
+              <a:path extrusionOk="0" h="120000" w="120000">
+                <a:moveTo>
+                  <a:pt x="0" y="0"/>
+                </a:moveTo>
+                <a:lnTo>
+                  <a:pt x="120000" y="0"/>
+                </a:lnTo>
+                <a:lnTo>
+                  <a:pt x="120000" y="120000"/>
+                </a:lnTo>
+                <a:lnTo>
+                  <a:pt x="0" y="120000"/>
+                </a:lnTo>
+                <a:close/>
+              </a:path>
+            </a:pathLst>
+          </a:custGeom>
+        </p:spPr>
+      </p:sp>
+    </p:spTree>
+  </p:cSld>
+  <p:clrMapOvr>
+    <a:masterClrMapping/>
+  </p:clrMapOvr>
+</p:notes>
+</file>
+
+<file path=ppt/notesSlides/notesSlide51.xml><?xml version="1.0" encoding="utf-8"?>
+<p:notes xmlns:a="http://schemas.openxmlformats.org/drawingml/2006/main" xmlns:r="http://schemas.openxmlformats.org/officeDocument/2006/relationships" xmlns:mc="http://schemas.openxmlformats.org/markup-compatibility/2006" xmlns:mv="urn:schemas-microsoft-com:mac:vml" xmlns:p="http://schemas.openxmlformats.org/presentationml/2006/main" xmlns:c="http://schemas.openxmlformats.org/drawingml/2006/chart" xmlns:dgm="http://schemas.openxmlformats.org/drawingml/2006/diagram" xmlns:o="urn:schemas-microsoft-com:office:office" xmlns:v="urn:schemas-microsoft-com:vml" xmlns:pvml="urn:schemas-microsoft-com:office:powerpoint" xmlns:com="http://schemas.openxmlformats.org/drawingml/2006/compatibility" xmlns:p14="http://schemas.microsoft.com/office/powerpoint/2010/main" showMasterPhAnim="0" showMasterSp="0">
+  <p:cSld>
+    <p:spTree>
+      <p:nvGrpSpPr>
+        <p:cNvPr id="528" name="Shape 528"/>
+        <p:cNvGrpSpPr/>
+        <p:nvPr/>
+      </p:nvGrpSpPr>
+      <p:grpSpPr>
+        <a:xfrm>
+          <a:off x="0" y="0"/>
+          <a:ext cx="0" cy="0"/>
+          <a:chOff x="0" y="0"/>
+          <a:chExt cx="0" cy="0"/>
+        </a:xfrm>
+      </p:grpSpPr>
+      <p:sp>
+        <p:nvSpPr>
+          <p:cNvPr id="529" name="Shape 529"/>
+          <p:cNvSpPr txBox="1"/>
+          <p:nvPr>
+            <p:ph idx="1" type="body"/>
+          </p:nvPr>
+        </p:nvSpPr>
+        <p:spPr>
+          <a:xfrm>
+            <a:off x="685800" y="4343400"/>
+            <a:ext cx="5486400" cy="4114800"/>
+          </a:xfrm>
+          <a:prstGeom prst="rect">
+            <a:avLst/>
+          </a:prstGeom>
+          <a:noFill/>
+          <a:ln>
+            <a:noFill/>
+          </a:ln>
+        </p:spPr>
+        <p:txBody>
+          <a:bodyPr anchorCtr="0" anchor="ctr" bIns="91425" lIns="91425" rIns="91425" tIns="91425">
+            <a:noAutofit/>
+          </a:bodyPr>
+          <a:lstStyle/>
+          <a:p>
+            <a:pPr lvl="0" rtl="0">
+              <a:spcBef>
+                <a:spcPts val="0"/>
+              </a:spcBef>
+              <a:buNone/>
+            </a:pPr>
+            <a:r>
+              <a:t/>
+            </a:r>
+            <a:endParaRPr/>
+          </a:p>
+        </p:txBody>
+      </p:sp>
+      <p:sp>
+        <p:nvSpPr>
+          <p:cNvPr id="530" name="Shape 530"/>
+          <p:cNvSpPr/>
+          <p:nvPr>
+            <p:ph idx="2" type="sldImg"/>
+          </p:nvPr>
+        </p:nvSpPr>
+        <p:spPr>
+          <a:xfrm>
+            <a:off x="1143225" y="685800"/>
+            <a:ext cx="4572300" cy="3429000"/>
+          </a:xfrm>
+          <a:custGeom>
+            <a:pathLst>
+              <a:path extrusionOk="0" h="120000" w="120000">
+                <a:moveTo>
+                  <a:pt x="0" y="0"/>
+                </a:moveTo>
+                <a:lnTo>
+                  <a:pt x="120000" y="0"/>
+                </a:lnTo>
+                <a:lnTo>
+                  <a:pt x="120000" y="120000"/>
+                </a:lnTo>
+                <a:lnTo>
+                  <a:pt x="0" y="120000"/>
+                </a:lnTo>
+                <a:close/>
+              </a:path>
+            </a:pathLst>
+          </a:custGeom>
+        </p:spPr>
+      </p:sp>
+    </p:spTree>
+  </p:cSld>
+  <p:clrMapOvr>
+    <a:masterClrMapping/>
+  </p:clrMapOvr>
+</p:notes>
+</file>
+
+<file path=ppt/notesSlides/notesSlide52.xml><?xml version="1.0" encoding="utf-8"?>
+<p:notes xmlns:a="http://schemas.openxmlformats.org/drawingml/2006/main" xmlns:r="http://schemas.openxmlformats.org/officeDocument/2006/relationships" xmlns:mc="http://schemas.openxmlformats.org/markup-compatibility/2006" xmlns:mv="urn:schemas-microsoft-com:mac:vml" xmlns:p="http://schemas.openxmlformats.org/presentationml/2006/main" xmlns:c="http://schemas.openxmlformats.org/drawingml/2006/chart" xmlns:dgm="http://schemas.openxmlformats.org/drawingml/2006/diagram" xmlns:o="urn:schemas-microsoft-com:office:office" xmlns:v="urn:schemas-microsoft-com:vml" xmlns:pvml="urn:schemas-microsoft-com:office:powerpoint" xmlns:com="http://schemas.openxmlformats.org/drawingml/2006/compatibility" xmlns:p14="http://schemas.microsoft.com/office/powerpoint/2010/main" showMasterPhAnim="0" showMasterSp="0">
+  <p:cSld>
+    <p:spTree>
+      <p:nvGrpSpPr>
+        <p:cNvPr id="537" name="Shape 537"/>
+        <p:cNvGrpSpPr/>
+        <p:nvPr/>
+      </p:nvGrpSpPr>
+      <p:grpSpPr>
+        <a:xfrm>
+          <a:off x="0" y="0"/>
+          <a:ext cx="0" cy="0"/>
+          <a:chOff x="0" y="0"/>
+          <a:chExt cx="0" cy="0"/>
+        </a:xfrm>
+      </p:grpSpPr>
+      <p:sp>
+        <p:nvSpPr>
+          <p:cNvPr id="538" name="Shape 538"/>
+          <p:cNvSpPr txBox="1"/>
+          <p:nvPr>
+            <p:ph idx="1" type="body"/>
+          </p:nvPr>
+        </p:nvSpPr>
+        <p:spPr>
+          <a:xfrm>
+            <a:off x="685800" y="4343400"/>
+            <a:ext cx="5486399" cy="4114800"/>
+          </a:xfrm>
+          <a:prstGeom prst="rect">
+            <a:avLst/>
+          </a:prstGeom>
+          <a:noFill/>
+          <a:ln>
+            <a:noFill/>
+          </a:ln>
+        </p:spPr>
+        <p:txBody>
+          <a:bodyPr anchorCtr="0" anchor="ctr" bIns="91425" lIns="91425" rIns="91425" tIns="91425">
+            <a:noAutofit/>
+          </a:bodyPr>
+          <a:lstStyle/>
+          <a:p>
+            <a:pPr lvl="0">
+              <a:spcBef>
+                <a:spcPts val="0"/>
+              </a:spcBef>
+              <a:buNone/>
+            </a:pPr>
+            <a:r>
+              <a:t/>
+            </a:r>
+            <a:endParaRPr/>
+          </a:p>
+        </p:txBody>
+      </p:sp>
+      <p:sp>
+        <p:nvSpPr>
+          <p:cNvPr id="539" name="Shape 539"/>
+          <p:cNvSpPr/>
+          <p:nvPr>
+            <p:ph idx="2" type="sldImg"/>
+          </p:nvPr>
+        </p:nvSpPr>
+        <p:spPr>
+          <a:xfrm>
+            <a:off x="1143225" y="685800"/>
+            <a:ext cx="4572225" cy="3429000"/>
           </a:xfrm>
           <a:custGeom>
             <a:pathLst>
@@ -30573,7 +30873,7 @@
   <p:cSld>
     <p:spTree>
       <p:nvGrpSpPr>
-        <p:cNvPr id="392" name="Shape 392"/>
+        <p:cNvPr id="391" name="Shape 391"/>
         <p:cNvGrpSpPr/>
         <p:nvPr/>
       </p:nvGrpSpPr>
@@ -30587,7 +30887,7 @@
       </p:grpSpPr>
       <p:sp>
         <p:nvSpPr>
-          <p:cNvPr id="393" name="Shape 393"/>
+          <p:cNvPr id="392" name="Shape 392"/>
           <p:cNvSpPr/>
           <p:nvPr/>
         </p:nvSpPr>
@@ -30630,14 +30930,14 @@
                 <a:cs typeface="Calibri"/>
                 <a:sym typeface="Calibri"/>
               </a:rPr>
-              <a:t>Agenda</a:t>
+              <a:t>7 challenges of concurrency</a:t>
             </a:r>
           </a:p>
         </p:txBody>
       </p:sp>
       <p:sp>
         <p:nvSpPr>
-          <p:cNvPr id="394" name="Shape 394"/>
+          <p:cNvPr id="393" name="Shape 393"/>
           <p:cNvSpPr/>
           <p:nvPr/>
         </p:nvSpPr>
@@ -30687,7 +30987,446 @@
       </p:sp>
       <p:sp>
         <p:nvSpPr>
+          <p:cNvPr id="394" name="Shape 394"/>
+          <p:cNvSpPr/>
+          <p:nvPr/>
+        </p:nvSpPr>
+        <p:spPr>
+          <a:xfrm>
+            <a:off x="457200" y="1225800"/>
+            <a:ext cx="8229000" cy="3352200"/>
+          </a:xfrm>
+          <a:prstGeom prst="rect">
+            <a:avLst/>
+          </a:prstGeom>
+          <a:noFill/>
+          <a:ln>
+            <a:noFill/>
+          </a:ln>
+        </p:spPr>
+        <p:txBody>
+          <a:bodyPr anchorCtr="0" anchor="t" bIns="45000" lIns="90000" rIns="90000" tIns="45000">
+            <a:noAutofit/>
+          </a:bodyPr>
+          <a:lstStyle/>
+          <a:p>
+            <a:pPr lvl="0" rtl="0">
+              <a:lnSpc>
+                <a:spcPct val="130000"/>
+              </a:lnSpc>
+              <a:spcBef>
+                <a:spcPts val="0"/>
+              </a:spcBef>
+              <a:spcAft>
+                <a:spcPts val="600"/>
+              </a:spcAft>
+              <a:buNone/>
+            </a:pPr>
+            <a:r>
+              <a:rPr i="1" lang="en-US" sz="1800">
+                <a:solidFill>
+                  <a:schemeClr val="dk1"/>
+                </a:solidFill>
+                <a:latin typeface="Calibri"/>
+                <a:ea typeface="Calibri"/>
+                <a:cs typeface="Calibri"/>
+                <a:sym typeface="Calibri"/>
+              </a:rPr>
+              <a:t>“Я прочитал вашу лекцию</a:t>
+            </a:r>
+          </a:p>
+          <a:p>
+            <a:pPr lvl="0" rtl="0">
+              <a:lnSpc>
+                <a:spcPct val="130000"/>
+              </a:lnSpc>
+              <a:spcBef>
+                <a:spcPts val="0"/>
+              </a:spcBef>
+              <a:spcAft>
+                <a:spcPts val="600"/>
+              </a:spcAft>
+              <a:buNone/>
+            </a:pPr>
+            <a:r>
+              <a:rPr i="1" lang="en-US" sz="1800">
+                <a:solidFill>
+                  <a:schemeClr val="dk1"/>
+                </a:solidFill>
+                <a:latin typeface="Calibri"/>
+                <a:ea typeface="Calibri"/>
+                <a:cs typeface="Calibri"/>
+                <a:sym typeface="Calibri"/>
+              </a:rPr>
+              <a:t>все систематизировал и нарисовал”</a:t>
+            </a:r>
+          </a:p>
+          <a:p>
+            <a:pPr lvl="0" rtl="0">
+              <a:lnSpc>
+                <a:spcPct val="130000"/>
+              </a:lnSpc>
+              <a:spcBef>
+                <a:spcPts val="0"/>
+              </a:spcBef>
+              <a:spcAft>
+                <a:spcPts val="600"/>
+              </a:spcAft>
+              <a:buClr>
+                <a:schemeClr val="dk1"/>
+              </a:buClr>
+              <a:buSzPct val="61111"/>
+              <a:buFont typeface="Arial"/>
+              <a:buNone/>
+            </a:pPr>
+            <a:r>
+              <a:rPr lang="en-US" sz="1800">
+                <a:solidFill>
+                  <a:schemeClr val="dk1"/>
+                </a:solidFill>
+                <a:latin typeface="Calibri"/>
+                <a:ea typeface="Calibri"/>
+                <a:cs typeface="Calibri"/>
+                <a:sym typeface="Calibri"/>
+              </a:rPr>
+              <a:t>        Иероним Босх</a:t>
+            </a:r>
+          </a:p>
+        </p:txBody>
+      </p:sp>
+      <p:pic>
+        <p:nvPicPr>
           <p:cNvPr id="395" name="Shape 395"/>
+          <p:cNvPicPr preferRelativeResize="0"/>
+          <p:nvPr/>
+        </p:nvPicPr>
+        <p:blipFill>
+          <a:blip r:embed="rId3">
+            <a:alphaModFix/>
+          </a:blip>
+          <a:stretch>
+            <a:fillRect/>
+          </a:stretch>
+        </p:blipFill>
+        <p:spPr>
+          <a:xfrm>
+            <a:off x="5625791" y="1225799"/>
+            <a:ext cx="3060283" cy="3541324"/>
+          </a:xfrm>
+          <a:prstGeom prst="rect">
+            <a:avLst/>
+          </a:prstGeom>
+          <a:noFill/>
+          <a:ln>
+            <a:noFill/>
+          </a:ln>
+        </p:spPr>
+      </p:pic>
+      <p:pic>
+        <p:nvPicPr>
+          <p:cNvPr id="396" name="Shape 396"/>
+          <p:cNvPicPr preferRelativeResize="0"/>
+          <p:nvPr/>
+        </p:nvPicPr>
+        <p:blipFill>
+          <a:blip r:embed="rId4">
+            <a:alphaModFix/>
+          </a:blip>
+          <a:stretch>
+            <a:fillRect/>
+          </a:stretch>
+        </p:blipFill>
+        <p:spPr>
+          <a:xfrm>
+            <a:off x="554346" y="2131746"/>
+            <a:ext cx="273281" cy="273300"/>
+          </a:xfrm>
+          <a:prstGeom prst="rect">
+            <a:avLst/>
+          </a:prstGeom>
+          <a:noFill/>
+          <a:ln>
+            <a:noFill/>
+          </a:ln>
+        </p:spPr>
+      </p:pic>
+    </p:spTree>
+  </p:cSld>
+  <p:clrMapOvr>
+    <a:masterClrMapping/>
+  </p:clrMapOvr>
+</p:sld>
+</file>
+
+<file path=ppt/slides/slide35.xml><?xml version="1.0" encoding="utf-8"?>
+<p:sld xmlns:a="http://schemas.openxmlformats.org/drawingml/2006/main" xmlns:r="http://schemas.openxmlformats.org/officeDocument/2006/relationships" xmlns:mc="http://schemas.openxmlformats.org/markup-compatibility/2006" xmlns:mv="urn:schemas-microsoft-com:mac:vml" xmlns:p="http://schemas.openxmlformats.org/presentationml/2006/main" xmlns:c="http://schemas.openxmlformats.org/drawingml/2006/chart" xmlns:dgm="http://schemas.openxmlformats.org/drawingml/2006/diagram" xmlns:o="urn:schemas-microsoft-com:office:office" xmlns:v="urn:schemas-microsoft-com:vml" xmlns:pvml="urn:schemas-microsoft-com:office:powerpoint" xmlns:com="http://schemas.openxmlformats.org/drawingml/2006/compatibility" xmlns:p14="http://schemas.microsoft.com/office/powerpoint/2010/main">
+  <p:cSld>
+    <p:spTree>
+      <p:nvGrpSpPr>
+        <p:cNvPr id="400" name="Shape 400"/>
+        <p:cNvGrpSpPr/>
+        <p:nvPr/>
+      </p:nvGrpSpPr>
+      <p:grpSpPr>
+        <a:xfrm>
+          <a:off x="0" y="0"/>
+          <a:ext cx="0" cy="0"/>
+          <a:chOff x="0" y="0"/>
+          <a:chExt cx="0" cy="0"/>
+        </a:xfrm>
+      </p:grpSpPr>
+      <p:sp>
+        <p:nvSpPr>
+          <p:cNvPr id="401" name="Shape 401"/>
+          <p:cNvSpPr/>
+          <p:nvPr/>
+        </p:nvSpPr>
+        <p:spPr>
+          <a:xfrm>
+            <a:off x="0" y="0"/>
+            <a:ext cx="9144000" cy="5143500"/>
+          </a:xfrm>
+          <a:prstGeom prst="rect">
+            <a:avLst/>
+          </a:prstGeom>
+          <a:solidFill>
+            <a:srgbClr val="000000"/>
+          </a:solidFill>
+          <a:ln cap="flat" cmpd="sng" w="9525">
+            <a:solidFill>
+              <a:srgbClr val="000000"/>
+            </a:solidFill>
+            <a:prstDash val="solid"/>
+            <a:round/>
+            <a:headEnd len="med" w="med" type="none"/>
+            <a:tailEnd len="med" w="med" type="none"/>
+          </a:ln>
+        </p:spPr>
+        <p:txBody>
+          <a:bodyPr anchorCtr="0" anchor="ctr" bIns="91425" lIns="91425" rIns="91425" tIns="91425">
+            <a:noAutofit/>
+          </a:bodyPr>
+          <a:lstStyle/>
+          <a:p>
+            <a:pPr lvl="0">
+              <a:spcBef>
+                <a:spcPts val="0"/>
+              </a:spcBef>
+              <a:buNone/>
+            </a:pPr>
+            <a:r>
+              <a:t/>
+            </a:r>
+            <a:endParaRPr/>
+          </a:p>
+        </p:txBody>
+      </p:sp>
+      <p:sp>
+        <p:nvSpPr>
+          <p:cNvPr id="402" name="Shape 402"/>
+          <p:cNvSpPr/>
+          <p:nvPr/>
+        </p:nvSpPr>
+        <p:spPr>
+          <a:xfrm>
+            <a:off x="6553080" y="4767119"/>
+            <a:ext cx="2133000" cy="273300"/>
+          </a:xfrm>
+          <a:prstGeom prst="rect">
+            <a:avLst/>
+          </a:prstGeom>
+          <a:noFill/>
+          <a:ln>
+            <a:noFill/>
+          </a:ln>
+        </p:spPr>
+        <p:txBody>
+          <a:bodyPr anchorCtr="0" anchor="ctr" bIns="45000" lIns="90000" rIns="90000" tIns="45000">
+            <a:noAutofit/>
+          </a:bodyPr>
+          <a:lstStyle/>
+          <a:p>
+            <a:pPr indent="0" lvl="0" marL="0" marR="0" rtl="0" algn="r">
+              <a:lnSpc>
+                <a:spcPct val="100000"/>
+              </a:lnSpc>
+              <a:spcBef>
+                <a:spcPts val="0"/>
+              </a:spcBef>
+              <a:buSzPct val="25000"/>
+              <a:buNone/>
+            </a:pPr>
+            <a:fld id="{00000000-1234-1234-1234-123412341234}" type="slidenum">
+              <a:rPr b="0" i="0" lang="en-US" sz="1200" u="none" cap="none" strike="noStrike">
+                <a:solidFill>
+                  <a:srgbClr val="8B8B8B"/>
+                </a:solidFill>
+                <a:latin typeface="Calibri"/>
+                <a:ea typeface="Calibri"/>
+                <a:cs typeface="Calibri"/>
+                <a:sym typeface="Calibri"/>
+              </a:rPr>
+              <a:t>‹#›</a:t>
+            </a:fld>
+          </a:p>
+        </p:txBody>
+      </p:sp>
+      <p:pic>
+        <p:nvPicPr>
+          <p:cNvPr id="403" name="Shape 403"/>
+          <p:cNvPicPr preferRelativeResize="0"/>
+          <p:nvPr/>
+        </p:nvPicPr>
+        <p:blipFill>
+          <a:blip r:embed="rId3">
+            <a:alphaModFix/>
+          </a:blip>
+          <a:stretch>
+            <a:fillRect/>
+          </a:stretch>
+        </p:blipFill>
+        <p:spPr>
+          <a:xfrm>
+            <a:off x="1698010" y="0"/>
+            <a:ext cx="5984590" cy="5143500"/>
+          </a:xfrm>
+          <a:prstGeom prst="rect">
+            <a:avLst/>
+          </a:prstGeom>
+          <a:noFill/>
+          <a:ln>
+            <a:noFill/>
+          </a:ln>
+        </p:spPr>
+      </p:pic>
+    </p:spTree>
+  </p:cSld>
+  <p:clrMapOvr>
+    <a:masterClrMapping/>
+  </p:clrMapOvr>
+</p:sld>
+</file>
+
+<file path=ppt/slides/slide36.xml><?xml version="1.0" encoding="utf-8"?>
+<p:sld xmlns:a="http://schemas.openxmlformats.org/drawingml/2006/main" xmlns:r="http://schemas.openxmlformats.org/officeDocument/2006/relationships" xmlns:mc="http://schemas.openxmlformats.org/markup-compatibility/2006" xmlns:mv="urn:schemas-microsoft-com:mac:vml" xmlns:p="http://schemas.openxmlformats.org/presentationml/2006/main" xmlns:c="http://schemas.openxmlformats.org/drawingml/2006/chart" xmlns:dgm="http://schemas.openxmlformats.org/drawingml/2006/diagram" xmlns:o="urn:schemas-microsoft-com:office:office" xmlns:v="urn:schemas-microsoft-com:vml" xmlns:pvml="urn:schemas-microsoft-com:office:powerpoint" xmlns:com="http://schemas.openxmlformats.org/drawingml/2006/compatibility" xmlns:p14="http://schemas.microsoft.com/office/powerpoint/2010/main">
+  <p:cSld>
+    <p:spTree>
+      <p:nvGrpSpPr>
+        <p:cNvPr id="408" name="Shape 408"/>
+        <p:cNvGrpSpPr/>
+        <p:nvPr/>
+      </p:nvGrpSpPr>
+      <p:grpSpPr>
+        <a:xfrm>
+          <a:off x="0" y="0"/>
+          <a:ext cx="0" cy="0"/>
+          <a:chOff x="0" y="0"/>
+          <a:chExt cx="0" cy="0"/>
+        </a:xfrm>
+      </p:grpSpPr>
+      <p:sp>
+        <p:nvSpPr>
+          <p:cNvPr id="409" name="Shape 409"/>
+          <p:cNvSpPr/>
+          <p:nvPr/>
+        </p:nvSpPr>
+        <p:spPr>
+          <a:xfrm>
+            <a:off x="457200" y="205919"/>
+            <a:ext cx="8229000" cy="608400"/>
+          </a:xfrm>
+          <a:prstGeom prst="rect">
+            <a:avLst/>
+          </a:prstGeom>
+          <a:noFill/>
+          <a:ln>
+            <a:noFill/>
+          </a:ln>
+        </p:spPr>
+        <p:txBody>
+          <a:bodyPr anchorCtr="0" anchor="ctr" bIns="45000" lIns="90000" rIns="90000" tIns="45000">
+            <a:noAutofit/>
+          </a:bodyPr>
+          <a:lstStyle/>
+          <a:p>
+            <a:pPr indent="0" lvl="0" marL="0" marR="0" rtl="0" algn="l">
+              <a:lnSpc>
+                <a:spcPct val="100000"/>
+              </a:lnSpc>
+              <a:spcBef>
+                <a:spcPts val="0"/>
+              </a:spcBef>
+              <a:buSzPct val="25000"/>
+              <a:buNone/>
+            </a:pPr>
+            <a:r>
+              <a:rPr lang="en-US" sz="3600">
+                <a:solidFill>
+                  <a:srgbClr val="403152"/>
+                </a:solidFill>
+                <a:latin typeface="Calibri"/>
+                <a:ea typeface="Calibri"/>
+                <a:cs typeface="Calibri"/>
+                <a:sym typeface="Calibri"/>
+              </a:rPr>
+              <a:t>Agenda</a:t>
+            </a:r>
+          </a:p>
+        </p:txBody>
+      </p:sp>
+      <p:sp>
+        <p:nvSpPr>
+          <p:cNvPr id="410" name="Shape 410"/>
+          <p:cNvSpPr/>
+          <p:nvPr/>
+        </p:nvSpPr>
+        <p:spPr>
+          <a:xfrm>
+            <a:off x="6553080" y="4767119"/>
+            <a:ext cx="2133000" cy="273300"/>
+          </a:xfrm>
+          <a:prstGeom prst="rect">
+            <a:avLst/>
+          </a:prstGeom>
+          <a:noFill/>
+          <a:ln>
+            <a:noFill/>
+          </a:ln>
+        </p:spPr>
+        <p:txBody>
+          <a:bodyPr anchorCtr="0" anchor="ctr" bIns="45000" lIns="90000" rIns="90000" tIns="45000">
+            <a:noAutofit/>
+          </a:bodyPr>
+          <a:lstStyle/>
+          <a:p>
+            <a:pPr indent="0" lvl="0" marL="0" marR="0" rtl="0" algn="r">
+              <a:lnSpc>
+                <a:spcPct val="100000"/>
+              </a:lnSpc>
+              <a:spcBef>
+                <a:spcPts val="0"/>
+              </a:spcBef>
+              <a:buSzPct val="25000"/>
+              <a:buNone/>
+            </a:pPr>
+            <a:fld id="{00000000-1234-1234-1234-123412341234}" type="slidenum">
+              <a:rPr b="0" i="0" lang="en-US" sz="1200" u="none" cap="none" strike="noStrike">
+                <a:solidFill>
+                  <a:srgbClr val="8B8B8B"/>
+                </a:solidFill>
+                <a:latin typeface="Calibri"/>
+                <a:ea typeface="Calibri"/>
+                <a:cs typeface="Calibri"/>
+                <a:sym typeface="Calibri"/>
+              </a:rPr>
+              <a:t>‹#›</a:t>
+            </a:fld>
+          </a:p>
+        </p:txBody>
+      </p:sp>
+      <p:sp>
+        <p:nvSpPr>
+          <p:cNvPr id="411" name="Shape 411"/>
           <p:cNvSpPr/>
           <p:nvPr/>
         </p:nvSpPr>
@@ -30741,7 +31480,7 @@
       </p:sp>
       <p:sp>
         <p:nvSpPr>
-          <p:cNvPr id="396" name="Shape 396"/>
+          <p:cNvPr id="412" name="Shape 412"/>
           <p:cNvSpPr/>
           <p:nvPr/>
         </p:nvSpPr>
@@ -30793,7 +31532,7 @@
       </p:sp>
       <p:sp>
         <p:nvSpPr>
-          <p:cNvPr id="397" name="Shape 397"/>
+          <p:cNvPr id="413" name="Shape 413"/>
           <p:cNvSpPr/>
           <p:nvPr/>
         </p:nvSpPr>
@@ -30845,7 +31584,7 @@
       </p:sp>
       <p:sp>
         <p:nvSpPr>
-          <p:cNvPr id="398" name="Shape 398"/>
+          <p:cNvPr id="414" name="Shape 414"/>
           <p:cNvSpPr/>
           <p:nvPr/>
         </p:nvSpPr>
@@ -30887,7 +31626,7 @@
       </p:sp>
       <p:sp>
         <p:nvSpPr>
-          <p:cNvPr id="399" name="Shape 399"/>
+          <p:cNvPr id="415" name="Shape 415"/>
           <p:cNvSpPr/>
           <p:nvPr/>
         </p:nvSpPr>
@@ -30929,7 +31668,7 @@
       </p:sp>
       <p:sp>
         <p:nvSpPr>
-          <p:cNvPr id="400" name="Shape 400"/>
+          <p:cNvPr id="416" name="Shape 416"/>
           <p:cNvSpPr/>
           <p:nvPr/>
         </p:nvSpPr>
@@ -30971,7 +31710,7 @@
       </p:sp>
       <p:sp>
         <p:nvSpPr>
-          <p:cNvPr id="401" name="Shape 401"/>
+          <p:cNvPr id="417" name="Shape 417"/>
           <p:cNvSpPr/>
           <p:nvPr/>
         </p:nvSpPr>
@@ -31023,7 +31762,7 @@
       </p:sp>
       <p:sp>
         <p:nvSpPr>
-          <p:cNvPr id="402" name="Shape 402"/>
+          <p:cNvPr id="418" name="Shape 418"/>
           <p:cNvSpPr/>
           <p:nvPr/>
         </p:nvSpPr>
@@ -31071,12 +31810,12 @@
 </p:sld>
 </file>
 
-<file path=ppt/slides/slide35.xml><?xml version="1.0" encoding="utf-8"?>
+<file path=ppt/slides/slide37.xml><?xml version="1.0" encoding="utf-8"?>
 <p:sld xmlns:a="http://schemas.openxmlformats.org/drawingml/2006/main" xmlns:r="http://schemas.openxmlformats.org/officeDocument/2006/relationships" xmlns:mc="http://schemas.openxmlformats.org/markup-compatibility/2006" xmlns:mv="urn:schemas-microsoft-com:mac:vml" xmlns:p="http://schemas.openxmlformats.org/presentationml/2006/main" xmlns:c="http://schemas.openxmlformats.org/drawingml/2006/chart" xmlns:dgm="http://schemas.openxmlformats.org/drawingml/2006/diagram" xmlns:o="urn:schemas-microsoft-com:office:office" xmlns:v="urn:schemas-microsoft-com:vml" xmlns:pvml="urn:schemas-microsoft-com:office:powerpoint" xmlns:com="http://schemas.openxmlformats.org/drawingml/2006/compatibility" xmlns:p14="http://schemas.microsoft.com/office/powerpoint/2010/main">
   <p:cSld>
     <p:spTree>
       <p:nvGrpSpPr>
-        <p:cNvPr id="406" name="Shape 406"/>
+        <p:cNvPr id="422" name="Shape 422"/>
         <p:cNvGrpSpPr/>
         <p:nvPr/>
       </p:nvGrpSpPr>
@@ -31090,7 +31829,7 @@
       </p:grpSpPr>
       <p:sp>
         <p:nvSpPr>
-          <p:cNvPr id="407" name="Shape 407"/>
+          <p:cNvPr id="423" name="Shape 423"/>
           <p:cNvSpPr/>
           <p:nvPr/>
         </p:nvSpPr>
@@ -31140,7 +31879,7 @@
       </p:sp>
       <p:sp>
         <p:nvSpPr>
-          <p:cNvPr id="408" name="Shape 408"/>
+          <p:cNvPr id="424" name="Shape 424"/>
           <p:cNvSpPr/>
           <p:nvPr/>
         </p:nvSpPr>
@@ -31190,7 +31929,7 @@
       </p:sp>
       <p:sp>
         <p:nvSpPr>
-          <p:cNvPr id="409" name="Shape 409"/>
+          <p:cNvPr id="425" name="Shape 425"/>
           <p:cNvSpPr/>
           <p:nvPr/>
         </p:nvSpPr>
@@ -31324,12 +32063,12 @@
 </p:sld>
 </file>
 
-<file path=ppt/slides/slide36.xml><?xml version="1.0" encoding="utf-8"?>
+<file path=ppt/slides/slide38.xml><?xml version="1.0" encoding="utf-8"?>
 <p:sld xmlns:a="http://schemas.openxmlformats.org/drawingml/2006/main" xmlns:r="http://schemas.openxmlformats.org/officeDocument/2006/relationships" xmlns:mc="http://schemas.openxmlformats.org/markup-compatibility/2006" xmlns:mv="urn:schemas-microsoft-com:mac:vml" xmlns:p="http://schemas.openxmlformats.org/presentationml/2006/main" xmlns:c="http://schemas.openxmlformats.org/drawingml/2006/chart" xmlns:dgm="http://schemas.openxmlformats.org/drawingml/2006/diagram" xmlns:o="urn:schemas-microsoft-com:office:office" xmlns:v="urn:schemas-microsoft-com:vml" xmlns:pvml="urn:schemas-microsoft-com:office:powerpoint" xmlns:com="http://schemas.openxmlformats.org/drawingml/2006/compatibility" xmlns:p14="http://schemas.microsoft.com/office/powerpoint/2010/main">
   <p:cSld>
     <p:spTree>
       <p:nvGrpSpPr>
-        <p:cNvPr id="413" name="Shape 413"/>
+        <p:cNvPr id="429" name="Shape 429"/>
         <p:cNvGrpSpPr/>
         <p:nvPr/>
       </p:nvGrpSpPr>
@@ -31343,7 +32082,7 @@
       </p:grpSpPr>
       <p:sp>
         <p:nvSpPr>
-          <p:cNvPr id="414" name="Shape 414"/>
+          <p:cNvPr id="430" name="Shape 430"/>
           <p:cNvSpPr/>
           <p:nvPr/>
         </p:nvSpPr>
@@ -31393,7 +32132,7 @@
       </p:sp>
       <p:sp>
         <p:nvSpPr>
-          <p:cNvPr id="415" name="Shape 415"/>
+          <p:cNvPr id="431" name="Shape 431"/>
           <p:cNvSpPr/>
           <p:nvPr/>
         </p:nvSpPr>
@@ -31443,7 +32182,7 @@
       </p:sp>
       <p:sp>
         <p:nvSpPr>
-          <p:cNvPr id="416" name="Shape 416"/>
+          <p:cNvPr id="432" name="Shape 432"/>
           <p:cNvSpPr/>
           <p:nvPr/>
         </p:nvSpPr>
@@ -31715,12 +32454,12 @@
 </p:sld>
 </file>
 
-<file path=ppt/slides/slide37.xml><?xml version="1.0" encoding="utf-8"?>
+<file path=ppt/slides/slide39.xml><?xml version="1.0" encoding="utf-8"?>
 <p:sld xmlns:a="http://schemas.openxmlformats.org/drawingml/2006/main" xmlns:r="http://schemas.openxmlformats.org/officeDocument/2006/relationships" xmlns:mc="http://schemas.openxmlformats.org/markup-compatibility/2006" xmlns:mv="urn:schemas-microsoft-com:mac:vml" xmlns:p="http://schemas.openxmlformats.org/presentationml/2006/main" xmlns:c="http://schemas.openxmlformats.org/drawingml/2006/chart" xmlns:dgm="http://schemas.openxmlformats.org/drawingml/2006/diagram" xmlns:o="urn:schemas-microsoft-com:office:office" xmlns:v="urn:schemas-microsoft-com:vml" xmlns:pvml="urn:schemas-microsoft-com:office:powerpoint" xmlns:com="http://schemas.openxmlformats.org/drawingml/2006/compatibility" xmlns:p14="http://schemas.microsoft.com/office/powerpoint/2010/main">
   <p:cSld>
     <p:spTree>
       <p:nvGrpSpPr>
-        <p:cNvPr id="420" name="Shape 420"/>
+        <p:cNvPr id="436" name="Shape 436"/>
         <p:cNvGrpSpPr/>
         <p:nvPr/>
       </p:nvGrpSpPr>
@@ -31734,7 +32473,7 @@
       </p:grpSpPr>
       <p:sp>
         <p:nvSpPr>
-          <p:cNvPr id="421" name="Shape 421"/>
+          <p:cNvPr id="437" name="Shape 437"/>
           <p:cNvSpPr/>
           <p:nvPr/>
         </p:nvSpPr>
@@ -31784,7 +32523,7 @@
       </p:sp>
       <p:sp>
         <p:nvSpPr>
-          <p:cNvPr id="422" name="Shape 422"/>
+          <p:cNvPr id="438" name="Shape 438"/>
           <p:cNvSpPr/>
           <p:nvPr/>
         </p:nvSpPr>
@@ -31834,7 +32573,7 @@
       </p:sp>
       <p:sp>
         <p:nvSpPr>
-          <p:cNvPr id="423" name="Shape 423"/>
+          <p:cNvPr id="439" name="Shape 439"/>
           <p:cNvSpPr/>
           <p:nvPr/>
         </p:nvSpPr>
@@ -32016,1041 +32755,6 @@
           </a:p>
         </p:txBody>
       </p:sp>
-    </p:spTree>
-  </p:cSld>
-  <p:clrMapOvr>
-    <a:masterClrMapping/>
-  </p:clrMapOvr>
-</p:sld>
-</file>
-
-<file path=ppt/slides/slide38.xml><?xml version="1.0" encoding="utf-8"?>
-<p:sld xmlns:a="http://schemas.openxmlformats.org/drawingml/2006/main" xmlns:r="http://schemas.openxmlformats.org/officeDocument/2006/relationships" xmlns:mc="http://schemas.openxmlformats.org/markup-compatibility/2006" xmlns:mv="urn:schemas-microsoft-com:mac:vml" xmlns:p="http://schemas.openxmlformats.org/presentationml/2006/main" xmlns:c="http://schemas.openxmlformats.org/drawingml/2006/chart" xmlns:dgm="http://schemas.openxmlformats.org/drawingml/2006/diagram" xmlns:o="urn:schemas-microsoft-com:office:office" xmlns:v="urn:schemas-microsoft-com:vml" xmlns:pvml="urn:schemas-microsoft-com:office:powerpoint" xmlns:com="http://schemas.openxmlformats.org/drawingml/2006/compatibility" xmlns:p14="http://schemas.microsoft.com/office/powerpoint/2010/main">
-  <p:cSld>
-    <p:spTree>
-      <p:nvGrpSpPr>
-        <p:cNvPr id="427" name="Shape 427"/>
-        <p:cNvGrpSpPr/>
-        <p:nvPr/>
-      </p:nvGrpSpPr>
-      <p:grpSpPr>
-        <a:xfrm>
-          <a:off x="0" y="0"/>
-          <a:ext cx="0" cy="0"/>
-          <a:chOff x="0" y="0"/>
-          <a:chExt cx="0" cy="0"/>
-        </a:xfrm>
-      </p:grpSpPr>
-      <p:sp>
-        <p:nvSpPr>
-          <p:cNvPr id="428" name="Shape 428"/>
-          <p:cNvSpPr/>
-          <p:nvPr/>
-        </p:nvSpPr>
-        <p:spPr>
-          <a:xfrm>
-            <a:off x="457200" y="205919"/>
-            <a:ext cx="8229000" cy="608400"/>
-          </a:xfrm>
-          <a:prstGeom prst="rect">
-            <a:avLst/>
-          </a:prstGeom>
-          <a:noFill/>
-          <a:ln>
-            <a:noFill/>
-          </a:ln>
-        </p:spPr>
-        <p:txBody>
-          <a:bodyPr anchorCtr="0" anchor="ctr" bIns="45000" lIns="90000" rIns="90000" tIns="45000">
-            <a:noAutofit/>
-          </a:bodyPr>
-          <a:lstStyle/>
-          <a:p>
-            <a:pPr indent="0" lvl="0" marL="0" marR="0" rtl="0" algn="l">
-              <a:lnSpc>
-                <a:spcPct val="100000"/>
-              </a:lnSpc>
-              <a:spcBef>
-                <a:spcPts val="0"/>
-              </a:spcBef>
-              <a:buSzPct val="25000"/>
-              <a:buNone/>
-            </a:pPr>
-            <a:r>
-              <a:rPr lang="en-US" sz="3600">
-                <a:solidFill>
-                  <a:srgbClr val="403152"/>
-                </a:solidFill>
-                <a:latin typeface="Calibri"/>
-                <a:ea typeface="Calibri"/>
-                <a:cs typeface="Calibri"/>
-                <a:sym typeface="Calibri"/>
-              </a:rPr>
-              <a:t>ConcurrentHashMap</a:t>
-            </a:r>
-          </a:p>
-        </p:txBody>
-      </p:sp>
-      <p:sp>
-        <p:nvSpPr>
-          <p:cNvPr id="429" name="Shape 429"/>
-          <p:cNvSpPr/>
-          <p:nvPr/>
-        </p:nvSpPr>
-        <p:spPr>
-          <a:xfrm>
-            <a:off x="6553080" y="4767119"/>
-            <a:ext cx="2133000" cy="273300"/>
-          </a:xfrm>
-          <a:prstGeom prst="rect">
-            <a:avLst/>
-          </a:prstGeom>
-          <a:noFill/>
-          <a:ln>
-            <a:noFill/>
-          </a:ln>
-        </p:spPr>
-        <p:txBody>
-          <a:bodyPr anchorCtr="0" anchor="ctr" bIns="45000" lIns="90000" rIns="90000" tIns="45000">
-            <a:noAutofit/>
-          </a:bodyPr>
-          <a:lstStyle/>
-          <a:p>
-            <a:pPr indent="0" lvl="0" marL="0" marR="0" rtl="0" algn="r">
-              <a:lnSpc>
-                <a:spcPct val="100000"/>
-              </a:lnSpc>
-              <a:spcBef>
-                <a:spcPts val="0"/>
-              </a:spcBef>
-              <a:buSzPct val="25000"/>
-              <a:buNone/>
-            </a:pPr>
-            <a:fld id="{00000000-1234-1234-1234-123412341234}" type="slidenum">
-              <a:rPr b="0" i="0" lang="en-US" sz="1200" u="none" cap="none" strike="noStrike">
-                <a:solidFill>
-                  <a:srgbClr val="8B8B8B"/>
-                </a:solidFill>
-                <a:latin typeface="Calibri"/>
-                <a:ea typeface="Calibri"/>
-                <a:cs typeface="Calibri"/>
-                <a:sym typeface="Calibri"/>
-              </a:rPr>
-              <a:t>‹#›</a:t>
-            </a:fld>
-          </a:p>
-        </p:txBody>
-      </p:sp>
-      <p:sp>
-        <p:nvSpPr>
-          <p:cNvPr id="430" name="Shape 430"/>
-          <p:cNvSpPr/>
-          <p:nvPr/>
-        </p:nvSpPr>
-        <p:spPr>
-          <a:xfrm>
-            <a:off x="457200" y="1225800"/>
-            <a:ext cx="8229000" cy="3352200"/>
-          </a:xfrm>
-          <a:prstGeom prst="rect">
-            <a:avLst/>
-          </a:prstGeom>
-          <a:noFill/>
-          <a:ln>
-            <a:noFill/>
-          </a:ln>
-        </p:spPr>
-        <p:txBody>
-          <a:bodyPr anchorCtr="0" anchor="t" bIns="45000" lIns="90000" rIns="90000" tIns="45000">
-            <a:noAutofit/>
-          </a:bodyPr>
-          <a:lstStyle/>
-          <a:p>
-            <a:pPr indent="-114300" lvl="0" marL="0" marR="0" rtl="0" algn="l">
-              <a:lnSpc>
-                <a:spcPct val="100000"/>
-              </a:lnSpc>
-              <a:spcBef>
-                <a:spcPts val="0"/>
-              </a:spcBef>
-              <a:buClr>
-                <a:srgbClr val="000000"/>
-              </a:buClr>
-              <a:buSzPct val="75000"/>
-              <a:buFont typeface="Noto Sans Symbols"/>
-              <a:buNone/>
-            </a:pPr>
-            <a:r>
-              <a:rPr lang="en-US" sz="2400">
-                <a:solidFill>
-                  <a:srgbClr val="474747"/>
-                </a:solidFill>
-                <a:highlight>
-                  <a:srgbClr val="FFFFFF"/>
-                </a:highlight>
-                <a:latin typeface="Calibri"/>
-                <a:ea typeface="Calibri"/>
-                <a:cs typeface="Calibri"/>
-                <a:sym typeface="Calibri"/>
-              </a:rPr>
-              <a:t>A hash table supporting</a:t>
-            </a:r>
-          </a:p>
-          <a:p>
-            <a:pPr indent="-114300" lvl="0" marL="0" marR="0" rtl="0" algn="l">
-              <a:lnSpc>
-                <a:spcPct val="100000"/>
-              </a:lnSpc>
-              <a:spcBef>
-                <a:spcPts val="0"/>
-              </a:spcBef>
-              <a:buClr>
-                <a:srgbClr val="000000"/>
-              </a:buClr>
-              <a:buSzPct val="75000"/>
-              <a:buFont typeface="Noto Sans Symbols"/>
-              <a:buNone/>
-            </a:pPr>
-            <a:r>
-              <a:rPr b="1" lang="en-US" sz="2400">
-                <a:solidFill>
-                  <a:srgbClr val="474747"/>
-                </a:solidFill>
-                <a:highlight>
-                  <a:srgbClr val="FFFFFF"/>
-                </a:highlight>
-                <a:latin typeface="Calibri"/>
-                <a:ea typeface="Calibri"/>
-                <a:cs typeface="Calibri"/>
-                <a:sym typeface="Calibri"/>
-              </a:rPr>
-              <a:t>full concurrency</a:t>
-            </a:r>
-          </a:p>
-          <a:p>
-            <a:pPr indent="-114300" lvl="0" marL="0" marR="0" rtl="0" algn="l">
-              <a:lnSpc>
-                <a:spcPct val="100000"/>
-              </a:lnSpc>
-              <a:spcBef>
-                <a:spcPts val="0"/>
-              </a:spcBef>
-              <a:buClr>
-                <a:srgbClr val="000000"/>
-              </a:buClr>
-              <a:buSzPct val="75000"/>
-              <a:buFont typeface="Noto Sans Symbols"/>
-              <a:buNone/>
-            </a:pPr>
-            <a:r>
-              <a:rPr lang="en-US" sz="2400">
-                <a:solidFill>
-                  <a:srgbClr val="474747"/>
-                </a:solidFill>
-                <a:highlight>
-                  <a:srgbClr val="FFFFFF"/>
-                </a:highlight>
-                <a:latin typeface="Calibri"/>
-                <a:ea typeface="Calibri"/>
-                <a:cs typeface="Calibri"/>
-                <a:sym typeface="Calibri"/>
-              </a:rPr>
-              <a:t>of retrievals</a:t>
-            </a:r>
-          </a:p>
-          <a:p>
-            <a:pPr indent="-114300" lvl="0" marL="0" marR="0" rtl="0" algn="l">
-              <a:lnSpc>
-                <a:spcPct val="100000"/>
-              </a:lnSpc>
-              <a:spcBef>
-                <a:spcPts val="0"/>
-              </a:spcBef>
-              <a:buClr>
-                <a:srgbClr val="000000"/>
-              </a:buClr>
-              <a:buSzPct val="75000"/>
-              <a:buFont typeface="Noto Sans Symbols"/>
-              <a:buNone/>
-            </a:pPr>
-            <a:r>
-              <a:rPr lang="en-US" sz="2400">
-                <a:solidFill>
-                  <a:srgbClr val="474747"/>
-                </a:solidFill>
-                <a:highlight>
-                  <a:srgbClr val="FFFFFF"/>
-                </a:highlight>
-                <a:latin typeface="Calibri"/>
-                <a:ea typeface="Calibri"/>
-                <a:cs typeface="Calibri"/>
-                <a:sym typeface="Calibri"/>
-              </a:rPr>
-              <a:t>and </a:t>
-            </a:r>
-            <a:r>
-              <a:rPr b="1" lang="en-US" sz="2400">
-                <a:solidFill>
-                  <a:srgbClr val="474747"/>
-                </a:solidFill>
-                <a:highlight>
-                  <a:srgbClr val="FFFFFF"/>
-                </a:highlight>
-                <a:latin typeface="Calibri"/>
-                <a:ea typeface="Calibri"/>
-                <a:cs typeface="Calibri"/>
-                <a:sym typeface="Calibri"/>
-              </a:rPr>
-              <a:t>high expected</a:t>
-            </a:r>
-          </a:p>
-          <a:p>
-            <a:pPr indent="-114300" lvl="0" marL="0" marR="0" rtl="0" algn="l">
-              <a:lnSpc>
-                <a:spcPct val="100000"/>
-              </a:lnSpc>
-              <a:spcBef>
-                <a:spcPts val="0"/>
-              </a:spcBef>
-              <a:buClr>
-                <a:srgbClr val="000000"/>
-              </a:buClr>
-              <a:buSzPct val="75000"/>
-              <a:buFont typeface="Noto Sans Symbols"/>
-              <a:buNone/>
-            </a:pPr>
-            <a:r>
-              <a:rPr b="1" lang="en-US" sz="2400">
-                <a:solidFill>
-                  <a:srgbClr val="474747"/>
-                </a:solidFill>
-                <a:highlight>
-                  <a:srgbClr val="FFFFFF"/>
-                </a:highlight>
-                <a:latin typeface="Calibri"/>
-                <a:ea typeface="Calibri"/>
-                <a:cs typeface="Calibri"/>
-                <a:sym typeface="Calibri"/>
-              </a:rPr>
-              <a:t>concurrency</a:t>
-            </a:r>
-            <a:r>
-              <a:rPr lang="en-US" sz="2400">
-                <a:solidFill>
-                  <a:srgbClr val="474747"/>
-                </a:solidFill>
-                <a:highlight>
-                  <a:srgbClr val="FFFFFF"/>
-                </a:highlight>
-                <a:latin typeface="Calibri"/>
-                <a:ea typeface="Calibri"/>
-                <a:cs typeface="Calibri"/>
-                <a:sym typeface="Calibri"/>
-              </a:rPr>
-              <a:t> for updates.</a:t>
-            </a:r>
-          </a:p>
-          <a:p>
-            <a:pPr indent="-114300" lvl="0" marL="0" marR="0" rtl="0" algn="l">
-              <a:lnSpc>
-                <a:spcPct val="100000"/>
-              </a:lnSpc>
-              <a:spcBef>
-                <a:spcPts val="0"/>
-              </a:spcBef>
-              <a:buClr>
-                <a:srgbClr val="000000"/>
-              </a:buClr>
-              <a:buFont typeface="Noto Sans Symbols"/>
-              <a:buNone/>
-            </a:pPr>
-            <a:r>
-              <a:t/>
-            </a:r>
-            <a:endParaRPr sz="2400">
-              <a:solidFill>
-                <a:srgbClr val="474747"/>
-              </a:solidFill>
-              <a:highlight>
-                <a:srgbClr val="FFFFFF"/>
-              </a:highlight>
-              <a:latin typeface="Calibri"/>
-              <a:ea typeface="Calibri"/>
-              <a:cs typeface="Calibri"/>
-              <a:sym typeface="Calibri"/>
-            </a:endParaRPr>
-          </a:p>
-          <a:p>
-            <a:pPr indent="-114300" lvl="0" marL="0" marR="0" rtl="0" algn="l">
-              <a:lnSpc>
-                <a:spcPct val="100000"/>
-              </a:lnSpc>
-              <a:spcBef>
-                <a:spcPts val="0"/>
-              </a:spcBef>
-              <a:buClr>
-                <a:srgbClr val="000000"/>
-              </a:buClr>
-              <a:buSzPct val="75000"/>
-              <a:buFont typeface="Noto Sans Symbols"/>
-              <a:buNone/>
-            </a:pPr>
-            <a:r>
-              <a:rPr lang="en-US" sz="2400">
-                <a:solidFill>
-                  <a:srgbClr val="474747"/>
-                </a:solidFill>
-                <a:highlight>
-                  <a:srgbClr val="FFFFFF"/>
-                </a:highlight>
-                <a:latin typeface="Calibri"/>
-                <a:ea typeface="Calibri"/>
-                <a:cs typeface="Calibri"/>
-                <a:sym typeface="Calibri"/>
-              </a:rPr>
-              <a:t>Iteration over </a:t>
-            </a:r>
-            <a:r>
-              <a:rPr b="1" lang="en-US" sz="2400">
-                <a:solidFill>
-                  <a:srgbClr val="474747"/>
-                </a:solidFill>
-                <a:highlight>
-                  <a:srgbClr val="FFFFFF"/>
-                </a:highlight>
-                <a:latin typeface="Calibri"/>
-                <a:ea typeface="Calibri"/>
-                <a:cs typeface="Calibri"/>
-                <a:sym typeface="Calibri"/>
-              </a:rPr>
-              <a:t>copy</a:t>
-            </a:r>
-          </a:p>
-          <a:p>
-            <a:pPr indent="-114300" lvl="0" marL="0" marR="0" rtl="0" algn="l">
-              <a:lnSpc>
-                <a:spcPct val="100000"/>
-              </a:lnSpc>
-              <a:spcBef>
-                <a:spcPts val="0"/>
-              </a:spcBef>
-              <a:buClr>
-                <a:srgbClr val="000000"/>
-              </a:buClr>
-              <a:buSzPct val="75000"/>
-              <a:buFont typeface="Noto Sans Symbols"/>
-              <a:buNone/>
-            </a:pPr>
-            <a:r>
-              <a:rPr lang="en-US" sz="2400">
-                <a:solidFill>
-                  <a:srgbClr val="474747"/>
-                </a:solidFill>
-                <a:highlight>
-                  <a:srgbClr val="FFFFFF"/>
-                </a:highlight>
-                <a:latin typeface="Calibri"/>
-                <a:ea typeface="Calibri"/>
-                <a:cs typeface="Calibri"/>
-                <a:sym typeface="Calibri"/>
-              </a:rPr>
-              <a:t>of collection at some point</a:t>
-            </a:r>
-          </a:p>
-          <a:p>
-            <a:pPr indent="-216000" lvl="0" marL="216000" marR="0" rtl="0" algn="l">
-              <a:lnSpc>
-                <a:spcPct val="100000"/>
-              </a:lnSpc>
-              <a:spcBef>
-                <a:spcPts val="0"/>
-              </a:spcBef>
-              <a:buClr>
-                <a:srgbClr val="000000"/>
-              </a:buClr>
-              <a:buFont typeface="Noto Sans Symbols"/>
-              <a:buNone/>
-            </a:pPr>
-            <a:r>
-              <a:t/>
-            </a:r>
-            <a:endParaRPr/>
-          </a:p>
-          <a:p>
-            <a:pPr indent="-114300" lvl="0" marL="0" marR="0" rtl="0" algn="l">
-              <a:lnSpc>
-                <a:spcPct val="100000"/>
-              </a:lnSpc>
-              <a:spcBef>
-                <a:spcPts val="0"/>
-              </a:spcBef>
-              <a:buClr>
-                <a:srgbClr val="000000"/>
-              </a:buClr>
-              <a:buFont typeface="Noto Sans Symbols"/>
-              <a:buNone/>
-            </a:pPr>
-            <a:r>
-              <a:rPr lang="en-US" u="sng">
-                <a:solidFill>
-                  <a:schemeClr val="hlink"/>
-                </a:solidFill>
-                <a:hlinkClick r:id="rId3"/>
-              </a:rPr>
-              <a:t>https://habrahabr.ru/post/132884/</a:t>
-            </a:r>
-          </a:p>
-          <a:p>
-            <a:pPr indent="-114300" lvl="0" marL="0" marR="0" rtl="0" algn="l">
-              <a:lnSpc>
-                <a:spcPct val="100000"/>
-              </a:lnSpc>
-              <a:spcBef>
-                <a:spcPts val="0"/>
-              </a:spcBef>
-              <a:buClr>
-                <a:srgbClr val="000000"/>
-              </a:buClr>
-              <a:buFont typeface="Noto Sans Symbols"/>
-              <a:buNone/>
-            </a:pPr>
-            <a:r>
-              <a:rPr lang="en-US" u="sng">
-                <a:solidFill>
-                  <a:schemeClr val="hlink"/>
-                </a:solidFill>
-                <a:latin typeface="Calibri"/>
-                <a:ea typeface="Calibri"/>
-                <a:cs typeface="Calibri"/>
-                <a:sym typeface="Calibri"/>
-                <a:hlinkClick r:id="rId4"/>
-              </a:rPr>
-              <a:t>https://docs.oracle.com/javase/8/docs/api/java/util/concurrent/ConcurrentHashMap.html</a:t>
-            </a:r>
-          </a:p>
-          <a:p>
-            <a:pPr indent="-216000" lvl="0" marL="216000" marR="0" rtl="0" algn="l">
-              <a:lnSpc>
-                <a:spcPct val="100000"/>
-              </a:lnSpc>
-              <a:spcBef>
-                <a:spcPts val="0"/>
-              </a:spcBef>
-              <a:buClr>
-                <a:srgbClr val="000000"/>
-              </a:buClr>
-              <a:buFont typeface="Noto Sans Symbols"/>
-              <a:buNone/>
-            </a:pPr>
-            <a:r>
-              <a:t/>
-            </a:r>
-            <a:endParaRPr sz="2400">
-              <a:solidFill>
-                <a:schemeClr val="dk1"/>
-              </a:solidFill>
-              <a:latin typeface="Calibri"/>
-              <a:ea typeface="Calibri"/>
-              <a:cs typeface="Calibri"/>
-              <a:sym typeface="Calibri"/>
-            </a:endParaRPr>
-          </a:p>
-          <a:p>
-            <a:pPr indent="0" lvl="0" marL="0" marR="0" rtl="0" algn="l">
-              <a:lnSpc>
-                <a:spcPct val="100000"/>
-              </a:lnSpc>
-              <a:spcBef>
-                <a:spcPts val="0"/>
-              </a:spcBef>
-              <a:buNone/>
-            </a:pPr>
-            <a:r>
-              <a:t/>
-            </a:r>
-            <a:endParaRPr b="0" i="0" sz="1800" u="none" cap="none" strike="noStrike">
-              <a:solidFill>
-                <a:srgbClr val="000000"/>
-              </a:solidFill>
-              <a:latin typeface="Arial"/>
-              <a:ea typeface="Arial"/>
-              <a:cs typeface="Arial"/>
-              <a:sym typeface="Arial"/>
-            </a:endParaRPr>
-          </a:p>
-        </p:txBody>
-      </p:sp>
-      <p:pic>
-        <p:nvPicPr>
-          <p:cNvPr id="431" name="Shape 431"/>
-          <p:cNvPicPr preferRelativeResize="0"/>
-          <p:nvPr/>
-        </p:nvPicPr>
-        <p:blipFill>
-          <a:blip r:embed="rId5">
-            <a:alphaModFix/>
-          </a:blip>
-          <a:stretch>
-            <a:fillRect/>
-          </a:stretch>
-        </p:blipFill>
-        <p:spPr>
-          <a:xfrm>
-            <a:off x="3923575" y="1225787"/>
-            <a:ext cx="4762500" cy="2428875"/>
-          </a:xfrm>
-          <a:prstGeom prst="rect">
-            <a:avLst/>
-          </a:prstGeom>
-          <a:noFill/>
-          <a:ln>
-            <a:noFill/>
-          </a:ln>
-        </p:spPr>
-      </p:pic>
-    </p:spTree>
-  </p:cSld>
-  <p:clrMapOvr>
-    <a:masterClrMapping/>
-  </p:clrMapOvr>
-</p:sld>
-</file>
-
-<file path=ppt/slides/slide39.xml><?xml version="1.0" encoding="utf-8"?>
-<p:sld xmlns:a="http://schemas.openxmlformats.org/drawingml/2006/main" xmlns:r="http://schemas.openxmlformats.org/officeDocument/2006/relationships" xmlns:mc="http://schemas.openxmlformats.org/markup-compatibility/2006" xmlns:mv="urn:schemas-microsoft-com:mac:vml" xmlns:p="http://schemas.openxmlformats.org/presentationml/2006/main" xmlns:c="http://schemas.openxmlformats.org/drawingml/2006/chart" xmlns:dgm="http://schemas.openxmlformats.org/drawingml/2006/diagram" xmlns:o="urn:schemas-microsoft-com:office:office" xmlns:v="urn:schemas-microsoft-com:vml" xmlns:pvml="urn:schemas-microsoft-com:office:powerpoint" xmlns:com="http://schemas.openxmlformats.org/drawingml/2006/compatibility" xmlns:p14="http://schemas.microsoft.com/office/powerpoint/2010/main">
-  <p:cSld>
-    <p:spTree>
-      <p:nvGrpSpPr>
-        <p:cNvPr id="435" name="Shape 435"/>
-        <p:cNvGrpSpPr/>
-        <p:nvPr/>
-      </p:nvGrpSpPr>
-      <p:grpSpPr>
-        <a:xfrm>
-          <a:off x="0" y="0"/>
-          <a:ext cx="0" cy="0"/>
-          <a:chOff x="0" y="0"/>
-          <a:chExt cx="0" cy="0"/>
-        </a:xfrm>
-      </p:grpSpPr>
-      <p:sp>
-        <p:nvSpPr>
-          <p:cNvPr id="436" name="Shape 436"/>
-          <p:cNvSpPr/>
-          <p:nvPr/>
-        </p:nvSpPr>
-        <p:spPr>
-          <a:xfrm>
-            <a:off x="457200" y="205919"/>
-            <a:ext cx="8229000" cy="608400"/>
-          </a:xfrm>
-          <a:prstGeom prst="rect">
-            <a:avLst/>
-          </a:prstGeom>
-          <a:noFill/>
-          <a:ln>
-            <a:noFill/>
-          </a:ln>
-        </p:spPr>
-        <p:txBody>
-          <a:bodyPr anchorCtr="0" anchor="ctr" bIns="45000" lIns="90000" rIns="90000" tIns="45000">
-            <a:noAutofit/>
-          </a:bodyPr>
-          <a:lstStyle/>
-          <a:p>
-            <a:pPr indent="0" lvl="0" marL="0" marR="0" rtl="0" algn="l">
-              <a:lnSpc>
-                <a:spcPct val="100000"/>
-              </a:lnSpc>
-              <a:spcBef>
-                <a:spcPts val="0"/>
-              </a:spcBef>
-              <a:buSzPct val="25000"/>
-              <a:buNone/>
-            </a:pPr>
-            <a:r>
-              <a:rPr lang="en-US" sz="3600">
-                <a:solidFill>
-                  <a:srgbClr val="403152"/>
-                </a:solidFill>
-                <a:latin typeface="Calibri"/>
-                <a:ea typeface="Calibri"/>
-                <a:cs typeface="Calibri"/>
-                <a:sym typeface="Calibri"/>
-              </a:rPr>
-              <a:t>ForkJoinPool</a:t>
-            </a:r>
-          </a:p>
-        </p:txBody>
-      </p:sp>
-      <p:sp>
-        <p:nvSpPr>
-          <p:cNvPr id="437" name="Shape 437"/>
-          <p:cNvSpPr/>
-          <p:nvPr/>
-        </p:nvSpPr>
-        <p:spPr>
-          <a:xfrm>
-            <a:off x="6553080" y="4767119"/>
-            <a:ext cx="2133000" cy="273300"/>
-          </a:xfrm>
-          <a:prstGeom prst="rect">
-            <a:avLst/>
-          </a:prstGeom>
-          <a:noFill/>
-          <a:ln>
-            <a:noFill/>
-          </a:ln>
-        </p:spPr>
-        <p:txBody>
-          <a:bodyPr anchorCtr="0" anchor="ctr" bIns="45000" lIns="90000" rIns="90000" tIns="45000">
-            <a:noAutofit/>
-          </a:bodyPr>
-          <a:lstStyle/>
-          <a:p>
-            <a:pPr indent="0" lvl="0" marL="0" marR="0" rtl="0" algn="r">
-              <a:lnSpc>
-                <a:spcPct val="100000"/>
-              </a:lnSpc>
-              <a:spcBef>
-                <a:spcPts val="0"/>
-              </a:spcBef>
-              <a:buSzPct val="25000"/>
-              <a:buNone/>
-            </a:pPr>
-            <a:fld id="{00000000-1234-1234-1234-123412341234}" type="slidenum">
-              <a:rPr b="0" i="0" lang="en-US" sz="1200" u="none" cap="none" strike="noStrike">
-                <a:solidFill>
-                  <a:srgbClr val="8B8B8B"/>
-                </a:solidFill>
-                <a:latin typeface="Calibri"/>
-                <a:ea typeface="Calibri"/>
-                <a:cs typeface="Calibri"/>
-                <a:sym typeface="Calibri"/>
-              </a:rPr>
-              <a:t>‹#›</a:t>
-            </a:fld>
-          </a:p>
-        </p:txBody>
-      </p:sp>
-      <p:sp>
-        <p:nvSpPr>
-          <p:cNvPr id="438" name="Shape 438"/>
-          <p:cNvSpPr/>
-          <p:nvPr/>
-        </p:nvSpPr>
-        <p:spPr>
-          <a:xfrm>
-            <a:off x="457200" y="1225800"/>
-            <a:ext cx="8229000" cy="3352200"/>
-          </a:xfrm>
-          <a:prstGeom prst="rect">
-            <a:avLst/>
-          </a:prstGeom>
-          <a:noFill/>
-          <a:ln>
-            <a:noFill/>
-          </a:ln>
-        </p:spPr>
-        <p:txBody>
-          <a:bodyPr anchorCtr="0" anchor="t" bIns="45000" lIns="90000" rIns="90000" tIns="45000">
-            <a:noAutofit/>
-          </a:bodyPr>
-          <a:lstStyle/>
-          <a:p>
-            <a:pPr indent="-114300" lvl="0" marL="0" marR="0" rtl="0" algn="l">
-              <a:lnSpc>
-                <a:spcPct val="100000"/>
-              </a:lnSpc>
-              <a:spcBef>
-                <a:spcPts val="0"/>
-              </a:spcBef>
-              <a:buClr>
-                <a:srgbClr val="000000"/>
-              </a:buClr>
-              <a:buFont typeface="Noto Sans Symbols"/>
-              <a:buNone/>
-            </a:pPr>
-            <a:r>
-              <a:t/>
-            </a:r>
-            <a:endParaRPr sz="2400">
-              <a:solidFill>
-                <a:schemeClr val="dk1"/>
-              </a:solidFill>
-              <a:latin typeface="Calibri"/>
-              <a:ea typeface="Calibri"/>
-              <a:cs typeface="Calibri"/>
-              <a:sym typeface="Calibri"/>
-            </a:endParaRPr>
-          </a:p>
-          <a:p>
-            <a:pPr indent="-114300" lvl="0" marL="0" marR="0" rtl="0" algn="l">
-              <a:lnSpc>
-                <a:spcPct val="100000"/>
-              </a:lnSpc>
-              <a:spcBef>
-                <a:spcPts val="0"/>
-              </a:spcBef>
-              <a:buClr>
-                <a:srgbClr val="000000"/>
-              </a:buClr>
-              <a:buFont typeface="Noto Sans Symbols"/>
-              <a:buNone/>
-            </a:pPr>
-            <a:r>
-              <a:t/>
-            </a:r>
-            <a:endParaRPr sz="2400">
-              <a:solidFill>
-                <a:schemeClr val="dk1"/>
-              </a:solidFill>
-              <a:latin typeface="Calibri"/>
-              <a:ea typeface="Calibri"/>
-              <a:cs typeface="Calibri"/>
-              <a:sym typeface="Calibri"/>
-            </a:endParaRPr>
-          </a:p>
-          <a:p>
-            <a:pPr indent="-114300" lvl="0" marL="0" marR="0" rtl="0" algn="l">
-              <a:lnSpc>
-                <a:spcPct val="100000"/>
-              </a:lnSpc>
-              <a:spcBef>
-                <a:spcPts val="0"/>
-              </a:spcBef>
-              <a:buClr>
-                <a:srgbClr val="000000"/>
-              </a:buClr>
-              <a:buFont typeface="Noto Sans Symbols"/>
-              <a:buNone/>
-            </a:pPr>
-            <a:r>
-              <a:t/>
-            </a:r>
-            <a:endParaRPr sz="2400">
-              <a:solidFill>
-                <a:schemeClr val="dk1"/>
-              </a:solidFill>
-              <a:latin typeface="Calibri"/>
-              <a:ea typeface="Calibri"/>
-              <a:cs typeface="Calibri"/>
-              <a:sym typeface="Calibri"/>
-            </a:endParaRPr>
-          </a:p>
-          <a:p>
-            <a:pPr indent="-114300" lvl="0" marL="0" marR="0" rtl="0" algn="l">
-              <a:lnSpc>
-                <a:spcPct val="100000"/>
-              </a:lnSpc>
-              <a:spcBef>
-                <a:spcPts val="0"/>
-              </a:spcBef>
-              <a:buClr>
-                <a:srgbClr val="000000"/>
-              </a:buClr>
-              <a:buFont typeface="Noto Sans Symbols"/>
-              <a:buNone/>
-            </a:pPr>
-            <a:r>
-              <a:t/>
-            </a:r>
-            <a:endParaRPr sz="2400">
-              <a:solidFill>
-                <a:schemeClr val="dk1"/>
-              </a:solidFill>
-              <a:latin typeface="Calibri"/>
-              <a:ea typeface="Calibri"/>
-              <a:cs typeface="Calibri"/>
-              <a:sym typeface="Calibri"/>
-            </a:endParaRPr>
-          </a:p>
-          <a:p>
-            <a:pPr indent="-114300" lvl="0" marL="0" marR="0" rtl="0" algn="l">
-              <a:lnSpc>
-                <a:spcPct val="100000"/>
-              </a:lnSpc>
-              <a:spcBef>
-                <a:spcPts val="0"/>
-              </a:spcBef>
-              <a:buClr>
-                <a:srgbClr val="000000"/>
-              </a:buClr>
-              <a:buFont typeface="Noto Sans Symbols"/>
-              <a:buNone/>
-            </a:pPr>
-            <a:r>
-              <a:t/>
-            </a:r>
-            <a:endParaRPr sz="2400">
-              <a:solidFill>
-                <a:schemeClr val="dk1"/>
-              </a:solidFill>
-              <a:latin typeface="Calibri"/>
-              <a:ea typeface="Calibri"/>
-              <a:cs typeface="Calibri"/>
-              <a:sym typeface="Calibri"/>
-            </a:endParaRPr>
-          </a:p>
-          <a:p>
-            <a:pPr indent="-114300" lvl="0" marL="0" marR="0" rtl="0" algn="l">
-              <a:lnSpc>
-                <a:spcPct val="100000"/>
-              </a:lnSpc>
-              <a:spcBef>
-                <a:spcPts val="0"/>
-              </a:spcBef>
-              <a:buClr>
-                <a:srgbClr val="000000"/>
-              </a:buClr>
-              <a:buFont typeface="Noto Sans Symbols"/>
-              <a:buNone/>
-            </a:pPr>
-            <a:r>
-              <a:t/>
-            </a:r>
-            <a:endParaRPr sz="2400">
-              <a:solidFill>
-                <a:schemeClr val="dk1"/>
-              </a:solidFill>
-              <a:latin typeface="Calibri"/>
-              <a:ea typeface="Calibri"/>
-              <a:cs typeface="Calibri"/>
-              <a:sym typeface="Calibri"/>
-            </a:endParaRPr>
-          </a:p>
-          <a:p>
-            <a:pPr indent="-114300" lvl="0" marL="0" marR="0" rtl="0" algn="l">
-              <a:lnSpc>
-                <a:spcPct val="100000"/>
-              </a:lnSpc>
-              <a:spcBef>
-                <a:spcPts val="0"/>
-              </a:spcBef>
-              <a:buClr>
-                <a:srgbClr val="000000"/>
-              </a:buClr>
-              <a:buFont typeface="Noto Sans Symbols"/>
-              <a:buNone/>
-            </a:pPr>
-            <a:r>
-              <a:t/>
-            </a:r>
-            <a:endParaRPr sz="2400">
-              <a:solidFill>
-                <a:schemeClr val="dk1"/>
-              </a:solidFill>
-              <a:latin typeface="Calibri"/>
-              <a:ea typeface="Calibri"/>
-              <a:cs typeface="Calibri"/>
-              <a:sym typeface="Calibri"/>
-            </a:endParaRPr>
-          </a:p>
-          <a:p>
-            <a:pPr indent="-114300" lvl="0" marL="0" marR="0" rtl="0" algn="l">
-              <a:lnSpc>
-                <a:spcPct val="100000"/>
-              </a:lnSpc>
-              <a:spcBef>
-                <a:spcPts val="0"/>
-              </a:spcBef>
-              <a:buClr>
-                <a:srgbClr val="000000"/>
-              </a:buClr>
-              <a:buSzPct val="75000"/>
-              <a:buFont typeface="Noto Sans Symbols"/>
-              <a:buNone/>
-            </a:pPr>
-            <a:r>
-              <a:rPr lang="en-US" sz="2400">
-                <a:solidFill>
-                  <a:schemeClr val="dk1"/>
-                </a:solidFill>
-                <a:latin typeface="PT Mono"/>
-                <a:ea typeface="PT Mono"/>
-                <a:cs typeface="PT Mono"/>
-                <a:sym typeface="PT Mono"/>
-              </a:rPr>
-              <a:t>@see javaConcurrentAnimated.jar</a:t>
-            </a:r>
-          </a:p>
-          <a:p>
-            <a:pPr indent="-216000" lvl="0" marL="216000" marR="0" rtl="0" algn="l">
-              <a:lnSpc>
-                <a:spcPct val="100000"/>
-              </a:lnSpc>
-              <a:spcBef>
-                <a:spcPts val="0"/>
-              </a:spcBef>
-              <a:buClr>
-                <a:srgbClr val="000000"/>
-              </a:buClr>
-              <a:buFont typeface="Noto Sans Symbols"/>
-              <a:buNone/>
-            </a:pPr>
-            <a:r>
-              <a:t/>
-            </a:r>
-            <a:endParaRPr sz="1800">
-              <a:latin typeface="Calibri"/>
-              <a:ea typeface="Calibri"/>
-              <a:cs typeface="Calibri"/>
-              <a:sym typeface="Calibri"/>
-            </a:endParaRPr>
-          </a:p>
-          <a:p>
-            <a:pPr indent="0" lvl="0" marL="0" marR="0" rtl="0" algn="l">
-              <a:lnSpc>
-                <a:spcPct val="100000"/>
-              </a:lnSpc>
-              <a:spcBef>
-                <a:spcPts val="0"/>
-              </a:spcBef>
-              <a:buNone/>
-            </a:pPr>
-            <a:r>
-              <a:t/>
-            </a:r>
-            <a:endParaRPr b="0" i="0" sz="1800" u="none" cap="none" strike="noStrike">
-              <a:solidFill>
-                <a:srgbClr val="000000"/>
-              </a:solidFill>
-              <a:latin typeface="Arial"/>
-              <a:ea typeface="Arial"/>
-              <a:cs typeface="Arial"/>
-              <a:sym typeface="Arial"/>
-            </a:endParaRPr>
-          </a:p>
-        </p:txBody>
-      </p:sp>
-      <p:pic>
-        <p:nvPicPr>
-          <p:cNvPr id="439" name="Shape 439"/>
-          <p:cNvPicPr preferRelativeResize="0"/>
-          <p:nvPr/>
-        </p:nvPicPr>
-        <p:blipFill>
-          <a:blip r:embed="rId3">
-            <a:alphaModFix/>
-          </a:blip>
-          <a:stretch>
-            <a:fillRect/>
-          </a:stretch>
-        </p:blipFill>
-        <p:spPr>
-          <a:xfrm>
-            <a:off x="566224" y="1225800"/>
-            <a:ext cx="5630774" cy="2460700"/>
-          </a:xfrm>
-          <a:prstGeom prst="rect">
-            <a:avLst/>
-          </a:prstGeom>
-          <a:noFill/>
-          <a:ln>
-            <a:noFill/>
-          </a:ln>
-        </p:spPr>
-      </p:pic>
     </p:spTree>
   </p:cSld>
   <p:clrMapOvr>
@@ -33623,7 +33327,7 @@
                 <a:cs typeface="Calibri"/>
                 <a:sym typeface="Calibri"/>
               </a:rPr>
-              <a:t>Futures</a:t>
+              <a:t>ConcurrentHashMap</a:t>
             </a:r>
           </a:p>
         </p:txBody>
@@ -33720,59 +33424,7 @@
             <a:r>
               <a:rPr lang="en-US" sz="2400">
                 <a:solidFill>
-                  <a:schemeClr val="dk1"/>
-                </a:solidFill>
-                <a:latin typeface="Calibri"/>
-                <a:ea typeface="Calibri"/>
-                <a:cs typeface="Calibri"/>
-                <a:sym typeface="Calibri"/>
-              </a:rPr>
-              <a:t>Future is implementation of </a:t>
-            </a:r>
-            <a:r>
-              <a:rPr b="1" lang="en-US" sz="2400">
-                <a:solidFill>
-                  <a:schemeClr val="dk1"/>
-                </a:solidFill>
-                <a:latin typeface="Calibri"/>
-                <a:ea typeface="Calibri"/>
-                <a:cs typeface="Calibri"/>
-                <a:sym typeface="Calibri"/>
-              </a:rPr>
-              <a:t>‘promises’</a:t>
-            </a:r>
-            <a:r>
-              <a:rPr lang="en-US" sz="2400">
-                <a:solidFill>
-                  <a:schemeClr val="dk1"/>
-                </a:solidFill>
-                <a:latin typeface="Calibri"/>
-                <a:ea typeface="Calibri"/>
-                <a:cs typeface="Calibri"/>
-                <a:sym typeface="Calibri"/>
-              </a:rPr>
-              <a:t>.</a:t>
-            </a:r>
-          </a:p>
-          <a:p>
-            <a:pPr indent="-114300" lvl="0" marL="0" marR="0" rtl="0" algn="l">
-              <a:lnSpc>
-                <a:spcPct val="100000"/>
-              </a:lnSpc>
-              <a:spcBef>
-                <a:spcPts val="0"/>
-              </a:spcBef>
-              <a:buClr>
-                <a:srgbClr val="000000"/>
-              </a:buClr>
-              <a:buSzPct val="75000"/>
-              <a:buFont typeface="Noto Sans Symbols"/>
-              <a:buNone/>
-            </a:pPr>
-            <a:r>
-              <a:rPr lang="en-US" sz="2400">
-                <a:solidFill>
-                  <a:srgbClr val="353833"/>
+                  <a:srgbClr val="474747"/>
                 </a:solidFill>
                 <a:highlight>
                   <a:srgbClr val="FFFFFF"/>
@@ -33782,7 +33434,7 @@
                 <a:cs typeface="Calibri"/>
                 <a:sym typeface="Calibri"/>
               </a:rPr>
-              <a:t>A Future represents the result of an asynchronous computation</a:t>
+              <a:t>A hash table supporting</a:t>
             </a:r>
           </a:p>
           <a:p>
@@ -33801,40 +33453,142 @@
               <a:buNone/>
             </a:pPr>
             <a:r>
-              <a:rPr lang="en-US" sz="2400">
-                <a:solidFill>
-                  <a:schemeClr val="dk1"/>
-                </a:solidFill>
+              <a:rPr b="1" lang="en-US" sz="2400">
+                <a:solidFill>
+                  <a:srgbClr val="474747"/>
+                </a:solidFill>
+                <a:highlight>
+                  <a:srgbClr val="FFFFFF"/>
+                </a:highlight>
                 <a:latin typeface="Calibri"/>
                 <a:ea typeface="Calibri"/>
                 <a:cs typeface="Calibri"/>
                 <a:sym typeface="Calibri"/>
               </a:rPr>
-              <a:t>We can block on </a:t>
-            </a:r>
-            <a:r>
-              <a:rPr b="1" lang="en-US" sz="2400">
-                <a:solidFill>
-                  <a:schemeClr val="dk1"/>
-                </a:solidFill>
+              <a:t>full concurrency</a:t>
+            </a:r>
+          </a:p>
+          <a:p>
+            <a:pPr indent="-114300" lvl="0" marL="0" marR="0" rtl="0" algn="l">
+              <a:lnSpc>
+                <a:spcPct val="100000"/>
+              </a:lnSpc>
+              <a:spcBef>
+                <a:spcPts val="0"/>
+              </a:spcBef>
+              <a:buClr>
+                <a:srgbClr val="000000"/>
+              </a:buClr>
+              <a:buSzPct val="75000"/>
+              <a:buFont typeface="Noto Sans Symbols"/>
+              <a:buNone/>
+            </a:pPr>
+            <a:r>
+              <a:rPr lang="en-US" sz="2400">
+                <a:solidFill>
+                  <a:srgbClr val="474747"/>
+                </a:solidFill>
+                <a:highlight>
+                  <a:srgbClr val="FFFFFF"/>
+                </a:highlight>
                 <a:latin typeface="Calibri"/>
                 <a:ea typeface="Calibri"/>
                 <a:cs typeface="Calibri"/>
                 <a:sym typeface="Calibri"/>
               </a:rPr>
-              <a:t>get() </a:t>
-            </a:r>
+              <a:t>of retrievals</a:t>
+            </a:r>
+          </a:p>
+          <a:p>
+            <a:pPr indent="-114300" lvl="0" marL="0" marR="0" rtl="0" algn="l">
+              <a:lnSpc>
+                <a:spcPct val="100000"/>
+              </a:lnSpc>
+              <a:spcBef>
+                <a:spcPts val="0"/>
+              </a:spcBef>
+              <a:buClr>
+                <a:srgbClr val="000000"/>
+              </a:buClr>
+              <a:buSzPct val="75000"/>
+              <a:buFont typeface="Noto Sans Symbols"/>
+              <a:buNone/>
+            </a:pPr>
             <a:r>
               <a:rPr lang="en-US" sz="2400">
                 <a:solidFill>
-                  <a:schemeClr val="dk1"/>
-                </a:solidFill>
+                  <a:srgbClr val="474747"/>
+                </a:solidFill>
+                <a:highlight>
+                  <a:srgbClr val="FFFFFF"/>
+                </a:highlight>
                 <a:latin typeface="Calibri"/>
                 <a:ea typeface="Calibri"/>
                 <a:cs typeface="Calibri"/>
                 <a:sym typeface="Calibri"/>
               </a:rPr>
-              <a:t>until the result is ready.</a:t>
+              <a:t>and </a:t>
+            </a:r>
+            <a:r>
+              <a:rPr b="1" lang="en-US" sz="2400">
+                <a:solidFill>
+                  <a:srgbClr val="474747"/>
+                </a:solidFill>
+                <a:highlight>
+                  <a:srgbClr val="FFFFFF"/>
+                </a:highlight>
+                <a:latin typeface="Calibri"/>
+                <a:ea typeface="Calibri"/>
+                <a:cs typeface="Calibri"/>
+                <a:sym typeface="Calibri"/>
+              </a:rPr>
+              <a:t>high expected</a:t>
+            </a:r>
+          </a:p>
+          <a:p>
+            <a:pPr indent="-114300" lvl="0" marL="0" marR="0" rtl="0" algn="l">
+              <a:lnSpc>
+                <a:spcPct val="100000"/>
+              </a:lnSpc>
+              <a:spcBef>
+                <a:spcPts val="0"/>
+              </a:spcBef>
+              <a:buClr>
+                <a:srgbClr val="000000"/>
+              </a:buClr>
+              <a:buSzPct val="75000"/>
+              <a:buFont typeface="Noto Sans Symbols"/>
+              <a:buNone/>
+            </a:pPr>
+            <a:r>
+              <a:rPr b="1" lang="en-US" sz="2400">
+                <a:solidFill>
+                  <a:srgbClr val="474747"/>
+                </a:solidFill>
+                <a:highlight>
+                  <a:srgbClr val="FFFFFF"/>
+                </a:highlight>
+                <a:latin typeface="Calibri"/>
+                <a:ea typeface="Calibri"/>
+                <a:cs typeface="Calibri"/>
+                <a:sym typeface="Calibri"/>
+              </a:rPr>
+              <a:t>concurrency</a:t>
+            </a:r>
+            <a:r>
+              <a:rPr lang="en-US" sz="2400">
+                <a:solidFill>
+                  <a:srgbClr val="474747"/>
+                </a:solidFill>
+                <a:highlight>
+                  <a:srgbClr val="FFFFFF"/>
+                </a:highlight>
+                <a:latin typeface="Calibri"/>
+                <a:ea typeface="Calibri"/>
+                <a:cs typeface="Calibri"/>
+                <a:sym typeface="Calibri"/>
+              </a:rPr>
+              <a:t> for updates.</a:t>
             </a:r>
           </a:p>
           <a:p>
@@ -33856,8 +33610,11 @@
             </a:r>
             <a:endParaRPr sz="2400">
               <a:solidFill>
-                <a:schemeClr val="dk1"/>
+                <a:srgbClr val="474747"/>
               </a:solidFill>
+              <a:highlight>
+                <a:srgbClr val="FFFFFF"/>
+              </a:highlight>
               <a:latin typeface="Calibri"/>
               <a:ea typeface="Calibri"/>
               <a:cs typeface="Calibri"/>
@@ -33882,14 +33639,63 @@
             <a:r>
               <a:rPr lang="en-US" sz="2400">
                 <a:solidFill>
-                  <a:schemeClr val="dk1"/>
-                </a:solidFill>
-                <a:latin typeface="PT Mono"/>
-                <a:ea typeface="PT Mono"/>
-                <a:cs typeface="PT Mono"/>
-                <a:sym typeface="PT Mono"/>
+                  <a:srgbClr val="474747"/>
+                </a:solidFill>
+                <a:highlight>
+                  <a:srgbClr val="FFFFFF"/>
+                </a:highlight>
+                <a:latin typeface="Calibri"/>
+                <a:ea typeface="Calibri"/>
+                <a:cs typeface="Calibri"/>
+                <a:sym typeface="Calibri"/>
               </a:rPr>
-              <a:t>@see javaConcurrentAnimated.jar (Future)</a:t>
+              <a:t>Iteration over </a:t>
+            </a:r>
+            <a:r>
+              <a:rPr b="1" lang="en-US" sz="2400">
+                <a:solidFill>
+                  <a:srgbClr val="474747"/>
+                </a:solidFill>
+                <a:highlight>
+                  <a:srgbClr val="FFFFFF"/>
+                </a:highlight>
+                <a:latin typeface="Calibri"/>
+                <a:ea typeface="Calibri"/>
+                <a:cs typeface="Calibri"/>
+                <a:sym typeface="Calibri"/>
+              </a:rPr>
+              <a:t>copy</a:t>
+            </a:r>
+          </a:p>
+          <a:p>
+            <a:pPr indent="-114300" lvl="0" marL="0" marR="0" rtl="0" algn="l">
+              <a:lnSpc>
+                <a:spcPct val="100000"/>
+              </a:lnSpc>
+              <a:spcBef>
+                <a:spcPts val="0"/>
+              </a:spcBef>
+              <a:buClr>
+                <a:srgbClr val="000000"/>
+              </a:buClr>
+              <a:buSzPct val="75000"/>
+              <a:buFont typeface="Noto Sans Symbols"/>
+              <a:buNone/>
+            </a:pPr>
+            <a:r>
+              <a:rPr lang="en-US" sz="2400">
+                <a:solidFill>
+                  <a:srgbClr val="474747"/>
+                </a:solidFill>
+                <a:highlight>
+                  <a:srgbClr val="FFFFFF"/>
+                </a:highlight>
+                <a:latin typeface="Calibri"/>
+                <a:ea typeface="Calibri"/>
+                <a:cs typeface="Calibri"/>
+                <a:sym typeface="Calibri"/>
+              </a:rPr>
+              <a:t>of collection at some point</a:t>
             </a:r>
           </a:p>
           <a:p>
@@ -33909,7 +33715,81 @@
             <a:r>
               <a:t/>
             </a:r>
-            <a:endParaRPr sz="1800">
+            <a:endParaRPr/>
+          </a:p>
+          <a:p>
+            <a:pPr indent="-114300" lvl="0" marL="0" marR="0" rtl="0" algn="l">
+              <a:lnSpc>
+                <a:spcPct val="100000"/>
+              </a:lnSpc>
+              <a:spcBef>
+                <a:spcPts val="0"/>
+              </a:spcBef>
+              <a:buClr>
+                <a:srgbClr val="000000"/>
+              </a:buClr>
+              <a:buFont typeface="Noto Sans Symbols"/>
+              <a:buNone/>
+            </a:pPr>
+            <a:r>
+              <a:rPr lang="en-US" u="sng">
+                <a:solidFill>
+                  <a:schemeClr val="hlink"/>
+                </a:solidFill>
+                <a:hlinkClick r:id="rId3"/>
+              </a:rPr>
+              <a:t>https://habrahabr.ru/post/132884/</a:t>
+            </a:r>
+          </a:p>
+          <a:p>
+            <a:pPr indent="-114300" lvl="0" marL="0" marR="0" rtl="0" algn="l">
+              <a:lnSpc>
+                <a:spcPct val="100000"/>
+              </a:lnSpc>
+              <a:spcBef>
+                <a:spcPts val="0"/>
+              </a:spcBef>
+              <a:buClr>
+                <a:srgbClr val="000000"/>
+              </a:buClr>
+              <a:buFont typeface="Noto Sans Symbols"/>
+              <a:buNone/>
+            </a:pPr>
+            <a:r>
+              <a:rPr lang="en-US" u="sng">
+                <a:solidFill>
+                  <a:schemeClr val="hlink"/>
+                </a:solidFill>
+                <a:latin typeface="Calibri"/>
+                <a:ea typeface="Calibri"/>
+                <a:cs typeface="Calibri"/>
+                <a:sym typeface="Calibri"/>
+                <a:hlinkClick r:id="rId4"/>
+              </a:rPr>
+              <a:t>https://docs.oracle.com/javase/8/docs/api/java/util/concurrent/ConcurrentHashMap.html</a:t>
+            </a:r>
+          </a:p>
+          <a:p>
+            <a:pPr indent="-216000" lvl="0" marL="216000" marR="0" rtl="0" algn="l">
+              <a:lnSpc>
+                <a:spcPct val="100000"/>
+              </a:lnSpc>
+              <a:spcBef>
+                <a:spcPts val="0"/>
+              </a:spcBef>
+              <a:buClr>
+                <a:srgbClr val="000000"/>
+              </a:buClr>
+              <a:buFont typeface="Noto Sans Symbols"/>
+              <a:buNone/>
+            </a:pPr>
+            <a:r>
+              <a:t/>
+            </a:r>
+            <a:endParaRPr sz="2400">
+              <a:solidFill>
+                <a:schemeClr val="dk1"/>
+              </a:solidFill>
               <a:latin typeface="Calibri"/>
               <a:ea typeface="Calibri"/>
               <a:cs typeface="Calibri"/>
@@ -33941,6 +33821,34 @@
           </a:p>
         </p:txBody>
       </p:sp>
+      <p:pic>
+        <p:nvPicPr>
+          <p:cNvPr id="447" name="Shape 447"/>
+          <p:cNvPicPr preferRelativeResize="0"/>
+          <p:nvPr/>
+        </p:nvPicPr>
+        <p:blipFill>
+          <a:blip r:embed="rId5">
+            <a:alphaModFix/>
+          </a:blip>
+          <a:stretch>
+            <a:fillRect/>
+          </a:stretch>
+        </p:blipFill>
+        <p:spPr>
+          <a:xfrm>
+            <a:off x="3923575" y="1225787"/>
+            <a:ext cx="4762500" cy="2428875"/>
+          </a:xfrm>
+          <a:prstGeom prst="rect">
+            <a:avLst/>
+          </a:prstGeom>
+          <a:noFill/>
+          <a:ln>
+            <a:noFill/>
+          </a:ln>
+        </p:spPr>
+      </p:pic>
     </p:spTree>
   </p:cSld>
   <p:clrMapOvr>
@@ -33954,7 +33862,7 @@
   <p:cSld>
     <p:spTree>
       <p:nvGrpSpPr>
-        <p:cNvPr id="450" name="Shape 450"/>
+        <p:cNvPr id="451" name="Shape 451"/>
         <p:cNvGrpSpPr/>
         <p:nvPr/>
       </p:nvGrpSpPr>
@@ -33968,7 +33876,7 @@
       </p:grpSpPr>
       <p:sp>
         <p:nvSpPr>
-          <p:cNvPr id="451" name="Shape 451"/>
+          <p:cNvPr id="452" name="Shape 452"/>
           <p:cNvSpPr/>
           <p:nvPr/>
         </p:nvSpPr>
@@ -34011,14 +33919,14 @@
                 <a:cs typeface="Calibri"/>
                 <a:sym typeface="Calibri"/>
               </a:rPr>
-              <a:t>Synchronizers</a:t>
+              <a:t>ForkJoinPool</a:t>
             </a:r>
           </a:p>
         </p:txBody>
       </p:sp>
       <p:sp>
         <p:nvSpPr>
-          <p:cNvPr id="452" name="Shape 452"/>
+          <p:cNvPr id="453" name="Shape 453"/>
           <p:cNvSpPr/>
           <p:nvPr/>
         </p:nvSpPr>
@@ -34068,7 +33976,7 @@
       </p:sp>
       <p:sp>
         <p:nvSpPr>
-          <p:cNvPr id="453" name="Shape 453"/>
+          <p:cNvPr id="454" name="Shape 454"/>
           <p:cNvSpPr/>
           <p:nvPr/>
         </p:nvSpPr>
@@ -34101,34 +34009,6 @@
               <a:buClr>
                 <a:srgbClr val="000000"/>
               </a:buClr>
-              <a:buSzPct val="75000"/>
-              <a:buFont typeface="Noto Sans Symbols"/>
-              <a:buNone/>
-            </a:pPr>
-            <a:r>
-              <a:rPr lang="en-US" sz="2400">
-                <a:solidFill>
-                  <a:schemeClr val="dk1"/>
-                </a:solidFill>
-                <a:latin typeface="Calibri"/>
-                <a:ea typeface="Calibri"/>
-                <a:cs typeface="Calibri"/>
-                <a:sym typeface="Calibri"/>
-              </a:rPr>
-              <a:t>It is hard to reason low-level JMM categories, but there are a number of high-level constructions in JDK</a:t>
-            </a:r>
-          </a:p>
-          <a:p>
-            <a:pPr indent="-114300" lvl="0" marL="0" marR="0" rtl="0" algn="l">
-              <a:lnSpc>
-                <a:spcPct val="100000"/>
-              </a:lnSpc>
-              <a:spcBef>
-                <a:spcPts val="0"/>
-              </a:spcBef>
-              <a:buClr>
-                <a:srgbClr val="000000"/>
-              </a:buClr>
               <a:buFont typeface="Noto Sans Symbols"/>
               <a:buNone/>
             </a:pPr>
@@ -34156,6 +34036,168 @@
               <a:buClr>
                 <a:srgbClr val="000000"/>
               </a:buClr>
+              <a:buFont typeface="Noto Sans Symbols"/>
+              <a:buNone/>
+            </a:pPr>
+            <a:r>
+              <a:t/>
+            </a:r>
+            <a:endParaRPr sz="2400">
+              <a:solidFill>
+                <a:schemeClr val="dk1"/>
+              </a:solidFill>
+              <a:latin typeface="Calibri"/>
+              <a:ea typeface="Calibri"/>
+              <a:cs typeface="Calibri"/>
+              <a:sym typeface="Calibri"/>
+            </a:endParaRPr>
+          </a:p>
+          <a:p>
+            <a:pPr indent="-114300" lvl="0" marL="0" marR="0" rtl="0" algn="l">
+              <a:lnSpc>
+                <a:spcPct val="100000"/>
+              </a:lnSpc>
+              <a:spcBef>
+                <a:spcPts val="0"/>
+              </a:spcBef>
+              <a:buClr>
+                <a:srgbClr val="000000"/>
+              </a:buClr>
+              <a:buFont typeface="Noto Sans Symbols"/>
+              <a:buNone/>
+            </a:pPr>
+            <a:r>
+              <a:t/>
+            </a:r>
+            <a:endParaRPr sz="2400">
+              <a:solidFill>
+                <a:schemeClr val="dk1"/>
+              </a:solidFill>
+              <a:latin typeface="Calibri"/>
+              <a:ea typeface="Calibri"/>
+              <a:cs typeface="Calibri"/>
+              <a:sym typeface="Calibri"/>
+            </a:endParaRPr>
+          </a:p>
+          <a:p>
+            <a:pPr indent="-114300" lvl="0" marL="0" marR="0" rtl="0" algn="l">
+              <a:lnSpc>
+                <a:spcPct val="100000"/>
+              </a:lnSpc>
+              <a:spcBef>
+                <a:spcPts val="0"/>
+              </a:spcBef>
+              <a:buClr>
+                <a:srgbClr val="000000"/>
+              </a:buClr>
+              <a:buFont typeface="Noto Sans Symbols"/>
+              <a:buNone/>
+            </a:pPr>
+            <a:r>
+              <a:t/>
+            </a:r>
+            <a:endParaRPr sz="2400">
+              <a:solidFill>
+                <a:schemeClr val="dk1"/>
+              </a:solidFill>
+              <a:latin typeface="Calibri"/>
+              <a:ea typeface="Calibri"/>
+              <a:cs typeface="Calibri"/>
+              <a:sym typeface="Calibri"/>
+            </a:endParaRPr>
+          </a:p>
+          <a:p>
+            <a:pPr indent="-114300" lvl="0" marL="0" marR="0" rtl="0" algn="l">
+              <a:lnSpc>
+                <a:spcPct val="100000"/>
+              </a:lnSpc>
+              <a:spcBef>
+                <a:spcPts val="0"/>
+              </a:spcBef>
+              <a:buClr>
+                <a:srgbClr val="000000"/>
+              </a:buClr>
+              <a:buFont typeface="Noto Sans Symbols"/>
+              <a:buNone/>
+            </a:pPr>
+            <a:r>
+              <a:t/>
+            </a:r>
+            <a:endParaRPr sz="2400">
+              <a:solidFill>
+                <a:schemeClr val="dk1"/>
+              </a:solidFill>
+              <a:latin typeface="Calibri"/>
+              <a:ea typeface="Calibri"/>
+              <a:cs typeface="Calibri"/>
+              <a:sym typeface="Calibri"/>
+            </a:endParaRPr>
+          </a:p>
+          <a:p>
+            <a:pPr indent="-114300" lvl="0" marL="0" marR="0" rtl="0" algn="l">
+              <a:lnSpc>
+                <a:spcPct val="100000"/>
+              </a:lnSpc>
+              <a:spcBef>
+                <a:spcPts val="0"/>
+              </a:spcBef>
+              <a:buClr>
+                <a:srgbClr val="000000"/>
+              </a:buClr>
+              <a:buFont typeface="Noto Sans Symbols"/>
+              <a:buNone/>
+            </a:pPr>
+            <a:r>
+              <a:t/>
+            </a:r>
+            <a:endParaRPr sz="2400">
+              <a:solidFill>
+                <a:schemeClr val="dk1"/>
+              </a:solidFill>
+              <a:latin typeface="Calibri"/>
+              <a:ea typeface="Calibri"/>
+              <a:cs typeface="Calibri"/>
+              <a:sym typeface="Calibri"/>
+            </a:endParaRPr>
+          </a:p>
+          <a:p>
+            <a:pPr indent="-114300" lvl="0" marL="0" marR="0" rtl="0" algn="l">
+              <a:lnSpc>
+                <a:spcPct val="100000"/>
+              </a:lnSpc>
+              <a:spcBef>
+                <a:spcPts val="0"/>
+              </a:spcBef>
+              <a:buClr>
+                <a:srgbClr val="000000"/>
+              </a:buClr>
+              <a:buFont typeface="Noto Sans Symbols"/>
+              <a:buNone/>
+            </a:pPr>
+            <a:r>
+              <a:t/>
+            </a:r>
+            <a:endParaRPr sz="2400">
+              <a:solidFill>
+                <a:schemeClr val="dk1"/>
+              </a:solidFill>
+              <a:latin typeface="Calibri"/>
+              <a:ea typeface="Calibri"/>
+              <a:cs typeface="Calibri"/>
+              <a:sym typeface="Calibri"/>
+            </a:endParaRPr>
+          </a:p>
+          <a:p>
+            <a:pPr indent="-114300" lvl="0" marL="0" marR="0" rtl="0" algn="l">
+              <a:lnSpc>
+                <a:spcPct val="100000"/>
+              </a:lnSpc>
+              <a:spcBef>
+                <a:spcPts val="0"/>
+              </a:spcBef>
+              <a:buClr>
+                <a:srgbClr val="000000"/>
+              </a:buClr>
               <a:buSzPct val="75000"/>
               <a:buFont typeface="Noto Sans Symbols"/>
               <a:buNone/>
@@ -34172,145 +34214,6 @@
               </a:rPr>
               <a:t>@see javaConcurrentAnimated.jar</a:t>
             </a:r>
-          </a:p>
-          <a:p>
-            <a:pPr indent="-114300" lvl="0" marL="0" marR="0" rtl="0" algn="l">
-              <a:lnSpc>
-                <a:spcPct val="100000"/>
-              </a:lnSpc>
-              <a:spcBef>
-                <a:spcPts val="0"/>
-              </a:spcBef>
-              <a:buClr>
-                <a:srgbClr val="000000"/>
-              </a:buClr>
-              <a:buSzPct val="75000"/>
-              <a:buFont typeface="Noto Sans Symbols"/>
-              <a:buNone/>
-            </a:pPr>
-            <a:r>
-              <a:rPr lang="en-US" sz="2400">
-                <a:solidFill>
-                  <a:schemeClr val="dk1"/>
-                </a:solidFill>
-                <a:latin typeface="PT Mono"/>
-                <a:ea typeface="PT Mono"/>
-                <a:cs typeface="PT Mono"/>
-                <a:sym typeface="PT Mono"/>
-              </a:rPr>
-              <a:t>(CyclicBarrier, Phaser)</a:t>
-            </a:r>
-          </a:p>
-          <a:p>
-            <a:pPr indent="-114300" lvl="0" marL="0" marR="0" rtl="0" algn="l">
-              <a:lnSpc>
-                <a:spcPct val="100000"/>
-              </a:lnSpc>
-              <a:spcBef>
-                <a:spcPts val="0"/>
-              </a:spcBef>
-              <a:buClr>
-                <a:srgbClr val="000000"/>
-              </a:buClr>
-              <a:buFont typeface="Noto Sans Symbols"/>
-              <a:buNone/>
-            </a:pPr>
-            <a:r>
-              <a:t/>
-            </a:r>
-            <a:endParaRPr sz="3000">
-              <a:solidFill>
-                <a:schemeClr val="dk1"/>
-              </a:solidFill>
-              <a:latin typeface="Calibri"/>
-              <a:ea typeface="Calibri"/>
-              <a:cs typeface="Calibri"/>
-              <a:sym typeface="Calibri"/>
-            </a:endParaRPr>
-          </a:p>
-          <a:p>
-            <a:pPr indent="-114300" lvl="0" marL="0" marR="0" rtl="0" algn="l">
-              <a:lnSpc>
-                <a:spcPct val="100000"/>
-              </a:lnSpc>
-              <a:spcBef>
-                <a:spcPts val="0"/>
-              </a:spcBef>
-              <a:buClr>
-                <a:srgbClr val="000000"/>
-              </a:buClr>
-              <a:buSzPct val="75000"/>
-              <a:buFont typeface="Noto Sans Symbols"/>
-              <a:buNone/>
-            </a:pPr>
-            <a:r>
-              <a:rPr lang="en-US" sz="2400">
-                <a:solidFill>
-                  <a:schemeClr val="dk1"/>
-                </a:solidFill>
-                <a:latin typeface="Calibri"/>
-                <a:ea typeface="Calibri"/>
-                <a:cs typeface="Calibri"/>
-                <a:sym typeface="Calibri"/>
-              </a:rPr>
-              <a:t>Good manual with visualization</a:t>
-            </a:r>
-          </a:p>
-          <a:p>
-            <a:pPr indent="-114300" lvl="0" marL="0" marR="0" rtl="0" algn="l">
-              <a:lnSpc>
-                <a:spcPct val="100000"/>
-              </a:lnSpc>
-              <a:spcBef>
-                <a:spcPts val="0"/>
-              </a:spcBef>
-              <a:buClr>
-                <a:srgbClr val="000000"/>
-              </a:buClr>
-              <a:buSzPct val="100000"/>
-              <a:buFont typeface="Noto Sans Symbols"/>
-              <a:buNone/>
-            </a:pPr>
-            <a:r>
-              <a:rPr lang="en-US" sz="1800" u="sng">
-                <a:solidFill>
-                  <a:schemeClr val="hlink"/>
-                </a:solidFill>
-                <a:latin typeface="Calibri"/>
-                <a:ea typeface="Calibri"/>
-                <a:cs typeface="Calibri"/>
-                <a:sym typeface="Calibri"/>
-                <a:hlinkClick r:id="rId3"/>
-              </a:rPr>
-              <a:t>https://habrahabr.ru/post/277669/</a:t>
-            </a:r>
-          </a:p>
-          <a:p>
-            <a:pPr indent="-114300" lvl="0" marL="0" marR="0" rtl="0" algn="l">
-              <a:lnSpc>
-                <a:spcPct val="100000"/>
-              </a:lnSpc>
-              <a:spcBef>
-                <a:spcPts val="0"/>
-              </a:spcBef>
-              <a:buClr>
-                <a:srgbClr val="000000"/>
-              </a:buClr>
-              <a:buFont typeface="Noto Sans Symbols"/>
-              <a:buNone/>
-            </a:pPr>
-            <a:r>
-              <a:t/>
-            </a:r>
-            <a:endParaRPr sz="3000">
-              <a:solidFill>
-                <a:schemeClr val="dk1"/>
-              </a:solidFill>
-              <a:latin typeface="Calibri"/>
-              <a:ea typeface="Calibri"/>
-              <a:cs typeface="Calibri"/>
-              <a:sym typeface="Calibri"/>
-            </a:endParaRPr>
           </a:p>
           <a:p>
             <a:pPr indent="-216000" lvl="0" marL="216000" marR="0" rtl="0" algn="l">
@@ -34361,6 +34264,34 @@
           </a:p>
         </p:txBody>
       </p:sp>
+      <p:pic>
+        <p:nvPicPr>
+          <p:cNvPr id="455" name="Shape 455"/>
+          <p:cNvPicPr preferRelativeResize="0"/>
+          <p:nvPr/>
+        </p:nvPicPr>
+        <p:blipFill>
+          <a:blip r:embed="rId3">
+            <a:alphaModFix/>
+          </a:blip>
+          <a:stretch>
+            <a:fillRect/>
+          </a:stretch>
+        </p:blipFill>
+        <p:spPr>
+          <a:xfrm>
+            <a:off x="566224" y="1225800"/>
+            <a:ext cx="5630774" cy="2460700"/>
+          </a:xfrm>
+          <a:prstGeom prst="rect">
+            <a:avLst/>
+          </a:prstGeom>
+          <a:noFill/>
+          <a:ln>
+            <a:noFill/>
+          </a:ln>
+        </p:spPr>
+      </p:pic>
     </p:spTree>
   </p:cSld>
   <p:clrMapOvr>
@@ -34374,7 +34305,7 @@
   <p:cSld>
     <p:spTree>
       <p:nvGrpSpPr>
-        <p:cNvPr id="458" name="Shape 458"/>
+        <p:cNvPr id="459" name="Shape 459"/>
         <p:cNvGrpSpPr/>
         <p:nvPr/>
       </p:nvGrpSpPr>
@@ -34388,7 +34319,7 @@
       </p:grpSpPr>
       <p:sp>
         <p:nvSpPr>
-          <p:cNvPr id="459" name="Shape 459"/>
+          <p:cNvPr id="460" name="Shape 460"/>
           <p:cNvSpPr/>
           <p:nvPr/>
         </p:nvSpPr>
@@ -34431,14 +34362,14 @@
                 <a:cs typeface="Calibri"/>
                 <a:sym typeface="Calibri"/>
               </a:rPr>
-              <a:t>Agenda</a:t>
+              <a:t>Futures</a:t>
             </a:r>
           </a:p>
         </p:txBody>
       </p:sp>
       <p:sp>
         <p:nvSpPr>
-          <p:cNvPr id="460" name="Shape 460"/>
+          <p:cNvPr id="461" name="Shape 461"/>
           <p:cNvSpPr/>
           <p:nvPr/>
         </p:nvSpPr>
@@ -34488,7 +34419,815 @@
       </p:sp>
       <p:sp>
         <p:nvSpPr>
-          <p:cNvPr id="461" name="Shape 461"/>
+          <p:cNvPr id="462" name="Shape 462"/>
+          <p:cNvSpPr/>
+          <p:nvPr/>
+        </p:nvSpPr>
+        <p:spPr>
+          <a:xfrm>
+            <a:off x="457200" y="1225800"/>
+            <a:ext cx="8229000" cy="3352200"/>
+          </a:xfrm>
+          <a:prstGeom prst="rect">
+            <a:avLst/>
+          </a:prstGeom>
+          <a:noFill/>
+          <a:ln>
+            <a:noFill/>
+          </a:ln>
+        </p:spPr>
+        <p:txBody>
+          <a:bodyPr anchorCtr="0" anchor="t" bIns="45000" lIns="90000" rIns="90000" tIns="45000">
+            <a:noAutofit/>
+          </a:bodyPr>
+          <a:lstStyle/>
+          <a:p>
+            <a:pPr indent="-114300" lvl="0" marL="0" marR="0" rtl="0" algn="l">
+              <a:lnSpc>
+                <a:spcPct val="100000"/>
+              </a:lnSpc>
+              <a:spcBef>
+                <a:spcPts val="0"/>
+              </a:spcBef>
+              <a:buClr>
+                <a:srgbClr val="000000"/>
+              </a:buClr>
+              <a:buSzPct val="75000"/>
+              <a:buFont typeface="Noto Sans Symbols"/>
+              <a:buNone/>
+            </a:pPr>
+            <a:r>
+              <a:rPr lang="en-US" sz="2400">
+                <a:solidFill>
+                  <a:schemeClr val="dk1"/>
+                </a:solidFill>
+                <a:latin typeface="Calibri"/>
+                <a:ea typeface="Calibri"/>
+                <a:cs typeface="Calibri"/>
+                <a:sym typeface="Calibri"/>
+              </a:rPr>
+              <a:t>Future is implementation of </a:t>
+            </a:r>
+            <a:r>
+              <a:rPr b="1" lang="en-US" sz="2400">
+                <a:solidFill>
+                  <a:schemeClr val="dk1"/>
+                </a:solidFill>
+                <a:latin typeface="Calibri"/>
+                <a:ea typeface="Calibri"/>
+                <a:cs typeface="Calibri"/>
+                <a:sym typeface="Calibri"/>
+              </a:rPr>
+              <a:t>‘promises’</a:t>
+            </a:r>
+            <a:r>
+              <a:rPr lang="en-US" sz="2400">
+                <a:solidFill>
+                  <a:schemeClr val="dk1"/>
+                </a:solidFill>
+                <a:latin typeface="Calibri"/>
+                <a:ea typeface="Calibri"/>
+                <a:cs typeface="Calibri"/>
+                <a:sym typeface="Calibri"/>
+              </a:rPr>
+              <a:t>.</a:t>
+            </a:r>
+          </a:p>
+          <a:p>
+            <a:pPr indent="-114300" lvl="0" marL="0" marR="0" rtl="0" algn="l">
+              <a:lnSpc>
+                <a:spcPct val="100000"/>
+              </a:lnSpc>
+              <a:spcBef>
+                <a:spcPts val="0"/>
+              </a:spcBef>
+              <a:buClr>
+                <a:srgbClr val="000000"/>
+              </a:buClr>
+              <a:buSzPct val="75000"/>
+              <a:buFont typeface="Noto Sans Symbols"/>
+              <a:buNone/>
+            </a:pPr>
+            <a:r>
+              <a:rPr lang="en-US" sz="2400">
+                <a:solidFill>
+                  <a:srgbClr val="353833"/>
+                </a:solidFill>
+                <a:highlight>
+                  <a:srgbClr val="FFFFFF"/>
+                </a:highlight>
+                <a:latin typeface="Calibri"/>
+                <a:ea typeface="Calibri"/>
+                <a:cs typeface="Calibri"/>
+                <a:sym typeface="Calibri"/>
+              </a:rPr>
+              <a:t>A Future represents the result of an asynchronous computation</a:t>
+            </a:r>
+          </a:p>
+          <a:p>
+            <a:pPr indent="-114300" lvl="0" marL="0" marR="0" rtl="0" algn="l">
+              <a:lnSpc>
+                <a:spcPct val="100000"/>
+              </a:lnSpc>
+              <a:spcBef>
+                <a:spcPts val="0"/>
+              </a:spcBef>
+              <a:buClr>
+                <a:srgbClr val="000000"/>
+              </a:buClr>
+              <a:buSzPct val="75000"/>
+              <a:buFont typeface="Noto Sans Symbols"/>
+              <a:buNone/>
+            </a:pPr>
+            <a:r>
+              <a:rPr lang="en-US" sz="2400">
+                <a:solidFill>
+                  <a:schemeClr val="dk1"/>
+                </a:solidFill>
+                <a:latin typeface="Calibri"/>
+                <a:ea typeface="Calibri"/>
+                <a:cs typeface="Calibri"/>
+                <a:sym typeface="Calibri"/>
+              </a:rPr>
+              <a:t>We can block on </a:t>
+            </a:r>
+            <a:r>
+              <a:rPr b="1" lang="en-US" sz="2400">
+                <a:solidFill>
+                  <a:schemeClr val="dk1"/>
+                </a:solidFill>
+                <a:latin typeface="Calibri"/>
+                <a:ea typeface="Calibri"/>
+                <a:cs typeface="Calibri"/>
+                <a:sym typeface="Calibri"/>
+              </a:rPr>
+              <a:t>get() </a:t>
+            </a:r>
+            <a:r>
+              <a:rPr lang="en-US" sz="2400">
+                <a:solidFill>
+                  <a:schemeClr val="dk1"/>
+                </a:solidFill>
+                <a:latin typeface="Calibri"/>
+                <a:ea typeface="Calibri"/>
+                <a:cs typeface="Calibri"/>
+                <a:sym typeface="Calibri"/>
+              </a:rPr>
+              <a:t>until the result is ready.</a:t>
+            </a:r>
+          </a:p>
+          <a:p>
+            <a:pPr indent="-114300" lvl="0" marL="0" marR="0" rtl="0" algn="l">
+              <a:lnSpc>
+                <a:spcPct val="100000"/>
+              </a:lnSpc>
+              <a:spcBef>
+                <a:spcPts val="0"/>
+              </a:spcBef>
+              <a:buClr>
+                <a:srgbClr val="000000"/>
+              </a:buClr>
+              <a:buFont typeface="Noto Sans Symbols"/>
+              <a:buNone/>
+            </a:pPr>
+            <a:r>
+              <a:t/>
+            </a:r>
+            <a:endParaRPr sz="2400">
+              <a:solidFill>
+                <a:schemeClr val="dk1"/>
+              </a:solidFill>
+              <a:latin typeface="Calibri"/>
+              <a:ea typeface="Calibri"/>
+              <a:cs typeface="Calibri"/>
+              <a:sym typeface="Calibri"/>
+            </a:endParaRPr>
+          </a:p>
+          <a:p>
+            <a:pPr indent="-114300" lvl="0" marL="0" marR="0" rtl="0" algn="l">
+              <a:lnSpc>
+                <a:spcPct val="100000"/>
+              </a:lnSpc>
+              <a:spcBef>
+                <a:spcPts val="0"/>
+              </a:spcBef>
+              <a:buClr>
+                <a:srgbClr val="000000"/>
+              </a:buClr>
+              <a:buSzPct val="75000"/>
+              <a:buFont typeface="Noto Sans Symbols"/>
+              <a:buNone/>
+            </a:pPr>
+            <a:r>
+              <a:rPr lang="en-US" sz="2400">
+                <a:solidFill>
+                  <a:schemeClr val="dk1"/>
+                </a:solidFill>
+                <a:latin typeface="PT Mono"/>
+                <a:ea typeface="PT Mono"/>
+                <a:cs typeface="PT Mono"/>
+                <a:sym typeface="PT Mono"/>
+              </a:rPr>
+              <a:t>@see javaConcurrentAnimated.jar (Future)</a:t>
+            </a:r>
+          </a:p>
+          <a:p>
+            <a:pPr indent="-216000" lvl="0" marL="216000" marR="0" rtl="0" algn="l">
+              <a:lnSpc>
+                <a:spcPct val="100000"/>
+              </a:lnSpc>
+              <a:spcBef>
+                <a:spcPts val="0"/>
+              </a:spcBef>
+              <a:buClr>
+                <a:srgbClr val="000000"/>
+              </a:buClr>
+              <a:buFont typeface="Noto Sans Symbols"/>
+              <a:buNone/>
+            </a:pPr>
+            <a:r>
+              <a:t/>
+            </a:r>
+            <a:endParaRPr sz="1800">
+              <a:latin typeface="Calibri"/>
+              <a:ea typeface="Calibri"/>
+              <a:cs typeface="Calibri"/>
+              <a:sym typeface="Calibri"/>
+            </a:endParaRPr>
+          </a:p>
+          <a:p>
+            <a:pPr indent="0" lvl="0" marL="0" marR="0" rtl="0" algn="l">
+              <a:lnSpc>
+                <a:spcPct val="100000"/>
+              </a:lnSpc>
+              <a:spcBef>
+                <a:spcPts val="0"/>
+              </a:spcBef>
+              <a:buNone/>
+            </a:pPr>
+            <a:r>
+              <a:t/>
+            </a:r>
+            <a:endParaRPr b="0" i="0" sz="1800" u="none" cap="none" strike="noStrike">
+              <a:solidFill>
+                <a:srgbClr val="000000"/>
+              </a:solidFill>
+              <a:latin typeface="Arial"/>
+              <a:ea typeface="Arial"/>
+              <a:cs typeface="Arial"/>
+              <a:sym typeface="Arial"/>
+            </a:endParaRPr>
+          </a:p>
+        </p:txBody>
+      </p:sp>
+    </p:spTree>
+  </p:cSld>
+  <p:clrMapOvr>
+    <a:masterClrMapping/>
+  </p:clrMapOvr>
+</p:sld>
+</file>
+
+<file path=ppt/slides/slide43.xml><?xml version="1.0" encoding="utf-8"?>
+<p:sld xmlns:a="http://schemas.openxmlformats.org/drawingml/2006/main" xmlns:r="http://schemas.openxmlformats.org/officeDocument/2006/relationships" xmlns:mc="http://schemas.openxmlformats.org/markup-compatibility/2006" xmlns:mv="urn:schemas-microsoft-com:mac:vml" xmlns:p="http://schemas.openxmlformats.org/presentationml/2006/main" xmlns:c="http://schemas.openxmlformats.org/drawingml/2006/chart" xmlns:dgm="http://schemas.openxmlformats.org/drawingml/2006/diagram" xmlns:o="urn:schemas-microsoft-com:office:office" xmlns:v="urn:schemas-microsoft-com:vml" xmlns:pvml="urn:schemas-microsoft-com:office:powerpoint" xmlns:com="http://schemas.openxmlformats.org/drawingml/2006/compatibility" xmlns:p14="http://schemas.microsoft.com/office/powerpoint/2010/main">
+  <p:cSld>
+    <p:spTree>
+      <p:nvGrpSpPr>
+        <p:cNvPr id="466" name="Shape 466"/>
+        <p:cNvGrpSpPr/>
+        <p:nvPr/>
+      </p:nvGrpSpPr>
+      <p:grpSpPr>
+        <a:xfrm>
+          <a:off x="0" y="0"/>
+          <a:ext cx="0" cy="0"/>
+          <a:chOff x="0" y="0"/>
+          <a:chExt cx="0" cy="0"/>
+        </a:xfrm>
+      </p:grpSpPr>
+      <p:sp>
+        <p:nvSpPr>
+          <p:cNvPr id="467" name="Shape 467"/>
+          <p:cNvSpPr/>
+          <p:nvPr/>
+        </p:nvSpPr>
+        <p:spPr>
+          <a:xfrm>
+            <a:off x="457200" y="205919"/>
+            <a:ext cx="8229000" cy="608400"/>
+          </a:xfrm>
+          <a:prstGeom prst="rect">
+            <a:avLst/>
+          </a:prstGeom>
+          <a:noFill/>
+          <a:ln>
+            <a:noFill/>
+          </a:ln>
+        </p:spPr>
+        <p:txBody>
+          <a:bodyPr anchorCtr="0" anchor="ctr" bIns="45000" lIns="90000" rIns="90000" tIns="45000">
+            <a:noAutofit/>
+          </a:bodyPr>
+          <a:lstStyle/>
+          <a:p>
+            <a:pPr indent="0" lvl="0" marL="0" marR="0" rtl="0" algn="l">
+              <a:lnSpc>
+                <a:spcPct val="100000"/>
+              </a:lnSpc>
+              <a:spcBef>
+                <a:spcPts val="0"/>
+              </a:spcBef>
+              <a:buSzPct val="25000"/>
+              <a:buNone/>
+            </a:pPr>
+            <a:r>
+              <a:rPr lang="en-US" sz="3600">
+                <a:solidFill>
+                  <a:srgbClr val="403152"/>
+                </a:solidFill>
+                <a:latin typeface="Calibri"/>
+                <a:ea typeface="Calibri"/>
+                <a:cs typeface="Calibri"/>
+                <a:sym typeface="Calibri"/>
+              </a:rPr>
+              <a:t>Synchronizers</a:t>
+            </a:r>
+          </a:p>
+        </p:txBody>
+      </p:sp>
+      <p:sp>
+        <p:nvSpPr>
+          <p:cNvPr id="468" name="Shape 468"/>
+          <p:cNvSpPr/>
+          <p:nvPr/>
+        </p:nvSpPr>
+        <p:spPr>
+          <a:xfrm>
+            <a:off x="6553080" y="4767119"/>
+            <a:ext cx="2133000" cy="273300"/>
+          </a:xfrm>
+          <a:prstGeom prst="rect">
+            <a:avLst/>
+          </a:prstGeom>
+          <a:noFill/>
+          <a:ln>
+            <a:noFill/>
+          </a:ln>
+        </p:spPr>
+        <p:txBody>
+          <a:bodyPr anchorCtr="0" anchor="ctr" bIns="45000" lIns="90000" rIns="90000" tIns="45000">
+            <a:noAutofit/>
+          </a:bodyPr>
+          <a:lstStyle/>
+          <a:p>
+            <a:pPr indent="0" lvl="0" marL="0" marR="0" rtl="0" algn="r">
+              <a:lnSpc>
+                <a:spcPct val="100000"/>
+              </a:lnSpc>
+              <a:spcBef>
+                <a:spcPts val="0"/>
+              </a:spcBef>
+              <a:buSzPct val="25000"/>
+              <a:buNone/>
+            </a:pPr>
+            <a:fld id="{00000000-1234-1234-1234-123412341234}" type="slidenum">
+              <a:rPr b="0" i="0" lang="en-US" sz="1200" u="none" cap="none" strike="noStrike">
+                <a:solidFill>
+                  <a:srgbClr val="8B8B8B"/>
+                </a:solidFill>
+                <a:latin typeface="Calibri"/>
+                <a:ea typeface="Calibri"/>
+                <a:cs typeface="Calibri"/>
+                <a:sym typeface="Calibri"/>
+              </a:rPr>
+              <a:t>‹#›</a:t>
+            </a:fld>
+          </a:p>
+        </p:txBody>
+      </p:sp>
+      <p:sp>
+        <p:nvSpPr>
+          <p:cNvPr id="469" name="Shape 469"/>
+          <p:cNvSpPr/>
+          <p:nvPr/>
+        </p:nvSpPr>
+        <p:spPr>
+          <a:xfrm>
+            <a:off x="457200" y="1225800"/>
+            <a:ext cx="8229000" cy="3352200"/>
+          </a:xfrm>
+          <a:prstGeom prst="rect">
+            <a:avLst/>
+          </a:prstGeom>
+          <a:noFill/>
+          <a:ln>
+            <a:noFill/>
+          </a:ln>
+        </p:spPr>
+        <p:txBody>
+          <a:bodyPr anchorCtr="0" anchor="t" bIns="45000" lIns="90000" rIns="90000" tIns="45000">
+            <a:noAutofit/>
+          </a:bodyPr>
+          <a:lstStyle/>
+          <a:p>
+            <a:pPr indent="-114300" lvl="0" marL="0" marR="0" rtl="0" algn="l">
+              <a:lnSpc>
+                <a:spcPct val="100000"/>
+              </a:lnSpc>
+              <a:spcBef>
+                <a:spcPts val="0"/>
+              </a:spcBef>
+              <a:buClr>
+                <a:srgbClr val="000000"/>
+              </a:buClr>
+              <a:buSzPct val="75000"/>
+              <a:buFont typeface="Noto Sans Symbols"/>
+              <a:buNone/>
+            </a:pPr>
+            <a:r>
+              <a:rPr lang="en-US" sz="2400">
+                <a:solidFill>
+                  <a:schemeClr val="dk1"/>
+                </a:solidFill>
+                <a:latin typeface="Calibri"/>
+                <a:ea typeface="Calibri"/>
+                <a:cs typeface="Calibri"/>
+                <a:sym typeface="Calibri"/>
+              </a:rPr>
+              <a:t>It is hard to reason low-level JMM categories, but there are a number of high-level constructions in JDK</a:t>
+            </a:r>
+          </a:p>
+          <a:p>
+            <a:pPr indent="-114300" lvl="0" marL="0" marR="0" rtl="0" algn="l">
+              <a:lnSpc>
+                <a:spcPct val="100000"/>
+              </a:lnSpc>
+              <a:spcBef>
+                <a:spcPts val="0"/>
+              </a:spcBef>
+              <a:buClr>
+                <a:srgbClr val="000000"/>
+              </a:buClr>
+              <a:buFont typeface="Noto Sans Symbols"/>
+              <a:buNone/>
+            </a:pPr>
+            <a:r>
+              <a:t/>
+            </a:r>
+            <a:endParaRPr sz="2400">
+              <a:solidFill>
+                <a:schemeClr val="dk1"/>
+              </a:solidFill>
+              <a:latin typeface="Calibri"/>
+              <a:ea typeface="Calibri"/>
+              <a:cs typeface="Calibri"/>
+              <a:sym typeface="Calibri"/>
+            </a:endParaRPr>
+          </a:p>
+          <a:p>
+            <a:pPr indent="-114300" lvl="0" marL="0" marR="0" rtl="0" algn="l">
+              <a:lnSpc>
+                <a:spcPct val="100000"/>
+              </a:lnSpc>
+              <a:spcBef>
+                <a:spcPts val="0"/>
+              </a:spcBef>
+              <a:buClr>
+                <a:srgbClr val="000000"/>
+              </a:buClr>
+              <a:buSzPct val="75000"/>
+              <a:buFont typeface="Noto Sans Symbols"/>
+              <a:buNone/>
+            </a:pPr>
+            <a:r>
+              <a:rPr lang="en-US" sz="2400">
+                <a:solidFill>
+                  <a:schemeClr val="dk1"/>
+                </a:solidFill>
+                <a:latin typeface="PT Mono"/>
+                <a:ea typeface="PT Mono"/>
+                <a:cs typeface="PT Mono"/>
+                <a:sym typeface="PT Mono"/>
+              </a:rPr>
+              <a:t>@see javaConcurrentAnimated.jar</a:t>
+            </a:r>
+          </a:p>
+          <a:p>
+            <a:pPr indent="-114300" lvl="0" marL="0" marR="0" rtl="0" algn="l">
+              <a:lnSpc>
+                <a:spcPct val="100000"/>
+              </a:lnSpc>
+              <a:spcBef>
+                <a:spcPts val="0"/>
+              </a:spcBef>
+              <a:buClr>
+                <a:srgbClr val="000000"/>
+              </a:buClr>
+              <a:buSzPct val="75000"/>
+              <a:buFont typeface="Noto Sans Symbols"/>
+              <a:buNone/>
+            </a:pPr>
+            <a:r>
+              <a:rPr lang="en-US" sz="2400">
+                <a:solidFill>
+                  <a:schemeClr val="dk1"/>
+                </a:solidFill>
+                <a:latin typeface="PT Mono"/>
+                <a:ea typeface="PT Mono"/>
+                <a:cs typeface="PT Mono"/>
+                <a:sym typeface="PT Mono"/>
+              </a:rPr>
+              <a:t>(CyclicBarrier, Phaser)</a:t>
+            </a:r>
+          </a:p>
+          <a:p>
+            <a:pPr indent="-114300" lvl="0" marL="0" marR="0" rtl="0" algn="l">
+              <a:lnSpc>
+                <a:spcPct val="100000"/>
+              </a:lnSpc>
+              <a:spcBef>
+                <a:spcPts val="0"/>
+              </a:spcBef>
+              <a:buClr>
+                <a:srgbClr val="000000"/>
+              </a:buClr>
+              <a:buFont typeface="Noto Sans Symbols"/>
+              <a:buNone/>
+            </a:pPr>
+            <a:r>
+              <a:t/>
+            </a:r>
+            <a:endParaRPr sz="3000">
+              <a:solidFill>
+                <a:schemeClr val="dk1"/>
+              </a:solidFill>
+              <a:latin typeface="Calibri"/>
+              <a:ea typeface="Calibri"/>
+              <a:cs typeface="Calibri"/>
+              <a:sym typeface="Calibri"/>
+            </a:endParaRPr>
+          </a:p>
+          <a:p>
+            <a:pPr indent="-114300" lvl="0" marL="0" marR="0" rtl="0" algn="l">
+              <a:lnSpc>
+                <a:spcPct val="100000"/>
+              </a:lnSpc>
+              <a:spcBef>
+                <a:spcPts val="0"/>
+              </a:spcBef>
+              <a:buClr>
+                <a:srgbClr val="000000"/>
+              </a:buClr>
+              <a:buSzPct val="75000"/>
+              <a:buFont typeface="Noto Sans Symbols"/>
+              <a:buNone/>
+            </a:pPr>
+            <a:r>
+              <a:rPr lang="en-US" sz="2400">
+                <a:solidFill>
+                  <a:schemeClr val="dk1"/>
+                </a:solidFill>
+                <a:latin typeface="Calibri"/>
+                <a:ea typeface="Calibri"/>
+                <a:cs typeface="Calibri"/>
+                <a:sym typeface="Calibri"/>
+              </a:rPr>
+              <a:t>Good manual with visualization</a:t>
+            </a:r>
+          </a:p>
+          <a:p>
+            <a:pPr indent="-114300" lvl="0" marL="0" marR="0" rtl="0" algn="l">
+              <a:lnSpc>
+                <a:spcPct val="100000"/>
+              </a:lnSpc>
+              <a:spcBef>
+                <a:spcPts val="0"/>
+              </a:spcBef>
+              <a:buClr>
+                <a:srgbClr val="000000"/>
+              </a:buClr>
+              <a:buSzPct val="100000"/>
+              <a:buFont typeface="Noto Sans Symbols"/>
+              <a:buNone/>
+            </a:pPr>
+            <a:r>
+              <a:rPr lang="en-US" sz="1800" u="sng">
+                <a:solidFill>
+                  <a:schemeClr val="hlink"/>
+                </a:solidFill>
+                <a:latin typeface="Calibri"/>
+                <a:ea typeface="Calibri"/>
+                <a:cs typeface="Calibri"/>
+                <a:sym typeface="Calibri"/>
+                <a:hlinkClick r:id="rId3"/>
+              </a:rPr>
+              <a:t>https://habrahabr.ru/post/277669/</a:t>
+            </a:r>
+          </a:p>
+          <a:p>
+            <a:pPr indent="-114300" lvl="0" marL="0" marR="0" rtl="0" algn="l">
+              <a:lnSpc>
+                <a:spcPct val="100000"/>
+              </a:lnSpc>
+              <a:spcBef>
+                <a:spcPts val="0"/>
+              </a:spcBef>
+              <a:buClr>
+                <a:srgbClr val="000000"/>
+              </a:buClr>
+              <a:buFont typeface="Noto Sans Symbols"/>
+              <a:buNone/>
+            </a:pPr>
+            <a:r>
+              <a:t/>
+            </a:r>
+            <a:endParaRPr sz="3000">
+              <a:solidFill>
+                <a:schemeClr val="dk1"/>
+              </a:solidFill>
+              <a:latin typeface="Calibri"/>
+              <a:ea typeface="Calibri"/>
+              <a:cs typeface="Calibri"/>
+              <a:sym typeface="Calibri"/>
+            </a:endParaRPr>
+          </a:p>
+          <a:p>
+            <a:pPr indent="-216000" lvl="0" marL="216000" marR="0" rtl="0" algn="l">
+              <a:lnSpc>
+                <a:spcPct val="100000"/>
+              </a:lnSpc>
+              <a:spcBef>
+                <a:spcPts val="0"/>
+              </a:spcBef>
+              <a:buClr>
+                <a:srgbClr val="000000"/>
+              </a:buClr>
+              <a:buFont typeface="Noto Sans Symbols"/>
+              <a:buNone/>
+            </a:pPr>
+            <a:r>
+              <a:t/>
+            </a:r>
+            <a:endParaRPr sz="1800">
+              <a:latin typeface="Calibri"/>
+              <a:ea typeface="Calibri"/>
+              <a:cs typeface="Calibri"/>
+              <a:sym typeface="Calibri"/>
+            </a:endParaRPr>
+          </a:p>
+          <a:p>
+            <a:pPr indent="0" lvl="0" marL="0" marR="0" rtl="0" algn="l">
+              <a:lnSpc>
+                <a:spcPct val="100000"/>
+              </a:lnSpc>
+              <a:spcBef>
+                <a:spcPts val="0"/>
+              </a:spcBef>
+              <a:buNone/>
+            </a:pPr>
+            <a:r>
+              <a:t/>
+            </a:r>
+            <a:endParaRPr b="0" i="0" sz="1800" u="none" cap="none" strike="noStrike">
+              <a:solidFill>
+                <a:srgbClr val="000000"/>
+              </a:solidFill>
+              <a:latin typeface="Arial"/>
+              <a:ea typeface="Arial"/>
+              <a:cs typeface="Arial"/>
+              <a:sym typeface="Arial"/>
+            </a:endParaRPr>
+          </a:p>
+        </p:txBody>
+      </p:sp>
+    </p:spTree>
+  </p:cSld>
+  <p:clrMapOvr>
+    <a:masterClrMapping/>
+  </p:clrMapOvr>
+</p:sld>
+</file>
+
+<file path=ppt/slides/slide44.xml><?xml version="1.0" encoding="utf-8"?>
+<p:sld xmlns:a="http://schemas.openxmlformats.org/drawingml/2006/main" xmlns:r="http://schemas.openxmlformats.org/officeDocument/2006/relationships" xmlns:mc="http://schemas.openxmlformats.org/markup-compatibility/2006" xmlns:mv="urn:schemas-microsoft-com:mac:vml" xmlns:p="http://schemas.openxmlformats.org/presentationml/2006/main" xmlns:c="http://schemas.openxmlformats.org/drawingml/2006/chart" xmlns:dgm="http://schemas.openxmlformats.org/drawingml/2006/diagram" xmlns:o="urn:schemas-microsoft-com:office:office" xmlns:v="urn:schemas-microsoft-com:vml" xmlns:pvml="urn:schemas-microsoft-com:office:powerpoint" xmlns:com="http://schemas.openxmlformats.org/drawingml/2006/compatibility" xmlns:p14="http://schemas.microsoft.com/office/powerpoint/2010/main">
+  <p:cSld>
+    <p:spTree>
+      <p:nvGrpSpPr>
+        <p:cNvPr id="474" name="Shape 474"/>
+        <p:cNvGrpSpPr/>
+        <p:nvPr/>
+      </p:nvGrpSpPr>
+      <p:grpSpPr>
+        <a:xfrm>
+          <a:off x="0" y="0"/>
+          <a:ext cx="0" cy="0"/>
+          <a:chOff x="0" y="0"/>
+          <a:chExt cx="0" cy="0"/>
+        </a:xfrm>
+      </p:grpSpPr>
+      <p:sp>
+        <p:nvSpPr>
+          <p:cNvPr id="475" name="Shape 475"/>
+          <p:cNvSpPr/>
+          <p:nvPr/>
+        </p:nvSpPr>
+        <p:spPr>
+          <a:xfrm>
+            <a:off x="457200" y="205919"/>
+            <a:ext cx="8229000" cy="608400"/>
+          </a:xfrm>
+          <a:prstGeom prst="rect">
+            <a:avLst/>
+          </a:prstGeom>
+          <a:noFill/>
+          <a:ln>
+            <a:noFill/>
+          </a:ln>
+        </p:spPr>
+        <p:txBody>
+          <a:bodyPr anchorCtr="0" anchor="ctr" bIns="45000" lIns="90000" rIns="90000" tIns="45000">
+            <a:noAutofit/>
+          </a:bodyPr>
+          <a:lstStyle/>
+          <a:p>
+            <a:pPr indent="0" lvl="0" marL="0" marR="0" rtl="0" algn="l">
+              <a:lnSpc>
+                <a:spcPct val="100000"/>
+              </a:lnSpc>
+              <a:spcBef>
+                <a:spcPts val="0"/>
+              </a:spcBef>
+              <a:buSzPct val="25000"/>
+              <a:buNone/>
+            </a:pPr>
+            <a:r>
+              <a:rPr lang="en-US" sz="3600">
+                <a:solidFill>
+                  <a:srgbClr val="403152"/>
+                </a:solidFill>
+                <a:latin typeface="Calibri"/>
+                <a:ea typeface="Calibri"/>
+                <a:cs typeface="Calibri"/>
+                <a:sym typeface="Calibri"/>
+              </a:rPr>
+              <a:t>Agenda</a:t>
+            </a:r>
+          </a:p>
+        </p:txBody>
+      </p:sp>
+      <p:sp>
+        <p:nvSpPr>
+          <p:cNvPr id="476" name="Shape 476"/>
+          <p:cNvSpPr/>
+          <p:nvPr/>
+        </p:nvSpPr>
+        <p:spPr>
+          <a:xfrm>
+            <a:off x="6553080" y="4767119"/>
+            <a:ext cx="2133000" cy="273300"/>
+          </a:xfrm>
+          <a:prstGeom prst="rect">
+            <a:avLst/>
+          </a:prstGeom>
+          <a:noFill/>
+          <a:ln>
+            <a:noFill/>
+          </a:ln>
+        </p:spPr>
+        <p:txBody>
+          <a:bodyPr anchorCtr="0" anchor="ctr" bIns="45000" lIns="90000" rIns="90000" tIns="45000">
+            <a:noAutofit/>
+          </a:bodyPr>
+          <a:lstStyle/>
+          <a:p>
+            <a:pPr indent="0" lvl="0" marL="0" marR="0" rtl="0" algn="r">
+              <a:lnSpc>
+                <a:spcPct val="100000"/>
+              </a:lnSpc>
+              <a:spcBef>
+                <a:spcPts val="0"/>
+              </a:spcBef>
+              <a:buSzPct val="25000"/>
+              <a:buNone/>
+            </a:pPr>
+            <a:fld id="{00000000-1234-1234-1234-123412341234}" type="slidenum">
+              <a:rPr b="0" i="0" lang="en-US" sz="1200" u="none" cap="none" strike="noStrike">
+                <a:solidFill>
+                  <a:srgbClr val="8B8B8B"/>
+                </a:solidFill>
+                <a:latin typeface="Calibri"/>
+                <a:ea typeface="Calibri"/>
+                <a:cs typeface="Calibri"/>
+                <a:sym typeface="Calibri"/>
+              </a:rPr>
+              <a:t>‹#›</a:t>
+            </a:fld>
+          </a:p>
+        </p:txBody>
+      </p:sp>
+      <p:sp>
+        <p:nvSpPr>
+          <p:cNvPr id="477" name="Shape 477"/>
           <p:cNvSpPr/>
           <p:nvPr/>
         </p:nvSpPr>
@@ -34540,7 +35279,7 @@
       </p:sp>
       <p:sp>
         <p:nvSpPr>
-          <p:cNvPr id="462" name="Shape 462"/>
+          <p:cNvPr id="478" name="Shape 478"/>
           <p:cNvSpPr/>
           <p:nvPr/>
         </p:nvSpPr>
@@ -34594,7 +35333,7 @@
       </p:sp>
       <p:sp>
         <p:nvSpPr>
-          <p:cNvPr id="463" name="Shape 463"/>
+          <p:cNvPr id="479" name="Shape 479"/>
           <p:cNvSpPr/>
           <p:nvPr/>
         </p:nvSpPr>
@@ -34646,7 +35385,7 @@
       </p:sp>
       <p:sp>
         <p:nvSpPr>
-          <p:cNvPr id="464" name="Shape 464"/>
+          <p:cNvPr id="480" name="Shape 480"/>
           <p:cNvSpPr/>
           <p:nvPr/>
         </p:nvSpPr>
@@ -34688,7 +35427,7 @@
       </p:sp>
       <p:sp>
         <p:nvSpPr>
-          <p:cNvPr id="465" name="Shape 465"/>
+          <p:cNvPr id="481" name="Shape 481"/>
           <p:cNvSpPr/>
           <p:nvPr/>
         </p:nvSpPr>
@@ -34730,7 +35469,7 @@
       </p:sp>
       <p:sp>
         <p:nvSpPr>
-          <p:cNvPr id="466" name="Shape 466"/>
+          <p:cNvPr id="482" name="Shape 482"/>
           <p:cNvSpPr/>
           <p:nvPr/>
         </p:nvSpPr>
@@ -34772,7 +35511,7 @@
       </p:sp>
       <p:sp>
         <p:nvSpPr>
-          <p:cNvPr id="467" name="Shape 467"/>
+          <p:cNvPr id="483" name="Shape 483"/>
           <p:cNvSpPr/>
           <p:nvPr/>
         </p:nvSpPr>
@@ -34824,7 +35563,7 @@
       </p:sp>
       <p:sp>
         <p:nvSpPr>
-          <p:cNvPr id="468" name="Shape 468"/>
+          <p:cNvPr id="484" name="Shape 484"/>
           <p:cNvSpPr/>
           <p:nvPr/>
         </p:nvSpPr>
@@ -34872,12 +35611,12 @@
 </p:sld>
 </file>
 
-<file path=ppt/slides/slide43.xml><?xml version="1.0" encoding="utf-8"?>
+<file path=ppt/slides/slide45.xml><?xml version="1.0" encoding="utf-8"?>
 <p:sld xmlns:a="http://schemas.openxmlformats.org/drawingml/2006/main" xmlns:r="http://schemas.openxmlformats.org/officeDocument/2006/relationships" xmlns:mc="http://schemas.openxmlformats.org/markup-compatibility/2006" xmlns:mv="urn:schemas-microsoft-com:mac:vml" xmlns:p="http://schemas.openxmlformats.org/presentationml/2006/main" xmlns:c="http://schemas.openxmlformats.org/drawingml/2006/chart" xmlns:dgm="http://schemas.openxmlformats.org/drawingml/2006/diagram" xmlns:o="urn:schemas-microsoft-com:office:office" xmlns:v="urn:schemas-microsoft-com:vml" xmlns:pvml="urn:schemas-microsoft-com:office:powerpoint" xmlns:com="http://schemas.openxmlformats.org/drawingml/2006/compatibility" xmlns:p14="http://schemas.microsoft.com/office/powerpoint/2010/main">
   <p:cSld>
     <p:spTree>
       <p:nvGrpSpPr>
-        <p:cNvPr id="472" name="Shape 472"/>
+        <p:cNvPr id="488" name="Shape 488"/>
         <p:cNvGrpSpPr/>
         <p:nvPr/>
       </p:nvGrpSpPr>
@@ -34891,7 +35630,7 @@
       </p:grpSpPr>
       <p:sp>
         <p:nvSpPr>
-          <p:cNvPr id="473" name="Shape 473"/>
+          <p:cNvPr id="489" name="Shape 489"/>
           <p:cNvSpPr/>
           <p:nvPr/>
         </p:nvSpPr>
@@ -34941,7 +35680,7 @@
       </p:sp>
       <p:sp>
         <p:nvSpPr>
-          <p:cNvPr id="474" name="Shape 474"/>
+          <p:cNvPr id="490" name="Shape 490"/>
           <p:cNvSpPr/>
           <p:nvPr/>
         </p:nvSpPr>
@@ -34991,7 +35730,7 @@
       </p:sp>
       <p:sp>
         <p:nvSpPr>
-          <p:cNvPr id="475" name="Shape 475"/>
+          <p:cNvPr id="491" name="Shape 491"/>
           <p:cNvSpPr/>
           <p:nvPr/>
         </p:nvSpPr>
@@ -35116,12 +35855,12 @@
 </p:sld>
 </file>
 
-<file path=ppt/slides/slide44.xml><?xml version="1.0" encoding="utf-8"?>
+<file path=ppt/slides/slide46.xml><?xml version="1.0" encoding="utf-8"?>
 <p:sld xmlns:a="http://schemas.openxmlformats.org/drawingml/2006/main" xmlns:r="http://schemas.openxmlformats.org/officeDocument/2006/relationships" xmlns:mc="http://schemas.openxmlformats.org/markup-compatibility/2006" xmlns:mv="urn:schemas-microsoft-com:mac:vml" xmlns:p="http://schemas.openxmlformats.org/presentationml/2006/main" xmlns:c="http://schemas.openxmlformats.org/drawingml/2006/chart" xmlns:dgm="http://schemas.openxmlformats.org/drawingml/2006/diagram" xmlns:o="urn:schemas-microsoft-com:office:office" xmlns:v="urn:schemas-microsoft-com:vml" xmlns:pvml="urn:schemas-microsoft-com:office:powerpoint" xmlns:com="http://schemas.openxmlformats.org/drawingml/2006/compatibility" xmlns:p14="http://schemas.microsoft.com/office/powerpoint/2010/main">
   <p:cSld>
     <p:spTree>
       <p:nvGrpSpPr>
-        <p:cNvPr id="479" name="Shape 479"/>
+        <p:cNvPr id="495" name="Shape 495"/>
         <p:cNvGrpSpPr/>
         <p:nvPr/>
       </p:nvGrpSpPr>
@@ -35135,7 +35874,7 @@
       </p:grpSpPr>
       <p:sp>
         <p:nvSpPr>
-          <p:cNvPr id="480" name="Shape 480"/>
+          <p:cNvPr id="496" name="Shape 496"/>
           <p:cNvSpPr/>
           <p:nvPr/>
         </p:nvSpPr>
@@ -35197,7 +35936,7 @@
       </p:sp>
       <p:sp>
         <p:nvSpPr>
-          <p:cNvPr id="481" name="Shape 481"/>
+          <p:cNvPr id="497" name="Shape 497"/>
           <p:cNvSpPr/>
           <p:nvPr/>
         </p:nvSpPr>
@@ -35247,7 +35986,7 @@
       </p:sp>
       <p:sp>
         <p:nvSpPr>
-          <p:cNvPr id="482" name="Shape 482"/>
+          <p:cNvPr id="498" name="Shape 498"/>
           <p:cNvSpPr/>
           <p:nvPr/>
         </p:nvSpPr>
@@ -35292,7 +36031,22 @@
                 <a:cs typeface="Calibri"/>
                 <a:sym typeface="Calibri"/>
               </a:rPr>
-              <a:t>Do not share ‘this’</a:t>
+              <a:t>Do not share </a:t>
+            </a:r>
+            <a:r>
+              <a:rPr b="1" lang="en-US" sz="2400">
+                <a:solidFill>
+                  <a:srgbClr val="252525"/>
+                </a:solidFill>
+                <a:highlight>
+                  <a:srgbClr val="FFFFFF"/>
+                </a:highlight>
+                <a:latin typeface="Calibri"/>
+                <a:ea typeface="Calibri"/>
+                <a:cs typeface="Calibri"/>
+                <a:sym typeface="Calibri"/>
+              </a:rPr>
+              <a:t>‘this’</a:t>
             </a:r>
           </a:p>
           <a:p>
@@ -35370,7 +36124,7 @@
                 <a:cs typeface="Calibri"/>
                 <a:sym typeface="Calibri"/>
               </a:rPr>
-              <a:t>Bad example -&gt;</a:t>
+              <a:t>Bad example ---------------&gt;</a:t>
             </a:r>
           </a:p>
           <a:p>
@@ -35399,18 +36153,122 @@
               <a:sym typeface="PT Mono"/>
             </a:endParaRPr>
           </a:p>
+          <a:p>
+            <a:pPr lvl="0" marR="0" rtl="0" algn="l">
+              <a:lnSpc>
+                <a:spcPct val="100000"/>
+              </a:lnSpc>
+              <a:spcBef>
+                <a:spcPts val="0"/>
+              </a:spcBef>
+              <a:buNone/>
+            </a:pPr>
+            <a:r>
+              <a:t/>
+            </a:r>
+            <a:endParaRPr sz="2400">
+              <a:solidFill>
+                <a:srgbClr val="252525"/>
+              </a:solidFill>
+              <a:highlight>
+                <a:srgbClr val="FFFFFF"/>
+              </a:highlight>
+              <a:latin typeface="PT Mono"/>
+              <a:ea typeface="PT Mono"/>
+              <a:cs typeface="PT Mono"/>
+              <a:sym typeface="PT Mono"/>
+            </a:endParaRPr>
+          </a:p>
+          <a:p>
+            <a:pPr lvl="0" marR="0" rtl="0" algn="l">
+              <a:lnSpc>
+                <a:spcPct val="100000"/>
+              </a:lnSpc>
+              <a:spcBef>
+                <a:spcPts val="0"/>
+              </a:spcBef>
+              <a:buNone/>
+            </a:pPr>
+            <a:r>
+              <a:t/>
+            </a:r>
+            <a:endParaRPr sz="2400">
+              <a:solidFill>
+                <a:srgbClr val="252525"/>
+              </a:solidFill>
+              <a:highlight>
+                <a:srgbClr val="FFFFFF"/>
+              </a:highlight>
+              <a:latin typeface="PT Mono"/>
+              <a:ea typeface="PT Mono"/>
+              <a:cs typeface="PT Mono"/>
+              <a:sym typeface="PT Mono"/>
+            </a:endParaRPr>
+          </a:p>
+          <a:p>
+            <a:pPr lvl="0" marR="0" rtl="0" algn="l">
+              <a:lnSpc>
+                <a:spcPct val="100000"/>
+              </a:lnSpc>
+              <a:spcBef>
+                <a:spcPts val="0"/>
+              </a:spcBef>
+              <a:buNone/>
+            </a:pPr>
+            <a:r>
+              <a:t/>
+            </a:r>
+            <a:endParaRPr sz="2400">
+              <a:solidFill>
+                <a:srgbClr val="252525"/>
+              </a:solidFill>
+              <a:highlight>
+                <a:srgbClr val="FFFFFF"/>
+              </a:highlight>
+              <a:latin typeface="PT Mono"/>
+              <a:ea typeface="PT Mono"/>
+              <a:cs typeface="PT Mono"/>
+              <a:sym typeface="PT Mono"/>
+            </a:endParaRPr>
+          </a:p>
+          <a:p>
+            <a:pPr lvl="0" marR="0" rtl="0" algn="l">
+              <a:lnSpc>
+                <a:spcPct val="100000"/>
+              </a:lnSpc>
+              <a:spcBef>
+                <a:spcPts val="0"/>
+              </a:spcBef>
+              <a:buNone/>
+            </a:pPr>
+            <a:r>
+              <a:rPr lang="en-US" sz="2400">
+                <a:solidFill>
+                  <a:srgbClr val="252525"/>
+                </a:solidFill>
+                <a:highlight>
+                  <a:srgbClr val="FFFFFF"/>
+                </a:highlight>
+                <a:latin typeface="PT Mono"/>
+                <a:ea typeface="PT Mono"/>
+                <a:cs typeface="PT Mono"/>
+                <a:sym typeface="PT Mono"/>
+              </a:rPr>
+              <a:t>@see initialization</a:t>
+            </a:r>
+          </a:p>
         </p:txBody>
       </p:sp>
       <p:sp>
         <p:nvSpPr>
-          <p:cNvPr id="483" name="Shape 483"/>
+          <p:cNvPr id="499" name="Shape 499"/>
           <p:cNvSpPr/>
           <p:nvPr/>
         </p:nvSpPr>
         <p:spPr>
           <a:xfrm>
-            <a:off x="3036525" y="1336700"/>
-            <a:ext cx="5587800" cy="3222300"/>
+            <a:off x="4065225" y="1336700"/>
+            <a:ext cx="4559100" cy="2530200"/>
           </a:xfrm>
           <a:prstGeom prst="rect">
             <a:avLst/>
@@ -35441,12 +36299,11 @@
               <a:buClr>
                 <a:schemeClr val="dk1"/>
               </a:buClr>
-              <a:buSzPct val="61111"/>
-              <a:buFont typeface="Arial"/>
-              <a:buNone/>
-            </a:pPr>
-            <a:r>
-              <a:rPr lang="en-US" sz="1800">
+              <a:buFont typeface="Arial"/>
+              <a:buNone/>
+            </a:pPr>
+            <a:r>
+              <a:rPr lang="en-US">
                 <a:solidFill>
                   <a:srgbClr val="252525"/>
                 </a:solidFill>
@@ -35466,12 +36323,11 @@
               <a:buClr>
                 <a:schemeClr val="dk1"/>
               </a:buClr>
-              <a:buSzPct val="61111"/>
-              <a:buFont typeface="Arial"/>
-              <a:buNone/>
-            </a:pPr>
-            <a:r>
-              <a:rPr lang="en-US" sz="1800">
+              <a:buFont typeface="Arial"/>
+              <a:buNone/>
+            </a:pPr>
+            <a:r>
+              <a:rPr lang="en-US">
                 <a:solidFill>
                   <a:srgbClr val="252525"/>
                 </a:solidFill>
@@ -35491,12 +36347,11 @@
               <a:buClr>
                 <a:schemeClr val="dk1"/>
               </a:buClr>
-              <a:buSzPct val="61111"/>
-              <a:buFont typeface="Arial"/>
-              <a:buNone/>
-            </a:pPr>
-            <a:r>
-              <a:rPr lang="en-US" sz="1800">
+              <a:buFont typeface="Arial"/>
+              <a:buNone/>
+            </a:pPr>
+            <a:r>
+              <a:rPr lang="en-US">
                 <a:solidFill>
                   <a:srgbClr val="252525"/>
                 </a:solidFill>
@@ -35516,12 +36371,11 @@
               <a:buClr>
                 <a:schemeClr val="dk1"/>
               </a:buClr>
-              <a:buSzPct val="61111"/>
-              <a:buFont typeface="Arial"/>
-              <a:buNone/>
-            </a:pPr>
-            <a:r>
-              <a:rPr lang="en-US" sz="1800">
+              <a:buFont typeface="Arial"/>
+              <a:buNone/>
+            </a:pPr>
+            <a:r>
+              <a:rPr lang="en-US">
                 <a:solidFill>
                   <a:srgbClr val="252525"/>
                 </a:solidFill>
@@ -35541,7 +36395,7 @@
               <a:buNone/>
             </a:pPr>
             <a:r>
-              <a:rPr lang="en-US" sz="1800">
+              <a:rPr lang="en-US">
                 <a:solidFill>
                   <a:srgbClr val="252525"/>
                 </a:solidFill>
@@ -35561,12 +36415,11 @@
               <a:buClr>
                 <a:schemeClr val="dk1"/>
               </a:buClr>
-              <a:buSzPct val="61111"/>
-              <a:buFont typeface="Arial"/>
-              <a:buNone/>
-            </a:pPr>
-            <a:r>
-              <a:rPr lang="en-US" sz="1800">
+              <a:buFont typeface="Arial"/>
+              <a:buNone/>
+            </a:pPr>
+            <a:r>
+              <a:rPr lang="en-US">
                 <a:solidFill>
                   <a:srgbClr val="252525"/>
                 </a:solidFill>
@@ -35586,12 +36439,11 @@
               <a:buClr>
                 <a:schemeClr val="dk1"/>
               </a:buClr>
-              <a:buSzPct val="61111"/>
-              <a:buFont typeface="Arial"/>
-              <a:buNone/>
-            </a:pPr>
-            <a:r>
-              <a:rPr lang="en-US" sz="1800">
+              <a:buFont typeface="Arial"/>
+              <a:buNone/>
+            </a:pPr>
+            <a:r>
+              <a:rPr lang="en-US">
                 <a:solidFill>
                   <a:srgbClr val="252525"/>
                 </a:solidFill>
@@ -35611,12 +36463,11 @@
               <a:buClr>
                 <a:schemeClr val="dk1"/>
               </a:buClr>
-              <a:buSzPct val="61111"/>
-              <a:buFont typeface="Arial"/>
-              <a:buNone/>
-            </a:pPr>
-            <a:r>
-              <a:rPr lang="en-US" sz="1800">
+              <a:buFont typeface="Arial"/>
+              <a:buNone/>
+            </a:pPr>
+            <a:r>
+              <a:rPr lang="en-US">
                 <a:solidFill>
                   <a:srgbClr val="252525"/>
                 </a:solidFill>
@@ -35636,12 +36487,11 @@
               <a:buClr>
                 <a:schemeClr val="dk1"/>
               </a:buClr>
-              <a:buSzPct val="61111"/>
-              <a:buFont typeface="Arial"/>
-              <a:buNone/>
-            </a:pPr>
-            <a:r>
-              <a:rPr lang="en-US" sz="1800">
+              <a:buFont typeface="Arial"/>
+              <a:buNone/>
+            </a:pPr>
+            <a:r>
+              <a:rPr lang="en-US">
                 <a:solidFill>
                   <a:srgbClr val="252525"/>
                 </a:solidFill>
@@ -35661,12 +36511,11 @@
               <a:buClr>
                 <a:schemeClr val="dk1"/>
               </a:buClr>
-              <a:buSzPct val="61111"/>
-              <a:buFont typeface="Arial"/>
-              <a:buNone/>
-            </a:pPr>
-            <a:r>
-              <a:rPr lang="en-US" sz="1800">
+              <a:buFont typeface="Arial"/>
+              <a:buNone/>
+            </a:pPr>
+            <a:r>
+              <a:rPr lang="en-US">
                 <a:solidFill>
                   <a:srgbClr val="252525"/>
                 </a:solidFill>
@@ -35686,12 +36535,11 @@
               <a:buClr>
                 <a:schemeClr val="dk1"/>
               </a:buClr>
-              <a:buSzPct val="61111"/>
-              <a:buFont typeface="Arial"/>
-              <a:buNone/>
-            </a:pPr>
-            <a:r>
-              <a:rPr lang="en-US" sz="1800">
+              <a:buFont typeface="Arial"/>
+              <a:buNone/>
+            </a:pPr>
+            <a:r>
+              <a:rPr lang="en-US">
                 <a:solidFill>
                   <a:srgbClr val="252525"/>
                 </a:solidFill>
@@ -35713,12 +36561,12 @@
 </p:sld>
 </file>
 
-<file path=ppt/slides/slide45.xml><?xml version="1.0" encoding="utf-8"?>
+<file path=ppt/slides/slide47.xml><?xml version="1.0" encoding="utf-8"?>
 <p:sld xmlns:a="http://schemas.openxmlformats.org/drawingml/2006/main" xmlns:r="http://schemas.openxmlformats.org/officeDocument/2006/relationships" xmlns:mc="http://schemas.openxmlformats.org/markup-compatibility/2006" xmlns:mv="urn:schemas-microsoft-com:mac:vml" xmlns:p="http://schemas.openxmlformats.org/presentationml/2006/main" xmlns:c="http://schemas.openxmlformats.org/drawingml/2006/chart" xmlns:dgm="http://schemas.openxmlformats.org/drawingml/2006/diagram" xmlns:o="urn:schemas-microsoft-com:office:office" xmlns:v="urn:schemas-microsoft-com:vml" xmlns:pvml="urn:schemas-microsoft-com:office:powerpoint" xmlns:com="http://schemas.openxmlformats.org/drawingml/2006/compatibility" xmlns:p14="http://schemas.microsoft.com/office/powerpoint/2010/main">
   <p:cSld>
     <p:spTree>
       <p:nvGrpSpPr>
-        <p:cNvPr id="487" name="Shape 487"/>
+        <p:cNvPr id="503" name="Shape 503"/>
         <p:cNvGrpSpPr/>
         <p:nvPr/>
       </p:nvGrpSpPr>
@@ -35732,7 +36580,7 @@
       </p:grpSpPr>
       <p:sp>
         <p:nvSpPr>
-          <p:cNvPr id="488" name="Shape 488"/>
+          <p:cNvPr id="504" name="Shape 504"/>
           <p:cNvSpPr/>
           <p:nvPr/>
         </p:nvSpPr>
@@ -35782,7 +36630,7 @@
       </p:sp>
       <p:sp>
         <p:nvSpPr>
-          <p:cNvPr id="489" name="Shape 489"/>
+          <p:cNvPr id="505" name="Shape 505"/>
           <p:cNvSpPr/>
           <p:nvPr/>
         </p:nvSpPr>
@@ -35832,7 +36680,7 @@
       </p:sp>
       <p:sp>
         <p:nvSpPr>
-          <p:cNvPr id="490" name="Shape 490"/>
+          <p:cNvPr id="506" name="Shape 506"/>
           <p:cNvSpPr/>
           <p:nvPr/>
         </p:nvSpPr>
@@ -36037,12 +36885,12 @@
 </p:sld>
 </file>
 
-<file path=ppt/slides/slide46.xml><?xml version="1.0" encoding="utf-8"?>
+<file path=ppt/slides/slide48.xml><?xml version="1.0" encoding="utf-8"?>
 <p:sld xmlns:a="http://schemas.openxmlformats.org/drawingml/2006/main" xmlns:r="http://schemas.openxmlformats.org/officeDocument/2006/relationships" xmlns:mc="http://schemas.openxmlformats.org/markup-compatibility/2006" xmlns:mv="urn:schemas-microsoft-com:mac:vml" xmlns:p="http://schemas.openxmlformats.org/presentationml/2006/main" xmlns:c="http://schemas.openxmlformats.org/drawingml/2006/chart" xmlns:dgm="http://schemas.openxmlformats.org/drawingml/2006/diagram" xmlns:o="urn:schemas-microsoft-com:office:office" xmlns:v="urn:schemas-microsoft-com:vml" xmlns:pvml="urn:schemas-microsoft-com:office:powerpoint" xmlns:com="http://schemas.openxmlformats.org/drawingml/2006/compatibility" xmlns:p14="http://schemas.microsoft.com/office/powerpoint/2010/main">
   <p:cSld>
     <p:spTree>
       <p:nvGrpSpPr>
-        <p:cNvPr id="494" name="Shape 494"/>
+        <p:cNvPr id="510" name="Shape 510"/>
         <p:cNvGrpSpPr/>
         <p:nvPr/>
       </p:nvGrpSpPr>
@@ -36056,7 +36904,7 @@
       </p:grpSpPr>
       <p:sp>
         <p:nvSpPr>
-          <p:cNvPr id="495" name="Shape 495"/>
+          <p:cNvPr id="511" name="Shape 511"/>
           <p:cNvSpPr/>
           <p:nvPr/>
         </p:nvSpPr>
@@ -36106,7 +36954,7 @@
       </p:sp>
       <p:sp>
         <p:nvSpPr>
-          <p:cNvPr id="496" name="Shape 496"/>
+          <p:cNvPr id="512" name="Shape 512"/>
           <p:cNvSpPr/>
           <p:nvPr/>
         </p:nvSpPr>
@@ -36156,7 +37004,7 @@
       </p:sp>
       <p:sp>
         <p:nvSpPr>
-          <p:cNvPr id="497" name="Shape 497"/>
+          <p:cNvPr id="513" name="Shape 513"/>
           <p:cNvSpPr/>
           <p:nvPr/>
         </p:nvSpPr>
@@ -36308,12 +37156,12 @@
 </p:sld>
 </file>
 
-<file path=ppt/slides/slide47.xml><?xml version="1.0" encoding="utf-8"?>
+<file path=ppt/slides/slide49.xml><?xml version="1.0" encoding="utf-8"?>
 <p:sld xmlns:a="http://schemas.openxmlformats.org/drawingml/2006/main" xmlns:r="http://schemas.openxmlformats.org/officeDocument/2006/relationships" xmlns:mc="http://schemas.openxmlformats.org/markup-compatibility/2006" xmlns:mv="urn:schemas-microsoft-com:mac:vml" xmlns:p="http://schemas.openxmlformats.org/presentationml/2006/main" xmlns:c="http://schemas.openxmlformats.org/drawingml/2006/chart" xmlns:dgm="http://schemas.openxmlformats.org/drawingml/2006/diagram" xmlns:o="urn:schemas-microsoft-com:office:office" xmlns:v="urn:schemas-microsoft-com:vml" xmlns:pvml="urn:schemas-microsoft-com:office:powerpoint" xmlns:com="http://schemas.openxmlformats.org/drawingml/2006/compatibility" xmlns:p14="http://schemas.microsoft.com/office/powerpoint/2010/main">
   <p:cSld>
     <p:spTree>
       <p:nvGrpSpPr>
-        <p:cNvPr id="501" name="Shape 501"/>
+        <p:cNvPr id="517" name="Shape 517"/>
         <p:cNvGrpSpPr/>
         <p:nvPr/>
       </p:nvGrpSpPr>
@@ -36327,7 +37175,7 @@
       </p:grpSpPr>
       <p:sp>
         <p:nvSpPr>
-          <p:cNvPr id="502" name="Shape 502"/>
+          <p:cNvPr id="518" name="Shape 518"/>
           <p:cNvSpPr/>
           <p:nvPr/>
         </p:nvSpPr>
@@ -36377,7 +37225,7 @@
       </p:sp>
       <p:sp>
         <p:nvSpPr>
-          <p:cNvPr id="503" name="Shape 503"/>
+          <p:cNvPr id="519" name="Shape 519"/>
           <p:cNvSpPr/>
           <p:nvPr/>
         </p:nvSpPr>
@@ -36427,7 +37275,7 @@
       </p:sp>
       <p:sp>
         <p:nvSpPr>
-          <p:cNvPr id="504" name="Shape 504"/>
+          <p:cNvPr id="520" name="Shape 520"/>
           <p:cNvSpPr/>
           <p:nvPr/>
         </p:nvSpPr>
@@ -36878,526 +37726,6 @@
               <a:ea typeface="Calibri"/>
               <a:cs typeface="Calibri"/>
               <a:sym typeface="Calibri"/>
-            </a:endParaRPr>
-          </a:p>
-        </p:txBody>
-      </p:sp>
-    </p:spTree>
-  </p:cSld>
-  <p:clrMapOvr>
-    <a:masterClrMapping/>
-  </p:clrMapOvr>
-</p:sld>
-</file>
-
-<file path=ppt/slides/slide48.xml><?xml version="1.0" encoding="utf-8"?>
-<p:sld xmlns:a="http://schemas.openxmlformats.org/drawingml/2006/main" xmlns:r="http://schemas.openxmlformats.org/officeDocument/2006/relationships" xmlns:mc="http://schemas.openxmlformats.org/markup-compatibility/2006" xmlns:mv="urn:schemas-microsoft-com:mac:vml" xmlns:p="http://schemas.openxmlformats.org/presentationml/2006/main" xmlns:c="http://schemas.openxmlformats.org/drawingml/2006/chart" xmlns:dgm="http://schemas.openxmlformats.org/drawingml/2006/diagram" xmlns:o="urn:schemas-microsoft-com:office:office" xmlns:v="urn:schemas-microsoft-com:vml" xmlns:pvml="urn:schemas-microsoft-com:office:powerpoint" xmlns:com="http://schemas.openxmlformats.org/drawingml/2006/compatibility" xmlns:p14="http://schemas.microsoft.com/office/powerpoint/2010/main">
-  <p:cSld>
-    <p:spTree>
-      <p:nvGrpSpPr>
-        <p:cNvPr id="508" name="Shape 508"/>
-        <p:cNvGrpSpPr/>
-        <p:nvPr/>
-      </p:nvGrpSpPr>
-      <p:grpSpPr>
-        <a:xfrm>
-          <a:off x="0" y="0"/>
-          <a:ext cx="0" cy="0"/>
-          <a:chOff x="0" y="0"/>
-          <a:chExt cx="0" cy="0"/>
-        </a:xfrm>
-      </p:grpSpPr>
-      <p:sp>
-        <p:nvSpPr>
-          <p:cNvPr id="509" name="Shape 509"/>
-          <p:cNvSpPr/>
-          <p:nvPr/>
-        </p:nvSpPr>
-        <p:spPr>
-          <a:xfrm>
-            <a:off x="457200" y="205919"/>
-            <a:ext cx="8229000" cy="608400"/>
-          </a:xfrm>
-          <a:prstGeom prst="rect">
-            <a:avLst/>
-          </a:prstGeom>
-          <a:noFill/>
-          <a:ln>
-            <a:noFill/>
-          </a:ln>
-        </p:spPr>
-        <p:txBody>
-          <a:bodyPr anchorCtr="0" anchor="ctr" bIns="45000" lIns="90000" rIns="90000" tIns="45000">
-            <a:noAutofit/>
-          </a:bodyPr>
-          <a:lstStyle/>
-          <a:p>
-            <a:pPr indent="0" lvl="0" marL="0" marR="0" rtl="0" algn="l">
-              <a:lnSpc>
-                <a:spcPct val="100000"/>
-              </a:lnSpc>
-              <a:spcBef>
-                <a:spcPts val="0"/>
-              </a:spcBef>
-              <a:buSzPct val="25000"/>
-              <a:buNone/>
-            </a:pPr>
-            <a:r>
-              <a:rPr lang="en-US" sz="3600">
-                <a:solidFill>
-                  <a:srgbClr val="403152"/>
-                </a:solidFill>
-                <a:latin typeface="Calibri"/>
-                <a:ea typeface="Calibri"/>
-                <a:cs typeface="Calibri"/>
-                <a:sym typeface="Calibri"/>
-              </a:rPr>
-              <a:t>Reasoning about concurrent program</a:t>
-            </a:r>
-          </a:p>
-        </p:txBody>
-      </p:sp>
-      <p:sp>
-        <p:nvSpPr>
-          <p:cNvPr id="510" name="Shape 510"/>
-          <p:cNvSpPr/>
-          <p:nvPr/>
-        </p:nvSpPr>
-        <p:spPr>
-          <a:xfrm>
-            <a:off x="6553080" y="4767119"/>
-            <a:ext cx="2133000" cy="273300"/>
-          </a:xfrm>
-          <a:prstGeom prst="rect">
-            <a:avLst/>
-          </a:prstGeom>
-          <a:noFill/>
-          <a:ln>
-            <a:noFill/>
-          </a:ln>
-        </p:spPr>
-        <p:txBody>
-          <a:bodyPr anchorCtr="0" anchor="ctr" bIns="45000" lIns="90000" rIns="90000" tIns="45000">
-            <a:noAutofit/>
-          </a:bodyPr>
-          <a:lstStyle/>
-          <a:p>
-            <a:pPr indent="0" lvl="0" marL="0" marR="0" rtl="0" algn="r">
-              <a:lnSpc>
-                <a:spcPct val="100000"/>
-              </a:lnSpc>
-              <a:spcBef>
-                <a:spcPts val="0"/>
-              </a:spcBef>
-              <a:buSzPct val="25000"/>
-              <a:buNone/>
-            </a:pPr>
-            <a:fld id="{00000000-1234-1234-1234-123412341234}" type="slidenum">
-              <a:rPr b="0" i="0" lang="en-US" sz="1200" u="none" cap="none" strike="noStrike">
-                <a:solidFill>
-                  <a:srgbClr val="8B8B8B"/>
-                </a:solidFill>
-                <a:latin typeface="Calibri"/>
-                <a:ea typeface="Calibri"/>
-                <a:cs typeface="Calibri"/>
-                <a:sym typeface="Calibri"/>
-              </a:rPr>
-              <a:t>‹#›</a:t>
-            </a:fld>
-          </a:p>
-        </p:txBody>
-      </p:sp>
-      <p:sp>
-        <p:nvSpPr>
-          <p:cNvPr id="511" name="Shape 511"/>
-          <p:cNvSpPr/>
-          <p:nvPr/>
-        </p:nvSpPr>
-        <p:spPr>
-          <a:xfrm>
-            <a:off x="457200" y="1225800"/>
-            <a:ext cx="8229000" cy="3352200"/>
-          </a:xfrm>
-          <a:prstGeom prst="rect">
-            <a:avLst/>
-          </a:prstGeom>
-          <a:noFill/>
-          <a:ln>
-            <a:noFill/>
-          </a:ln>
-        </p:spPr>
-        <p:txBody>
-          <a:bodyPr anchorCtr="0" anchor="t" bIns="45000" lIns="90000" rIns="90000" tIns="45000">
-            <a:noAutofit/>
-          </a:bodyPr>
-          <a:lstStyle/>
-          <a:p>
-            <a:pPr lvl="0" marR="0" rtl="0" algn="l">
-              <a:lnSpc>
-                <a:spcPct val="100000"/>
-              </a:lnSpc>
-              <a:spcBef>
-                <a:spcPts val="0"/>
-              </a:spcBef>
-              <a:buNone/>
-            </a:pPr>
-            <a:r>
-              <a:rPr lang="en-US" sz="2400">
-                <a:solidFill>
-                  <a:srgbClr val="252525"/>
-                </a:solidFill>
-                <a:highlight>
-                  <a:srgbClr val="FFFFFF"/>
-                </a:highlight>
-                <a:latin typeface="Calibri"/>
-                <a:ea typeface="Calibri"/>
-                <a:cs typeface="Calibri"/>
-                <a:sym typeface="Calibri"/>
-              </a:rPr>
-              <a:t>Bugs in concurrent programs are hard to reproduce</a:t>
-            </a:r>
-          </a:p>
-          <a:p>
-            <a:pPr lvl="0" marR="0" rtl="0" algn="l">
-              <a:lnSpc>
-                <a:spcPct val="100000"/>
-              </a:lnSpc>
-              <a:spcBef>
-                <a:spcPts val="0"/>
-              </a:spcBef>
-              <a:buNone/>
-            </a:pPr>
-            <a:r>
-              <a:rPr lang="en-US" sz="2400">
-                <a:solidFill>
-                  <a:srgbClr val="252525"/>
-                </a:solidFill>
-                <a:highlight>
-                  <a:srgbClr val="FFFFFF"/>
-                </a:highlight>
-                <a:latin typeface="Calibri"/>
-                <a:ea typeface="Calibri"/>
-                <a:cs typeface="Calibri"/>
-                <a:sym typeface="Calibri"/>
-              </a:rPr>
-              <a:t>Hopefully we have toolchain for analysis of multithreaded programs</a:t>
-            </a:r>
-          </a:p>
-          <a:p>
-            <a:pPr lvl="0" marR="0" rtl="0" algn="l">
-              <a:lnSpc>
-                <a:spcPct val="100000"/>
-              </a:lnSpc>
-              <a:spcBef>
-                <a:spcPts val="0"/>
-              </a:spcBef>
-              <a:buNone/>
-            </a:pPr>
-            <a:r>
-              <a:t/>
-            </a:r>
-            <a:endParaRPr sz="2400">
-              <a:solidFill>
-                <a:srgbClr val="252525"/>
-              </a:solidFill>
-              <a:highlight>
-                <a:srgbClr val="FFFFFF"/>
-              </a:highlight>
-              <a:latin typeface="Calibri"/>
-              <a:ea typeface="Calibri"/>
-              <a:cs typeface="Calibri"/>
-              <a:sym typeface="Calibri"/>
-            </a:endParaRPr>
-          </a:p>
-          <a:p>
-            <a:pPr lvl="0" marR="0" rtl="0" algn="l">
-              <a:lnSpc>
-                <a:spcPct val="100000"/>
-              </a:lnSpc>
-              <a:spcBef>
-                <a:spcPts val="0"/>
-              </a:spcBef>
-              <a:buNone/>
-            </a:pPr>
-            <a:r>
-              <a:rPr lang="en-US" sz="2400">
-                <a:solidFill>
-                  <a:srgbClr val="252525"/>
-                </a:solidFill>
-                <a:highlight>
-                  <a:srgbClr val="FFFFFF"/>
-                </a:highlight>
-                <a:latin typeface="Calibri"/>
-                <a:ea typeface="Calibri"/>
-                <a:cs typeface="Calibri"/>
-                <a:sym typeface="Calibri"/>
-              </a:rPr>
-              <a:t>jcstress</a:t>
-            </a:r>
-          </a:p>
-          <a:p>
-            <a:pPr lvl="0" marR="0" rtl="0" algn="l">
-              <a:lnSpc>
-                <a:spcPct val="100000"/>
-              </a:lnSpc>
-              <a:spcBef>
-                <a:spcPts val="0"/>
-              </a:spcBef>
-              <a:buNone/>
-            </a:pPr>
-            <a:r>
-              <a:rPr lang="en-US" sz="1800" u="sng">
-                <a:solidFill>
-                  <a:schemeClr val="hlink"/>
-                </a:solidFill>
-                <a:highlight>
-                  <a:srgbClr val="FFFFFF"/>
-                </a:highlight>
-                <a:latin typeface="Calibri"/>
-                <a:ea typeface="Calibri"/>
-                <a:cs typeface="Calibri"/>
-                <a:sym typeface="Calibri"/>
-                <a:hlinkClick r:id="rId3"/>
-              </a:rPr>
-              <a:t>http://openjdk.java.net/projects/code-tools/jcstress/</a:t>
-            </a:r>
-          </a:p>
-          <a:p>
-            <a:pPr lvl="0" marR="0" rtl="0" algn="l">
-              <a:lnSpc>
-                <a:spcPct val="100000"/>
-              </a:lnSpc>
-              <a:spcBef>
-                <a:spcPts val="0"/>
-              </a:spcBef>
-              <a:buNone/>
-            </a:pPr>
-            <a:r>
-              <a:rPr lang="en-US" sz="2400">
-                <a:solidFill>
-                  <a:srgbClr val="252525"/>
-                </a:solidFill>
-                <a:highlight>
-                  <a:srgbClr val="FFFFFF"/>
-                </a:highlight>
-                <a:latin typeface="Calibri"/>
-                <a:ea typeface="Calibri"/>
-                <a:cs typeface="Calibri"/>
-                <a:sym typeface="Calibri"/>
-              </a:rPr>
-              <a:t>(requires JDK9)</a:t>
-            </a:r>
-          </a:p>
-        </p:txBody>
-      </p:sp>
-    </p:spTree>
-  </p:cSld>
-  <p:clrMapOvr>
-    <a:masterClrMapping/>
-  </p:clrMapOvr>
-</p:sld>
-</file>
-
-<file path=ppt/slides/slide49.xml><?xml version="1.0" encoding="utf-8"?>
-<p:sld xmlns:a="http://schemas.openxmlformats.org/drawingml/2006/main" xmlns:r="http://schemas.openxmlformats.org/officeDocument/2006/relationships" xmlns:mc="http://schemas.openxmlformats.org/markup-compatibility/2006" xmlns:mv="urn:schemas-microsoft-com:mac:vml" xmlns:p="http://schemas.openxmlformats.org/presentationml/2006/main" xmlns:c="http://schemas.openxmlformats.org/drawingml/2006/chart" xmlns:dgm="http://schemas.openxmlformats.org/drawingml/2006/diagram" xmlns:o="urn:schemas-microsoft-com:office:office" xmlns:v="urn:schemas-microsoft-com:vml" xmlns:pvml="urn:schemas-microsoft-com:office:powerpoint" xmlns:com="http://schemas.openxmlformats.org/drawingml/2006/compatibility" xmlns:p14="http://schemas.microsoft.com/office/powerpoint/2010/main">
-  <p:cSld>
-    <p:bg>
-      <p:bgPr>
-        <a:blipFill rotWithShape="1">
-          <a:blip r:embed="rId3">
-            <a:alphaModFix/>
-          </a:blip>
-          <a:stretch>
-            <a:fillRect b="0" l="0" r="0" t="0"/>
-          </a:stretch>
-        </a:blipFill>
-      </p:bgPr>
-    </p:bg>
-    <p:spTree>
-      <p:nvGrpSpPr>
-        <p:cNvPr id="515" name="Shape 515"/>
-        <p:cNvGrpSpPr/>
-        <p:nvPr/>
-      </p:nvGrpSpPr>
-      <p:grpSpPr>
-        <a:xfrm>
-          <a:off x="0" y="0"/>
-          <a:ext cx="0" cy="0"/>
-          <a:chOff x="0" y="0"/>
-          <a:chExt cx="0" cy="0"/>
-        </a:xfrm>
-      </p:grpSpPr>
-      <p:sp>
-        <p:nvSpPr>
-          <p:cNvPr id="516" name="Shape 516"/>
-          <p:cNvSpPr/>
-          <p:nvPr/>
-        </p:nvSpPr>
-        <p:spPr>
-          <a:xfrm>
-            <a:off x="506520" y="1607400"/>
-            <a:ext cx="6230880" cy="1617480"/>
-          </a:xfrm>
-          <a:prstGeom prst="rect">
-            <a:avLst/>
-          </a:prstGeom>
-          <a:noFill/>
-          <a:ln>
-            <a:noFill/>
-          </a:ln>
-        </p:spPr>
-        <p:txBody>
-          <a:bodyPr anchorCtr="0" anchor="ctr" bIns="45000" lIns="90000" rIns="90000" tIns="45000">
-            <a:noAutofit/>
-          </a:bodyPr>
-          <a:lstStyle/>
-          <a:p>
-            <a:pPr indent="0" lvl="0" marL="0" marR="0" rtl="0" algn="l">
-              <a:spcBef>
-                <a:spcPts val="0"/>
-              </a:spcBef>
-              <a:buSzPct val="25000"/>
-              <a:buNone/>
-            </a:pPr>
-            <a:r>
-              <a:rPr b="0" lang="en-US" sz="5800" strike="noStrike">
-                <a:solidFill>
-                  <a:srgbClr val="FFFFFF"/>
-                </a:solidFill>
-                <a:latin typeface="Arial Black"/>
-                <a:ea typeface="Arial Black"/>
-                <a:cs typeface="Arial Black"/>
-                <a:sym typeface="Arial Black"/>
-              </a:rPr>
-              <a:t>Спасибо</a:t>
-            </a:r>
-          </a:p>
-          <a:p>
-            <a:pPr indent="0" lvl="0" marL="0" marR="0" rtl="0" algn="l">
-              <a:lnSpc>
-                <a:spcPct val="100000"/>
-              </a:lnSpc>
-              <a:spcBef>
-                <a:spcPts val="0"/>
-              </a:spcBef>
-              <a:buSzPct val="25000"/>
-              <a:buNone/>
-            </a:pPr>
-            <a:r>
-              <a:rPr b="0" lang="en-US" sz="5800" strike="noStrike">
-                <a:solidFill>
-                  <a:srgbClr val="FFFFFF"/>
-                </a:solidFill>
-                <a:latin typeface="Arial Black"/>
-                <a:ea typeface="Arial Black"/>
-                <a:cs typeface="Arial Black"/>
-                <a:sym typeface="Arial Black"/>
-              </a:rPr>
-              <a:t>за внимание!</a:t>
-            </a:r>
-          </a:p>
-        </p:txBody>
-      </p:sp>
-      <p:sp>
-        <p:nvSpPr>
-          <p:cNvPr id="517" name="Shape 517"/>
-          <p:cNvSpPr/>
-          <p:nvPr/>
-        </p:nvSpPr>
-        <p:spPr>
-          <a:xfrm>
-            <a:off x="506520" y="3724560"/>
-            <a:ext cx="4352759" cy="1553039"/>
-          </a:xfrm>
-          <a:prstGeom prst="rect">
-            <a:avLst/>
-          </a:prstGeom>
-          <a:noFill/>
-          <a:ln>
-            <a:noFill/>
-          </a:ln>
-        </p:spPr>
-        <p:txBody>
-          <a:bodyPr anchorCtr="0" anchor="t" bIns="45000" lIns="90000" rIns="90000" tIns="45000">
-            <a:noAutofit/>
-          </a:bodyPr>
-          <a:lstStyle/>
-          <a:p>
-            <a:pPr indent="0" lvl="0" marL="0" marR="0" rtl="0" algn="l">
-              <a:lnSpc>
-                <a:spcPct val="100000"/>
-              </a:lnSpc>
-              <a:spcBef>
-                <a:spcPts val="0"/>
-              </a:spcBef>
-              <a:buSzPct val="25000"/>
-              <a:buNone/>
-            </a:pPr>
-            <a:r>
-              <a:rPr lang="en-US" sz="2400"/>
-              <a:t>Александр Помосов</a:t>
-            </a:r>
-          </a:p>
-          <a:p>
-            <a:pPr indent="0" lvl="0" marL="0" marR="0" rtl="0" algn="l">
-              <a:lnSpc>
-                <a:spcPct val="100000"/>
-              </a:lnSpc>
-              <a:spcBef>
-                <a:spcPts val="0"/>
-              </a:spcBef>
-              <a:buNone/>
-            </a:pPr>
-            <a:r>
-              <a:t/>
-            </a:r>
-            <a:endParaRPr b="0" sz="1800" strike="noStrike">
-              <a:solidFill>
-                <a:srgbClr val="000000"/>
-              </a:solidFill>
-              <a:latin typeface="Arial"/>
-              <a:ea typeface="Arial"/>
-              <a:cs typeface="Arial"/>
-              <a:sym typeface="Arial"/>
-            </a:endParaRPr>
-          </a:p>
-          <a:p>
-            <a:pPr indent="0" lvl="0" marL="0" marR="0" rtl="0" algn="l">
-              <a:lnSpc>
-                <a:spcPct val="100000"/>
-              </a:lnSpc>
-              <a:spcBef>
-                <a:spcPts val="0"/>
-              </a:spcBef>
-              <a:buSzPct val="25000"/>
-              <a:buNone/>
-            </a:pPr>
-            <a:r>
-              <a:rPr lang="en-US" sz="2400"/>
-              <a:t>alpieex@gmail.com</a:t>
-            </a:r>
-          </a:p>
-          <a:p>
-            <a:pPr indent="0" lvl="0" marL="0" marR="0" rtl="0" algn="l">
-              <a:lnSpc>
-                <a:spcPct val="100000"/>
-              </a:lnSpc>
-              <a:spcBef>
-                <a:spcPts val="0"/>
-              </a:spcBef>
-              <a:buNone/>
-            </a:pPr>
-            <a:r>
-              <a:t/>
-            </a:r>
-            <a:endParaRPr b="0" sz="1800" strike="noStrike">
-              <a:solidFill>
-                <a:srgbClr val="000000"/>
-              </a:solidFill>
-              <a:latin typeface="Arial"/>
-              <a:ea typeface="Arial"/>
-              <a:cs typeface="Arial"/>
-              <a:sym typeface="Arial"/>
             </a:endParaRPr>
           </a:p>
         </p:txBody>
@@ -37901,6 +38229,761 @@
               <a:t/>
             </a:r>
             <a:endParaRPr/>
+          </a:p>
+        </p:txBody>
+      </p:sp>
+    </p:spTree>
+  </p:cSld>
+  <p:clrMapOvr>
+    <a:masterClrMapping/>
+  </p:clrMapOvr>
+</p:sld>
+</file>
+
+<file path=ppt/slides/slide50.xml><?xml version="1.0" encoding="utf-8"?>
+<p:sld xmlns:a="http://schemas.openxmlformats.org/drawingml/2006/main" xmlns:r="http://schemas.openxmlformats.org/officeDocument/2006/relationships" xmlns:mc="http://schemas.openxmlformats.org/markup-compatibility/2006" xmlns:mv="urn:schemas-microsoft-com:mac:vml" xmlns:p="http://schemas.openxmlformats.org/presentationml/2006/main" xmlns:c="http://schemas.openxmlformats.org/drawingml/2006/chart" xmlns:dgm="http://schemas.openxmlformats.org/drawingml/2006/diagram" xmlns:o="urn:schemas-microsoft-com:office:office" xmlns:v="urn:schemas-microsoft-com:vml" xmlns:pvml="urn:schemas-microsoft-com:office:powerpoint" xmlns:com="http://schemas.openxmlformats.org/drawingml/2006/compatibility" xmlns:p14="http://schemas.microsoft.com/office/powerpoint/2010/main">
+  <p:cSld>
+    <p:spTree>
+      <p:nvGrpSpPr>
+        <p:cNvPr id="524" name="Shape 524"/>
+        <p:cNvGrpSpPr/>
+        <p:nvPr/>
+      </p:nvGrpSpPr>
+      <p:grpSpPr>
+        <a:xfrm>
+          <a:off x="0" y="0"/>
+          <a:ext cx="0" cy="0"/>
+          <a:chOff x="0" y="0"/>
+          <a:chExt cx="0" cy="0"/>
+        </a:xfrm>
+      </p:grpSpPr>
+      <p:sp>
+        <p:nvSpPr>
+          <p:cNvPr id="525" name="Shape 525"/>
+          <p:cNvSpPr/>
+          <p:nvPr/>
+        </p:nvSpPr>
+        <p:spPr>
+          <a:xfrm>
+            <a:off x="457200" y="205919"/>
+            <a:ext cx="8229000" cy="608400"/>
+          </a:xfrm>
+          <a:prstGeom prst="rect">
+            <a:avLst/>
+          </a:prstGeom>
+          <a:noFill/>
+          <a:ln>
+            <a:noFill/>
+          </a:ln>
+        </p:spPr>
+        <p:txBody>
+          <a:bodyPr anchorCtr="0" anchor="ctr" bIns="45000" lIns="90000" rIns="90000" tIns="45000">
+            <a:noAutofit/>
+          </a:bodyPr>
+          <a:lstStyle/>
+          <a:p>
+            <a:pPr indent="0" lvl="0" marL="0" marR="0" rtl="0" algn="l">
+              <a:lnSpc>
+                <a:spcPct val="100000"/>
+              </a:lnSpc>
+              <a:spcBef>
+                <a:spcPts val="0"/>
+              </a:spcBef>
+              <a:buSzPct val="25000"/>
+              <a:buNone/>
+            </a:pPr>
+            <a:r>
+              <a:rPr lang="en-US" sz="3600">
+                <a:solidFill>
+                  <a:srgbClr val="403152"/>
+                </a:solidFill>
+                <a:latin typeface="Calibri"/>
+                <a:ea typeface="Calibri"/>
+                <a:cs typeface="Calibri"/>
+                <a:sym typeface="Calibri"/>
+              </a:rPr>
+              <a:t>Reasoning about concurrent program</a:t>
+            </a:r>
+          </a:p>
+        </p:txBody>
+      </p:sp>
+      <p:sp>
+        <p:nvSpPr>
+          <p:cNvPr id="526" name="Shape 526"/>
+          <p:cNvSpPr/>
+          <p:nvPr/>
+        </p:nvSpPr>
+        <p:spPr>
+          <a:xfrm>
+            <a:off x="6553080" y="4767119"/>
+            <a:ext cx="2133000" cy="273300"/>
+          </a:xfrm>
+          <a:prstGeom prst="rect">
+            <a:avLst/>
+          </a:prstGeom>
+          <a:noFill/>
+          <a:ln>
+            <a:noFill/>
+          </a:ln>
+        </p:spPr>
+        <p:txBody>
+          <a:bodyPr anchorCtr="0" anchor="ctr" bIns="45000" lIns="90000" rIns="90000" tIns="45000">
+            <a:noAutofit/>
+          </a:bodyPr>
+          <a:lstStyle/>
+          <a:p>
+            <a:pPr indent="0" lvl="0" marL="0" marR="0" rtl="0" algn="r">
+              <a:lnSpc>
+                <a:spcPct val="100000"/>
+              </a:lnSpc>
+              <a:spcBef>
+                <a:spcPts val="0"/>
+              </a:spcBef>
+              <a:buSzPct val="25000"/>
+              <a:buNone/>
+            </a:pPr>
+            <a:fld id="{00000000-1234-1234-1234-123412341234}" type="slidenum">
+              <a:rPr b="0" i="0" lang="en-US" sz="1200" u="none" cap="none" strike="noStrike">
+                <a:solidFill>
+                  <a:srgbClr val="8B8B8B"/>
+                </a:solidFill>
+                <a:latin typeface="Calibri"/>
+                <a:ea typeface="Calibri"/>
+                <a:cs typeface="Calibri"/>
+                <a:sym typeface="Calibri"/>
+              </a:rPr>
+              <a:t>‹#›</a:t>
+            </a:fld>
+          </a:p>
+        </p:txBody>
+      </p:sp>
+      <p:sp>
+        <p:nvSpPr>
+          <p:cNvPr id="527" name="Shape 527"/>
+          <p:cNvSpPr/>
+          <p:nvPr/>
+        </p:nvSpPr>
+        <p:spPr>
+          <a:xfrm>
+            <a:off x="457200" y="1225800"/>
+            <a:ext cx="8229000" cy="3352200"/>
+          </a:xfrm>
+          <a:prstGeom prst="rect">
+            <a:avLst/>
+          </a:prstGeom>
+          <a:noFill/>
+          <a:ln>
+            <a:noFill/>
+          </a:ln>
+        </p:spPr>
+        <p:txBody>
+          <a:bodyPr anchorCtr="0" anchor="t" bIns="45000" lIns="90000" rIns="90000" tIns="45000">
+            <a:noAutofit/>
+          </a:bodyPr>
+          <a:lstStyle/>
+          <a:p>
+            <a:pPr lvl="0" marR="0" rtl="0" algn="l">
+              <a:lnSpc>
+                <a:spcPct val="100000"/>
+              </a:lnSpc>
+              <a:spcBef>
+                <a:spcPts val="0"/>
+              </a:spcBef>
+              <a:buNone/>
+            </a:pPr>
+            <a:r>
+              <a:rPr lang="en-US" sz="2400">
+                <a:solidFill>
+                  <a:srgbClr val="252525"/>
+                </a:solidFill>
+                <a:highlight>
+                  <a:srgbClr val="FFFFFF"/>
+                </a:highlight>
+                <a:latin typeface="Calibri"/>
+                <a:ea typeface="Calibri"/>
+                <a:cs typeface="Calibri"/>
+                <a:sym typeface="Calibri"/>
+              </a:rPr>
+              <a:t>Bugs in concurrent programs are hard to reproduce</a:t>
+            </a:r>
+          </a:p>
+          <a:p>
+            <a:pPr lvl="0" marR="0" rtl="0" algn="l">
+              <a:lnSpc>
+                <a:spcPct val="100000"/>
+              </a:lnSpc>
+              <a:spcBef>
+                <a:spcPts val="0"/>
+              </a:spcBef>
+              <a:buNone/>
+            </a:pPr>
+            <a:r>
+              <a:rPr lang="en-US" sz="2400">
+                <a:solidFill>
+                  <a:srgbClr val="252525"/>
+                </a:solidFill>
+                <a:highlight>
+                  <a:srgbClr val="FFFFFF"/>
+                </a:highlight>
+                <a:latin typeface="Calibri"/>
+                <a:ea typeface="Calibri"/>
+                <a:cs typeface="Calibri"/>
+                <a:sym typeface="Calibri"/>
+              </a:rPr>
+              <a:t>Hopefully we have toolchain for analysis of multithreaded programs</a:t>
+            </a:r>
+          </a:p>
+          <a:p>
+            <a:pPr lvl="0" marR="0" rtl="0" algn="l">
+              <a:lnSpc>
+                <a:spcPct val="100000"/>
+              </a:lnSpc>
+              <a:spcBef>
+                <a:spcPts val="0"/>
+              </a:spcBef>
+              <a:buNone/>
+            </a:pPr>
+            <a:r>
+              <a:t/>
+            </a:r>
+            <a:endParaRPr sz="2400">
+              <a:solidFill>
+                <a:srgbClr val="252525"/>
+              </a:solidFill>
+              <a:highlight>
+                <a:srgbClr val="FFFFFF"/>
+              </a:highlight>
+              <a:latin typeface="Calibri"/>
+              <a:ea typeface="Calibri"/>
+              <a:cs typeface="Calibri"/>
+              <a:sym typeface="Calibri"/>
+            </a:endParaRPr>
+          </a:p>
+          <a:p>
+            <a:pPr lvl="0" marR="0" rtl="0" algn="l">
+              <a:lnSpc>
+                <a:spcPct val="100000"/>
+              </a:lnSpc>
+              <a:spcBef>
+                <a:spcPts val="0"/>
+              </a:spcBef>
+              <a:buNone/>
+            </a:pPr>
+            <a:r>
+              <a:rPr lang="en-US" sz="2400">
+                <a:solidFill>
+                  <a:srgbClr val="252525"/>
+                </a:solidFill>
+                <a:highlight>
+                  <a:srgbClr val="FFFFFF"/>
+                </a:highlight>
+                <a:latin typeface="Calibri"/>
+                <a:ea typeface="Calibri"/>
+                <a:cs typeface="Calibri"/>
+                <a:sym typeface="Calibri"/>
+              </a:rPr>
+              <a:t>jcstress</a:t>
+            </a:r>
+          </a:p>
+          <a:p>
+            <a:pPr lvl="0" marR="0" rtl="0" algn="l">
+              <a:lnSpc>
+                <a:spcPct val="100000"/>
+              </a:lnSpc>
+              <a:spcBef>
+                <a:spcPts val="0"/>
+              </a:spcBef>
+              <a:buNone/>
+            </a:pPr>
+            <a:r>
+              <a:rPr lang="en-US" sz="1800" u="sng">
+                <a:solidFill>
+                  <a:schemeClr val="hlink"/>
+                </a:solidFill>
+                <a:highlight>
+                  <a:srgbClr val="FFFFFF"/>
+                </a:highlight>
+                <a:latin typeface="Calibri"/>
+                <a:ea typeface="Calibri"/>
+                <a:cs typeface="Calibri"/>
+                <a:sym typeface="Calibri"/>
+                <a:hlinkClick r:id="rId3"/>
+              </a:rPr>
+              <a:t>http://openjdk.java.net/projects/code-tools/jcstress/</a:t>
+            </a:r>
+          </a:p>
+          <a:p>
+            <a:pPr lvl="0" marR="0" rtl="0" algn="l">
+              <a:lnSpc>
+                <a:spcPct val="100000"/>
+              </a:lnSpc>
+              <a:spcBef>
+                <a:spcPts val="0"/>
+              </a:spcBef>
+              <a:buNone/>
+            </a:pPr>
+            <a:r>
+              <a:rPr lang="en-US" sz="2400">
+                <a:solidFill>
+                  <a:srgbClr val="252525"/>
+                </a:solidFill>
+                <a:highlight>
+                  <a:srgbClr val="FFFFFF"/>
+                </a:highlight>
+                <a:latin typeface="Calibri"/>
+                <a:ea typeface="Calibri"/>
+                <a:cs typeface="Calibri"/>
+                <a:sym typeface="Calibri"/>
+              </a:rPr>
+              <a:t>(requires JDK9)</a:t>
+            </a:r>
+          </a:p>
+        </p:txBody>
+      </p:sp>
+    </p:spTree>
+  </p:cSld>
+  <p:clrMapOvr>
+    <a:masterClrMapping/>
+  </p:clrMapOvr>
+</p:sld>
+</file>
+
+<file path=ppt/slides/slide51.xml><?xml version="1.0" encoding="utf-8"?>
+<p:sld xmlns:a="http://schemas.openxmlformats.org/drawingml/2006/main" xmlns:r="http://schemas.openxmlformats.org/officeDocument/2006/relationships" xmlns:mc="http://schemas.openxmlformats.org/markup-compatibility/2006" xmlns:mv="urn:schemas-microsoft-com:mac:vml" xmlns:p="http://schemas.openxmlformats.org/presentationml/2006/main" xmlns:c="http://schemas.openxmlformats.org/drawingml/2006/chart" xmlns:dgm="http://schemas.openxmlformats.org/drawingml/2006/diagram" xmlns:o="urn:schemas-microsoft-com:office:office" xmlns:v="urn:schemas-microsoft-com:vml" xmlns:pvml="urn:schemas-microsoft-com:office:powerpoint" xmlns:com="http://schemas.openxmlformats.org/drawingml/2006/compatibility" xmlns:p14="http://schemas.microsoft.com/office/powerpoint/2010/main">
+  <p:cSld>
+    <p:spTree>
+      <p:nvGrpSpPr>
+        <p:cNvPr id="531" name="Shape 531"/>
+        <p:cNvGrpSpPr/>
+        <p:nvPr/>
+      </p:nvGrpSpPr>
+      <p:grpSpPr>
+        <a:xfrm>
+          <a:off x="0" y="0"/>
+          <a:ext cx="0" cy="0"/>
+          <a:chOff x="0" y="0"/>
+          <a:chExt cx="0" cy="0"/>
+        </a:xfrm>
+      </p:grpSpPr>
+      <p:sp>
+        <p:nvSpPr>
+          <p:cNvPr id="532" name="Shape 532"/>
+          <p:cNvSpPr/>
+          <p:nvPr/>
+        </p:nvSpPr>
+        <p:spPr>
+          <a:xfrm>
+            <a:off x="6553080" y="4767119"/>
+            <a:ext cx="2133000" cy="273300"/>
+          </a:xfrm>
+          <a:prstGeom prst="rect">
+            <a:avLst/>
+          </a:prstGeom>
+          <a:noFill/>
+          <a:ln>
+            <a:noFill/>
+          </a:ln>
+        </p:spPr>
+        <p:txBody>
+          <a:bodyPr anchorCtr="0" anchor="ctr" bIns="45000" lIns="90000" rIns="90000" tIns="45000">
+            <a:noAutofit/>
+          </a:bodyPr>
+          <a:lstStyle/>
+          <a:p>
+            <a:pPr indent="0" lvl="0" marL="0" marR="0" rtl="0" algn="r">
+              <a:lnSpc>
+                <a:spcPct val="100000"/>
+              </a:lnSpc>
+              <a:spcBef>
+                <a:spcPts val="0"/>
+              </a:spcBef>
+              <a:buSzPct val="25000"/>
+              <a:buNone/>
+            </a:pPr>
+            <a:fld id="{00000000-1234-1234-1234-123412341234}" type="slidenum">
+              <a:rPr b="0" i="0" lang="en-US" sz="1200" u="none" cap="none" strike="noStrike">
+                <a:solidFill>
+                  <a:srgbClr val="8B8B8B"/>
+                </a:solidFill>
+                <a:latin typeface="Calibri"/>
+                <a:ea typeface="Calibri"/>
+                <a:cs typeface="Calibri"/>
+                <a:sym typeface="Calibri"/>
+              </a:rPr>
+              <a:t>‹#›</a:t>
+            </a:fld>
+          </a:p>
+        </p:txBody>
+      </p:sp>
+      <p:pic>
+        <p:nvPicPr>
+          <p:cNvPr id="533" name="Shape 533"/>
+          <p:cNvPicPr preferRelativeResize="0"/>
+          <p:nvPr/>
+        </p:nvPicPr>
+        <p:blipFill>
+          <a:blip r:embed="rId3">
+            <a:alphaModFix/>
+          </a:blip>
+          <a:stretch>
+            <a:fillRect/>
+          </a:stretch>
+        </p:blipFill>
+        <p:spPr>
+          <a:xfrm>
+            <a:off x="1611211" y="2"/>
+            <a:ext cx="5212688" cy="5143500"/>
+          </a:xfrm>
+          <a:prstGeom prst="rect">
+            <a:avLst/>
+          </a:prstGeom>
+          <a:noFill/>
+          <a:ln>
+            <a:noFill/>
+          </a:ln>
+        </p:spPr>
+      </p:pic>
+      <p:sp>
+        <p:nvSpPr>
+          <p:cNvPr id="534" name="Shape 534"/>
+          <p:cNvSpPr/>
+          <p:nvPr/>
+        </p:nvSpPr>
+        <p:spPr>
+          <a:xfrm>
+            <a:off x="1611200" y="10550"/>
+            <a:ext cx="5212800" cy="1041000"/>
+          </a:xfrm>
+          <a:prstGeom prst="rect">
+            <a:avLst/>
+          </a:prstGeom>
+          <a:solidFill>
+            <a:schemeClr val="lt2"/>
+          </a:solidFill>
+          <a:ln>
+            <a:noFill/>
+          </a:ln>
+        </p:spPr>
+        <p:txBody>
+          <a:bodyPr anchorCtr="0" anchor="ctr" bIns="91425" lIns="91425" rIns="91425" tIns="91425">
+            <a:noAutofit/>
+          </a:bodyPr>
+          <a:lstStyle/>
+          <a:p>
+            <a:pPr lvl="0" algn="ctr">
+              <a:spcBef>
+                <a:spcPts val="0"/>
+              </a:spcBef>
+              <a:buNone/>
+            </a:pPr>
+            <a:r>
+              <a:rPr b="1" lang="en-US" sz="2400">
+                <a:solidFill>
+                  <a:srgbClr val="A61C00"/>
+                </a:solidFill>
+              </a:rPr>
+              <a:t>Вот теперь понятно, cпасибо!</a:t>
+            </a:r>
+          </a:p>
+        </p:txBody>
+      </p:sp>
+      <p:sp>
+        <p:nvSpPr>
+          <p:cNvPr id="535" name="Shape 535"/>
+          <p:cNvSpPr/>
+          <p:nvPr/>
+        </p:nvSpPr>
+        <p:spPr>
+          <a:xfrm>
+            <a:off x="0" y="10550"/>
+            <a:ext cx="1611300" cy="5143500"/>
+          </a:xfrm>
+          <a:prstGeom prst="rect">
+            <a:avLst/>
+          </a:prstGeom>
+          <a:solidFill>
+            <a:schemeClr val="lt2"/>
+          </a:solidFill>
+          <a:ln>
+            <a:noFill/>
+          </a:ln>
+        </p:spPr>
+        <p:txBody>
+          <a:bodyPr anchorCtr="0" anchor="ctr" bIns="91425" lIns="91425" rIns="91425" tIns="91425">
+            <a:noAutofit/>
+          </a:bodyPr>
+          <a:lstStyle/>
+          <a:p>
+            <a:pPr lvl="0" rtl="0" algn="ctr">
+              <a:spcBef>
+                <a:spcPts val="0"/>
+              </a:spcBef>
+              <a:buNone/>
+            </a:pPr>
+            <a:r>
+              <a:t/>
+            </a:r>
+            <a:endParaRPr b="1" sz="2400">
+              <a:solidFill>
+                <a:srgbClr val="A61C00"/>
+              </a:solidFill>
+            </a:endParaRPr>
+          </a:p>
+        </p:txBody>
+      </p:sp>
+      <p:sp>
+        <p:nvSpPr>
+          <p:cNvPr id="536" name="Shape 536"/>
+          <p:cNvSpPr/>
+          <p:nvPr/>
+        </p:nvSpPr>
+        <p:spPr>
+          <a:xfrm>
+            <a:off x="6813925" y="0"/>
+            <a:ext cx="2330100" cy="5143500"/>
+          </a:xfrm>
+          <a:prstGeom prst="rect">
+            <a:avLst/>
+          </a:prstGeom>
+          <a:solidFill>
+            <a:schemeClr val="lt2"/>
+          </a:solidFill>
+          <a:ln>
+            <a:noFill/>
+          </a:ln>
+        </p:spPr>
+        <p:txBody>
+          <a:bodyPr anchorCtr="0" anchor="ctr" bIns="91425" lIns="91425" rIns="91425" tIns="91425">
+            <a:noAutofit/>
+          </a:bodyPr>
+          <a:lstStyle/>
+          <a:p>
+            <a:pPr lvl="0" rtl="0" algn="ctr">
+              <a:spcBef>
+                <a:spcPts val="0"/>
+              </a:spcBef>
+              <a:buNone/>
+            </a:pPr>
+            <a:r>
+              <a:t/>
+            </a:r>
+            <a:endParaRPr b="1" sz="2400">
+              <a:solidFill>
+                <a:srgbClr val="A61C00"/>
+              </a:solidFill>
+            </a:endParaRPr>
+          </a:p>
+        </p:txBody>
+      </p:sp>
+    </p:spTree>
+  </p:cSld>
+  <p:clrMapOvr>
+    <a:masterClrMapping/>
+  </p:clrMapOvr>
+</p:sld>
+</file>
+
+<file path=ppt/slides/slide52.xml><?xml version="1.0" encoding="utf-8"?>
+<p:sld xmlns:a="http://schemas.openxmlformats.org/drawingml/2006/main" xmlns:r="http://schemas.openxmlformats.org/officeDocument/2006/relationships" xmlns:mc="http://schemas.openxmlformats.org/markup-compatibility/2006" xmlns:mv="urn:schemas-microsoft-com:mac:vml" xmlns:p="http://schemas.openxmlformats.org/presentationml/2006/main" xmlns:c="http://schemas.openxmlformats.org/drawingml/2006/chart" xmlns:dgm="http://schemas.openxmlformats.org/drawingml/2006/diagram" xmlns:o="urn:schemas-microsoft-com:office:office" xmlns:v="urn:schemas-microsoft-com:vml" xmlns:pvml="urn:schemas-microsoft-com:office:powerpoint" xmlns:com="http://schemas.openxmlformats.org/drawingml/2006/compatibility" xmlns:p14="http://schemas.microsoft.com/office/powerpoint/2010/main">
+  <p:cSld>
+    <p:bg>
+      <p:bgPr>
+        <a:blipFill rotWithShape="1">
+          <a:blip r:embed="rId3">
+            <a:alphaModFix/>
+          </a:blip>
+          <a:stretch>
+            <a:fillRect b="0" l="0" r="0" t="0"/>
+          </a:stretch>
+        </a:blipFill>
+      </p:bgPr>
+    </p:bg>
+    <p:spTree>
+      <p:nvGrpSpPr>
+        <p:cNvPr id="540" name="Shape 540"/>
+        <p:cNvGrpSpPr/>
+        <p:nvPr/>
+      </p:nvGrpSpPr>
+      <p:grpSpPr>
+        <a:xfrm>
+          <a:off x="0" y="0"/>
+          <a:ext cx="0" cy="0"/>
+          <a:chOff x="0" y="0"/>
+          <a:chExt cx="0" cy="0"/>
+        </a:xfrm>
+      </p:grpSpPr>
+      <p:sp>
+        <p:nvSpPr>
+          <p:cNvPr id="541" name="Shape 541"/>
+          <p:cNvSpPr/>
+          <p:nvPr/>
+        </p:nvSpPr>
+        <p:spPr>
+          <a:xfrm>
+            <a:off x="506520" y="1607400"/>
+            <a:ext cx="6230880" cy="1617480"/>
+          </a:xfrm>
+          <a:prstGeom prst="rect">
+            <a:avLst/>
+          </a:prstGeom>
+          <a:noFill/>
+          <a:ln>
+            <a:noFill/>
+          </a:ln>
+        </p:spPr>
+        <p:txBody>
+          <a:bodyPr anchorCtr="0" anchor="ctr" bIns="45000" lIns="90000" rIns="90000" tIns="45000">
+            <a:noAutofit/>
+          </a:bodyPr>
+          <a:lstStyle/>
+          <a:p>
+            <a:pPr indent="0" lvl="0" marL="0" marR="0" rtl="0" algn="l">
+              <a:spcBef>
+                <a:spcPts val="0"/>
+              </a:spcBef>
+              <a:buSzPct val="25000"/>
+              <a:buNone/>
+            </a:pPr>
+            <a:r>
+              <a:rPr b="0" lang="en-US" sz="5800" strike="noStrike">
+                <a:solidFill>
+                  <a:srgbClr val="FFFFFF"/>
+                </a:solidFill>
+                <a:latin typeface="Arial Black"/>
+                <a:ea typeface="Arial Black"/>
+                <a:cs typeface="Arial Black"/>
+                <a:sym typeface="Arial Black"/>
+              </a:rPr>
+              <a:t>Спасибо</a:t>
+            </a:r>
+          </a:p>
+          <a:p>
+            <a:pPr indent="0" lvl="0" marL="0" marR="0" rtl="0" algn="l">
+              <a:lnSpc>
+                <a:spcPct val="100000"/>
+              </a:lnSpc>
+              <a:spcBef>
+                <a:spcPts val="0"/>
+              </a:spcBef>
+              <a:buSzPct val="25000"/>
+              <a:buNone/>
+            </a:pPr>
+            <a:r>
+              <a:rPr b="0" lang="en-US" sz="5800" strike="noStrike">
+                <a:solidFill>
+                  <a:srgbClr val="FFFFFF"/>
+                </a:solidFill>
+                <a:latin typeface="Arial Black"/>
+                <a:ea typeface="Arial Black"/>
+                <a:cs typeface="Arial Black"/>
+                <a:sym typeface="Arial Black"/>
+              </a:rPr>
+              <a:t>за внимание!</a:t>
+            </a:r>
+          </a:p>
+        </p:txBody>
+      </p:sp>
+      <p:sp>
+        <p:nvSpPr>
+          <p:cNvPr id="542" name="Shape 542"/>
+          <p:cNvSpPr/>
+          <p:nvPr/>
+        </p:nvSpPr>
+        <p:spPr>
+          <a:xfrm>
+            <a:off x="506520" y="3724560"/>
+            <a:ext cx="4352759" cy="1553039"/>
+          </a:xfrm>
+          <a:prstGeom prst="rect">
+            <a:avLst/>
+          </a:prstGeom>
+          <a:noFill/>
+          <a:ln>
+            <a:noFill/>
+          </a:ln>
+        </p:spPr>
+        <p:txBody>
+          <a:bodyPr anchorCtr="0" anchor="t" bIns="45000" lIns="90000" rIns="90000" tIns="45000">
+            <a:noAutofit/>
+          </a:bodyPr>
+          <a:lstStyle/>
+          <a:p>
+            <a:pPr indent="0" lvl="0" marL="0" marR="0" rtl="0" algn="l">
+              <a:lnSpc>
+                <a:spcPct val="100000"/>
+              </a:lnSpc>
+              <a:spcBef>
+                <a:spcPts val="0"/>
+              </a:spcBef>
+              <a:buSzPct val="25000"/>
+              <a:buNone/>
+            </a:pPr>
+            <a:r>
+              <a:rPr lang="en-US" sz="2400"/>
+              <a:t>Александр Помосов</a:t>
+            </a:r>
+          </a:p>
+          <a:p>
+            <a:pPr indent="0" lvl="0" marL="0" marR="0" rtl="0" algn="l">
+              <a:lnSpc>
+                <a:spcPct val="100000"/>
+              </a:lnSpc>
+              <a:spcBef>
+                <a:spcPts val="0"/>
+              </a:spcBef>
+              <a:buNone/>
+            </a:pPr>
+            <a:r>
+              <a:t/>
+            </a:r>
+            <a:endParaRPr b="0" sz="1800" strike="noStrike">
+              <a:solidFill>
+                <a:srgbClr val="000000"/>
+              </a:solidFill>
+              <a:latin typeface="Arial"/>
+              <a:ea typeface="Arial"/>
+              <a:cs typeface="Arial"/>
+              <a:sym typeface="Arial"/>
+            </a:endParaRPr>
+          </a:p>
+          <a:p>
+            <a:pPr indent="0" lvl="0" marL="0" marR="0" rtl="0" algn="l">
+              <a:lnSpc>
+                <a:spcPct val="100000"/>
+              </a:lnSpc>
+              <a:spcBef>
+                <a:spcPts val="0"/>
+              </a:spcBef>
+              <a:buSzPct val="25000"/>
+              <a:buNone/>
+            </a:pPr>
+            <a:r>
+              <a:rPr lang="en-US" sz="2400"/>
+              <a:t>alpieex@gmail.com</a:t>
+            </a:r>
+          </a:p>
+          <a:p>
+            <a:pPr indent="0" lvl="0" marL="0" marR="0" rtl="0" algn="l">
+              <a:lnSpc>
+                <a:spcPct val="100000"/>
+              </a:lnSpc>
+              <a:spcBef>
+                <a:spcPts val="0"/>
+              </a:spcBef>
+              <a:buNone/>
+            </a:pPr>
+            <a:r>
+              <a:t/>
+            </a:r>
+            <a:endParaRPr b="0" sz="1800" strike="noStrike">
+              <a:solidFill>
+                <a:srgbClr val="000000"/>
+              </a:solidFill>
+              <a:latin typeface="Arial"/>
+              <a:ea typeface="Arial"/>
+              <a:cs typeface="Arial"/>
+              <a:sym typeface="Arial"/>
+            </a:endParaRPr>
           </a:p>
         </p:txBody>
       </p:sp>
@@ -39986,9 +41069,9 @@
 </file>
 
 <file path=ppt/theme/theme1.xml><?xml version="1.0" encoding="utf-8"?>
-<a:theme xmlns:a="http://schemas.openxmlformats.org/drawingml/2006/main" xmlns:r="http://schemas.openxmlformats.org/officeDocument/2006/relationships" name="Office Theme">
+<a:theme xmlns:a="http://schemas.openxmlformats.org/drawingml/2006/main" xmlns:r="http://schemas.openxmlformats.org/officeDocument/2006/relationships" name="Custom Theme">
   <a:themeElements>
-    <a:clrScheme name="Office">
+    <a:clrScheme name="Default">
       <a:dk1>
         <a:srgbClr val="000000"/>
       </a:dk1>
@@ -39996,34 +41079,34 @@
         <a:srgbClr val="FFFFFF"/>
       </a:lt1>
       <a:dk2>
-        <a:srgbClr val="1F497D"/>
+        <a:srgbClr val="158158"/>
       </a:dk2>
       <a:lt2>
-        <a:srgbClr val="EEECE1"/>
+        <a:srgbClr val="F3F3F3"/>
       </a:lt2>
       <a:accent1>
-        <a:srgbClr val="4F81BD"/>
+        <a:srgbClr val="058DC7"/>
       </a:accent1>
       <a:accent2>
-        <a:srgbClr val="C0504D"/>
+        <a:srgbClr val="50B432"/>
       </a:accent2>
       <a:accent3>
-        <a:srgbClr val="9BBB59"/>
+        <a:srgbClr val="ED561B"/>
       </a:accent3>
       <a:accent4>
-        <a:srgbClr val="8064A2"/>
+        <a:srgbClr val="EDEF00"/>
       </a:accent4>
       <a:accent5>
-        <a:srgbClr val="4BACC6"/>
+        <a:srgbClr val="24CBE5"/>
       </a:accent5>
       <a:accent6>
-        <a:srgbClr val="F79646"/>
+        <a:srgbClr val="64E572"/>
       </a:accent6>
       <a:hlink>
-        <a:srgbClr val="0000FF"/>
+        <a:srgbClr val="2200CC"/>
       </a:hlink>
       <a:folHlink>
-        <a:srgbClr val="800080"/>
+        <a:srgbClr val="551A8B"/>
       </a:folHlink>
     </a:clrScheme>
     <a:fontScheme name="Office">
@@ -40544,9 +41627,9 @@
 </file>
 
 <file path=ppt/theme/theme3.xml><?xml version="1.0" encoding="utf-8"?>
-<a:theme xmlns:a="http://schemas.openxmlformats.org/drawingml/2006/main" xmlns:r="http://schemas.openxmlformats.org/officeDocument/2006/relationships" name="Custom Theme">
+<a:theme xmlns:a="http://schemas.openxmlformats.org/drawingml/2006/main" xmlns:r="http://schemas.openxmlformats.org/officeDocument/2006/relationships" name="Office Theme">
   <a:themeElements>
-    <a:clrScheme name="Default">
+    <a:clrScheme name="Office">
       <a:dk1>
         <a:srgbClr val="000000"/>
       </a:dk1>
@@ -40554,34 +41637,34 @@
         <a:srgbClr val="FFFFFF"/>
       </a:lt1>
       <a:dk2>
-        <a:srgbClr val="158158"/>
+        <a:srgbClr val="1F497D"/>
       </a:dk2>
       <a:lt2>
-        <a:srgbClr val="F3F3F3"/>
+        <a:srgbClr val="EEECE1"/>
       </a:lt2>
       <a:accent1>
-        <a:srgbClr val="058DC7"/>
+        <a:srgbClr val="4F81BD"/>
       </a:accent1>
       <a:accent2>
-        <a:srgbClr val="50B432"/>
+        <a:srgbClr val="C0504D"/>
       </a:accent2>
       <a:accent3>
-        <a:srgbClr val="ED561B"/>
+        <a:srgbClr val="9BBB59"/>
       </a:accent3>
       <a:accent4>
-        <a:srgbClr val="EDEF00"/>
+        <a:srgbClr val="8064A2"/>
       </a:accent4>
       <a:accent5>
-        <a:srgbClr val="24CBE5"/>
+        <a:srgbClr val="4BACC6"/>
       </a:accent5>
       <a:accent6>
-        <a:srgbClr val="64E572"/>
+        <a:srgbClr val="F79646"/>
       </a:accent6>
       <a:hlink>
-        <a:srgbClr val="2200CC"/>
+        <a:srgbClr val="0000FF"/>
       </a:hlink>
       <a:folHlink>
-        <a:srgbClr val="551A8B"/>
+        <a:srgbClr val="800080"/>
       </a:folHlink>
     </a:clrScheme>
     <a:fontScheme name="Office">
